--- a/Presentation DrInfoAbend - english.pptx
+++ b/Presentation DrInfoAbend - english.pptx
@@ -1,29 +1,456 @@
 
 <file path=ppt/presentation.xml><?xml version="1.0" encoding="utf-8"?>
-<p:presentation xmlns:a="http://schemas.openxmlformats.org/drawingml/2006/main" xmlns:p="http://schemas.openxmlformats.org/presentationml/2006/main" xmlns:r="http://schemas.openxmlformats.org/officeDocument/2006/relationships" xmlns:p14="http://schemas.microsoft.com/office/powerpoint/2010/main" xmlns:p15="http://schemas.microsoft.com/office/powerpoint/2012/main" xmlns:mc="http://schemas.openxmlformats.org/markup-compatibility/2006">
+<p:presentation xmlns:a="http://schemas.openxmlformats.org/drawingml/2006/main" xmlns:r="http://schemas.openxmlformats.org/officeDocument/2006/relationships" xmlns:p="http://schemas.openxmlformats.org/presentationml/2006/main">
   <p:sldMasterIdLst>
-    <p:sldMasterId id="2147483648" r:id="rId2"/>
-    <p:sldMasterId id="2147483661" r:id="rId3"/>
-    <p:sldMasterId id="2147483674" r:id="rId4"/>
+    <p:sldMasterId id="2147483648" r:id="rId1"/>
+    <p:sldMasterId id="2147483661" r:id="rId2"/>
+    <p:sldMasterId id="2147483674" r:id="rId3"/>
   </p:sldMasterIdLst>
   <p:notesMasterIdLst>
-    <p:notesMasterId r:id="rId5"/>
+    <p:notesMasterId r:id="rId10"/>
   </p:notesMasterIdLst>
   <p:sldIdLst>
-    <p:sldId id="256" r:id="rId6"/>
-    <p:sldId id="257" r:id="rId7"/>
-    <p:sldId id="258" r:id="rId8"/>
-    <p:sldId id="259" r:id="rId9"/>
-    <p:sldId id="260" r:id="rId10"/>
-    <p:sldId id="261" r:id="rId11"/>
+    <p:sldId id="256" r:id="rId4"/>
+    <p:sldId id="257" r:id="rId5"/>
+    <p:sldId id="258" r:id="rId6"/>
+    <p:sldId id="259" r:id="rId7"/>
+    <p:sldId id="260" r:id="rId8"/>
+    <p:sldId id="261" r:id="rId9"/>
   </p:sldIdLst>
   <p:sldSz cx="12192000" cy="6858000"/>
   <p:notesSz cx="12192000" cy="6858000"/>
+  <p:defaultTextStyle>
+    <a:defPPr>
+      <a:defRPr lang="de-DE"/>
+    </a:defPPr>
+    <a:lvl1pPr marL="0" algn="l" defTabSz="914400" rtl="0" eaLnBrk="1" latinLnBrk="0" hangingPunct="1">
+      <a:defRPr sz="1800" kern="1200">
+        <a:solidFill>
+          <a:schemeClr val="tx1"/>
+        </a:solidFill>
+        <a:latin typeface="+mn-lt"/>
+        <a:ea typeface="+mn-ea"/>
+        <a:cs typeface="+mn-cs"/>
+      </a:defRPr>
+    </a:lvl1pPr>
+    <a:lvl2pPr marL="457200" algn="l" defTabSz="914400" rtl="0" eaLnBrk="1" latinLnBrk="0" hangingPunct="1">
+      <a:defRPr sz="1800" kern="1200">
+        <a:solidFill>
+          <a:schemeClr val="tx1"/>
+        </a:solidFill>
+        <a:latin typeface="+mn-lt"/>
+        <a:ea typeface="+mn-ea"/>
+        <a:cs typeface="+mn-cs"/>
+      </a:defRPr>
+    </a:lvl2pPr>
+    <a:lvl3pPr marL="914400" algn="l" defTabSz="914400" rtl="0" eaLnBrk="1" latinLnBrk="0" hangingPunct="1">
+      <a:defRPr sz="1800" kern="1200">
+        <a:solidFill>
+          <a:schemeClr val="tx1"/>
+        </a:solidFill>
+        <a:latin typeface="+mn-lt"/>
+        <a:ea typeface="+mn-ea"/>
+        <a:cs typeface="+mn-cs"/>
+      </a:defRPr>
+    </a:lvl3pPr>
+    <a:lvl4pPr marL="1371600" algn="l" defTabSz="914400" rtl="0" eaLnBrk="1" latinLnBrk="0" hangingPunct="1">
+      <a:defRPr sz="1800" kern="1200">
+        <a:solidFill>
+          <a:schemeClr val="tx1"/>
+        </a:solidFill>
+        <a:latin typeface="+mn-lt"/>
+        <a:ea typeface="+mn-ea"/>
+        <a:cs typeface="+mn-cs"/>
+      </a:defRPr>
+    </a:lvl4pPr>
+    <a:lvl5pPr marL="1828800" algn="l" defTabSz="914400" rtl="0" eaLnBrk="1" latinLnBrk="0" hangingPunct="1">
+      <a:defRPr sz="1800" kern="1200">
+        <a:solidFill>
+          <a:schemeClr val="tx1"/>
+        </a:solidFill>
+        <a:latin typeface="+mn-lt"/>
+        <a:ea typeface="+mn-ea"/>
+        <a:cs typeface="+mn-cs"/>
+      </a:defRPr>
+    </a:lvl5pPr>
+    <a:lvl6pPr marL="2286000" algn="l" defTabSz="914400" rtl="0" eaLnBrk="1" latinLnBrk="0" hangingPunct="1">
+      <a:defRPr sz="1800" kern="1200">
+        <a:solidFill>
+          <a:schemeClr val="tx1"/>
+        </a:solidFill>
+        <a:latin typeface="+mn-lt"/>
+        <a:ea typeface="+mn-ea"/>
+        <a:cs typeface="+mn-cs"/>
+      </a:defRPr>
+    </a:lvl6pPr>
+    <a:lvl7pPr marL="2743200" algn="l" defTabSz="914400" rtl="0" eaLnBrk="1" latinLnBrk="0" hangingPunct="1">
+      <a:defRPr sz="1800" kern="1200">
+        <a:solidFill>
+          <a:schemeClr val="tx1"/>
+        </a:solidFill>
+        <a:latin typeface="+mn-lt"/>
+        <a:ea typeface="+mn-ea"/>
+        <a:cs typeface="+mn-cs"/>
+      </a:defRPr>
+    </a:lvl7pPr>
+    <a:lvl8pPr marL="3200400" algn="l" defTabSz="914400" rtl="0" eaLnBrk="1" latinLnBrk="0" hangingPunct="1">
+      <a:defRPr sz="1800" kern="1200">
+        <a:solidFill>
+          <a:schemeClr val="tx1"/>
+        </a:solidFill>
+        <a:latin typeface="+mn-lt"/>
+        <a:ea typeface="+mn-ea"/>
+        <a:cs typeface="+mn-cs"/>
+      </a:defRPr>
+    </a:lvl8pPr>
+    <a:lvl9pPr marL="3657600" algn="l" defTabSz="914400" rtl="0" eaLnBrk="1" latinLnBrk="0" hangingPunct="1">
+      <a:defRPr sz="1800" kern="1200">
+        <a:solidFill>
+          <a:schemeClr val="tx1"/>
+        </a:solidFill>
+        <a:latin typeface="+mn-lt"/>
+        <a:ea typeface="+mn-ea"/>
+        <a:cs typeface="+mn-cs"/>
+      </a:defRPr>
+    </a:lvl9pPr>
+  </p:defaultTextStyle>
 </p:presentation>
 </file>
 
 <file path=ppt/notesMasters/notesMaster1.xml><?xml version="1.0" encoding="utf-8"?>
-<p:notesMaster xmlns:a="http://schemas.openxmlformats.org/drawingml/2006/main" xmlns:p="http://schemas.openxmlformats.org/presentationml/2006/main" xmlns:r="http://schemas.openxmlformats.org/officeDocument/2006/relationships" xmlns:p14="http://schemas.microsoft.com/office/powerpoint/2010/main" xmlns:p15="http://schemas.microsoft.com/office/powerpoint/2012/main" xmlns:mc="http://schemas.openxmlformats.org/markup-compatibility/2006">
+<p:notesMaster xmlns:a="http://schemas.openxmlformats.org/drawingml/2006/main" xmlns:r="http://schemas.openxmlformats.org/officeDocument/2006/relationships" xmlns:p="http://schemas.openxmlformats.org/presentationml/2006/main">
+  <p:cSld>
+    <p:bg>
+      <p:bgRef idx="1001">
+        <a:schemeClr val="bg1"/>
+      </p:bgRef>
+    </p:bg>
+    <p:spTree>
+      <p:nvGrpSpPr>
+        <p:cNvPr id="1" name=""/>
+        <p:cNvGrpSpPr/>
+        <p:nvPr/>
+      </p:nvGrpSpPr>
+      <p:grpSpPr>
+        <a:xfrm>
+          <a:off x="0" y="0"/>
+          <a:ext cx="0" cy="0"/>
+          <a:chOff x="0" y="0"/>
+          <a:chExt cx="0" cy="0"/>
+        </a:xfrm>
+      </p:grpSpPr>
+      <p:sp>
+        <p:nvSpPr>
+          <p:cNvPr id="114" name="PlaceHolder 1"/>
+          <p:cNvSpPr>
+            <a:spLocks noGrp="1" noRot="1" noChangeAspect="1"/>
+          </p:cNvSpPr>
+          <p:nvPr>
+            <p:ph type="sldImg"/>
+          </p:nvPr>
+        </p:nvSpPr>
+        <p:spPr>
+          <a:xfrm>
+            <a:off x="216000" y="812520"/>
+            <a:ext cx="7127280" cy="4008960"/>
+          </a:xfrm>
+          <a:prstGeom prst="rect">
+            <a:avLst/>
+          </a:prstGeom>
+        </p:spPr>
+        <p:txBody>
+          <a:bodyPr lIns="0" tIns="0" rIns="0" bIns="0" anchor="ctr">
+            <a:noAutofit/>
+          </a:bodyPr>
+          <a:lstStyle/>
+          <a:p>
+            <a:r>
+              <a:rPr lang="en-US" sz="1800" b="0" strike="noStrike" spc="-1">
+                <a:solidFill>
+                  <a:srgbClr val="000000"/>
+                </a:solidFill>
+                <a:latin typeface="Arial"/>
+              </a:rPr>
+              <a:t>Click to move the slide</a:t>
+            </a:r>
+          </a:p>
+        </p:txBody>
+      </p:sp>
+      <p:sp>
+        <p:nvSpPr>
+          <p:cNvPr id="115" name="PlaceHolder 2"/>
+          <p:cNvSpPr>
+            <a:spLocks noGrp="1"/>
+          </p:cNvSpPr>
+          <p:nvPr>
+            <p:ph type="body"/>
+          </p:nvPr>
+        </p:nvSpPr>
+        <p:spPr>
+          <a:xfrm>
+            <a:off x="756000" y="5078520"/>
+            <a:ext cx="6047640" cy="4811040"/>
+          </a:xfrm>
+          <a:prstGeom prst="rect">
+            <a:avLst/>
+          </a:prstGeom>
+        </p:spPr>
+        <p:txBody>
+          <a:bodyPr lIns="0" tIns="0" rIns="0" bIns="0">
+            <a:noAutofit/>
+          </a:bodyPr>
+          <a:lstStyle/>
+          <a:p>
+            <a:r>
+              <a:rPr lang="de-AT" sz="2000" b="0" strike="noStrike" spc="-1">
+                <a:latin typeface="Arial"/>
+              </a:rPr>
+              <a:t>Click to edit the notes format</a:t>
+            </a:r>
+          </a:p>
+        </p:txBody>
+      </p:sp>
+      <p:sp>
+        <p:nvSpPr>
+          <p:cNvPr id="116" name="PlaceHolder 3"/>
+          <p:cNvSpPr>
+            <a:spLocks noGrp="1"/>
+          </p:cNvSpPr>
+          <p:nvPr>
+            <p:ph type="hdr"/>
+          </p:nvPr>
+        </p:nvSpPr>
+        <p:spPr>
+          <a:xfrm>
+            <a:off x="0" y="0"/>
+            <a:ext cx="3280680" cy="534240"/>
+          </a:xfrm>
+          <a:prstGeom prst="rect">
+            <a:avLst/>
+          </a:prstGeom>
+        </p:spPr>
+        <p:txBody>
+          <a:bodyPr lIns="0" tIns="0" rIns="0" bIns="0">
+            <a:noAutofit/>
+          </a:bodyPr>
+          <a:lstStyle/>
+          <a:p>
+            <a:r>
+              <a:rPr lang="de-AT" sz="1400" b="0" strike="noStrike" spc="-1">
+                <a:latin typeface="Times New Roman"/>
+              </a:rPr>
+              <a:t>&lt;header&gt;</a:t>
+            </a:r>
+          </a:p>
+        </p:txBody>
+      </p:sp>
+      <p:sp>
+        <p:nvSpPr>
+          <p:cNvPr id="117" name="PlaceHolder 4"/>
+          <p:cNvSpPr>
+            <a:spLocks noGrp="1"/>
+          </p:cNvSpPr>
+          <p:nvPr>
+            <p:ph type="dt"/>
+          </p:nvPr>
+        </p:nvSpPr>
+        <p:spPr>
+          <a:xfrm>
+            <a:off x="4278960" y="0"/>
+            <a:ext cx="3280680" cy="534240"/>
+          </a:xfrm>
+          <a:prstGeom prst="rect">
+            <a:avLst/>
+          </a:prstGeom>
+        </p:spPr>
+        <p:txBody>
+          <a:bodyPr lIns="0" tIns="0" rIns="0" bIns="0">
+            <a:noAutofit/>
+          </a:bodyPr>
+          <a:lstStyle/>
+          <a:p>
+            <a:pPr algn="r"/>
+            <a:r>
+              <a:rPr lang="de-AT" sz="1400" b="0" strike="noStrike" spc="-1">
+                <a:latin typeface="Times New Roman"/>
+              </a:rPr>
+              <a:t>&lt;date/time&gt;</a:t>
+            </a:r>
+          </a:p>
+        </p:txBody>
+      </p:sp>
+      <p:sp>
+        <p:nvSpPr>
+          <p:cNvPr id="118" name="PlaceHolder 5"/>
+          <p:cNvSpPr>
+            <a:spLocks noGrp="1"/>
+          </p:cNvSpPr>
+          <p:nvPr>
+            <p:ph type="ftr"/>
+          </p:nvPr>
+        </p:nvSpPr>
+        <p:spPr>
+          <a:xfrm>
+            <a:off x="0" y="10157400"/>
+            <a:ext cx="3280680" cy="534240"/>
+          </a:xfrm>
+          <a:prstGeom prst="rect">
+            <a:avLst/>
+          </a:prstGeom>
+        </p:spPr>
+        <p:txBody>
+          <a:bodyPr lIns="0" tIns="0" rIns="0" bIns="0" anchor="b">
+            <a:noAutofit/>
+          </a:bodyPr>
+          <a:lstStyle/>
+          <a:p>
+            <a:r>
+              <a:rPr lang="de-AT" sz="1400" b="0" strike="noStrike" spc="-1">
+                <a:latin typeface="Times New Roman"/>
+              </a:rPr>
+              <a:t>&lt;footer&gt;</a:t>
+            </a:r>
+          </a:p>
+        </p:txBody>
+      </p:sp>
+      <p:sp>
+        <p:nvSpPr>
+          <p:cNvPr id="119" name="PlaceHolder 6"/>
+          <p:cNvSpPr>
+            <a:spLocks noGrp="1"/>
+          </p:cNvSpPr>
+          <p:nvPr>
+            <p:ph type="sldNum"/>
+          </p:nvPr>
+        </p:nvSpPr>
+        <p:spPr>
+          <a:xfrm>
+            <a:off x="4278960" y="10157400"/>
+            <a:ext cx="3280680" cy="534240"/>
+          </a:xfrm>
+          <a:prstGeom prst="rect">
+            <a:avLst/>
+          </a:prstGeom>
+        </p:spPr>
+        <p:txBody>
+          <a:bodyPr lIns="0" tIns="0" rIns="0" bIns="0" anchor="b">
+            <a:noAutofit/>
+          </a:bodyPr>
+          <a:lstStyle/>
+          <a:p>
+            <a:pPr algn="r"/>
+            <a:fld id="{9B78F96A-A050-4091-88F3-C681DB256BD3}" type="slidenum">
+              <a:rPr lang="de-AT" sz="1400" b="0" strike="noStrike" spc="-1">
+                <a:latin typeface="Times New Roman"/>
+              </a:rPr>
+              <a:t>‹Nr.›</a:t>
+            </a:fld>
+            <a:endParaRPr lang="de-AT" sz="1400" b="0" strike="noStrike" spc="-1">
+              <a:latin typeface="Times New Roman"/>
+            </a:endParaRPr>
+          </a:p>
+        </p:txBody>
+      </p:sp>
+    </p:spTree>
+  </p:cSld>
+  <p:clrMap bg1="lt1" tx1="dk1" bg2="lt2" tx2="dk2" accent1="accent1" accent2="accent2" accent3="accent3" accent4="accent4" accent5="accent5" accent6="accent6" hlink="hlink" folHlink="folHlink"/>
+  <p:notesStyle>
+    <a:lvl1pPr marL="0" algn="l" defTabSz="914400" rtl="0" eaLnBrk="1" latinLnBrk="0" hangingPunct="1">
+      <a:defRPr sz="1200" kern="1200">
+        <a:solidFill>
+          <a:schemeClr val="tx1"/>
+        </a:solidFill>
+        <a:latin typeface="+mn-lt"/>
+        <a:ea typeface="+mn-ea"/>
+        <a:cs typeface="+mn-cs"/>
+      </a:defRPr>
+    </a:lvl1pPr>
+    <a:lvl2pPr marL="457200" algn="l" defTabSz="914400" rtl="0" eaLnBrk="1" latinLnBrk="0" hangingPunct="1">
+      <a:defRPr sz="1200" kern="1200">
+        <a:solidFill>
+          <a:schemeClr val="tx1"/>
+        </a:solidFill>
+        <a:latin typeface="+mn-lt"/>
+        <a:ea typeface="+mn-ea"/>
+        <a:cs typeface="+mn-cs"/>
+      </a:defRPr>
+    </a:lvl2pPr>
+    <a:lvl3pPr marL="914400" algn="l" defTabSz="914400" rtl="0" eaLnBrk="1" latinLnBrk="0" hangingPunct="1">
+      <a:defRPr sz="1200" kern="1200">
+        <a:solidFill>
+          <a:schemeClr val="tx1"/>
+        </a:solidFill>
+        <a:latin typeface="+mn-lt"/>
+        <a:ea typeface="+mn-ea"/>
+        <a:cs typeface="+mn-cs"/>
+      </a:defRPr>
+    </a:lvl3pPr>
+    <a:lvl4pPr marL="1371600" algn="l" defTabSz="914400" rtl="0" eaLnBrk="1" latinLnBrk="0" hangingPunct="1">
+      <a:defRPr sz="1200" kern="1200">
+        <a:solidFill>
+          <a:schemeClr val="tx1"/>
+        </a:solidFill>
+        <a:latin typeface="+mn-lt"/>
+        <a:ea typeface="+mn-ea"/>
+        <a:cs typeface="+mn-cs"/>
+      </a:defRPr>
+    </a:lvl4pPr>
+    <a:lvl5pPr marL="1828800" algn="l" defTabSz="914400" rtl="0" eaLnBrk="1" latinLnBrk="0" hangingPunct="1">
+      <a:defRPr sz="1200" kern="1200">
+        <a:solidFill>
+          <a:schemeClr val="tx1"/>
+        </a:solidFill>
+        <a:latin typeface="+mn-lt"/>
+        <a:ea typeface="+mn-ea"/>
+        <a:cs typeface="+mn-cs"/>
+      </a:defRPr>
+    </a:lvl5pPr>
+    <a:lvl6pPr marL="2286000" algn="l" defTabSz="914400" rtl="0" eaLnBrk="1" latinLnBrk="0" hangingPunct="1">
+      <a:defRPr sz="1200" kern="1200">
+        <a:solidFill>
+          <a:schemeClr val="tx1"/>
+        </a:solidFill>
+        <a:latin typeface="+mn-lt"/>
+        <a:ea typeface="+mn-ea"/>
+        <a:cs typeface="+mn-cs"/>
+      </a:defRPr>
+    </a:lvl6pPr>
+    <a:lvl7pPr marL="2743200" algn="l" defTabSz="914400" rtl="0" eaLnBrk="1" latinLnBrk="0" hangingPunct="1">
+      <a:defRPr sz="1200" kern="1200">
+        <a:solidFill>
+          <a:schemeClr val="tx1"/>
+        </a:solidFill>
+        <a:latin typeface="+mn-lt"/>
+        <a:ea typeface="+mn-ea"/>
+        <a:cs typeface="+mn-cs"/>
+      </a:defRPr>
+    </a:lvl7pPr>
+    <a:lvl8pPr marL="3200400" algn="l" defTabSz="914400" rtl="0" eaLnBrk="1" latinLnBrk="0" hangingPunct="1">
+      <a:defRPr sz="1200" kern="1200">
+        <a:solidFill>
+          <a:schemeClr val="tx1"/>
+        </a:solidFill>
+        <a:latin typeface="+mn-lt"/>
+        <a:ea typeface="+mn-ea"/>
+        <a:cs typeface="+mn-cs"/>
+      </a:defRPr>
+    </a:lvl8pPr>
+    <a:lvl9pPr marL="3657600" algn="l" defTabSz="914400" rtl="0" eaLnBrk="1" latinLnBrk="0" hangingPunct="1">
+      <a:defRPr sz="1200" kern="1200">
+        <a:solidFill>
+          <a:schemeClr val="tx1"/>
+        </a:solidFill>
+        <a:latin typeface="+mn-lt"/>
+        <a:ea typeface="+mn-ea"/>
+        <a:cs typeface="+mn-cs"/>
+      </a:defRPr>
+    </a:lvl9pPr>
+  </p:notesStyle>
+</p:notesMaster>
+</file>
+
+<file path=ppt/notesSlides/notesSlide1.xml><?xml version="1.0" encoding="utf-8"?>
+<p:notes xmlns:a="http://schemas.openxmlformats.org/drawingml/2006/main" xmlns:r="http://schemas.openxmlformats.org/officeDocument/2006/relationships" xmlns:p="http://schemas.openxmlformats.org/presentationml/2006/main">
   <p:cSld>
     <p:spTree>
       <p:nvGrpSpPr>
@@ -41,256 +468,9 @@
       </p:grpSpPr>
       <p:sp>
         <p:nvSpPr>
-          <p:cNvPr id="114" name="PlaceHolder 1"/>
-          <p:cNvSpPr>
-            <a:spLocks noGrp="1"/>
-          </p:cNvSpPr>
-          <p:nvPr>
-            <p:ph type="sldImg"/>
-          </p:nvPr>
-        </p:nvSpPr>
-        <p:spPr>
-          <a:xfrm>
-            <a:off x="216000" y="812520"/>
-            <a:ext cx="7127280" cy="4008960"/>
-          </a:xfrm>
-          <a:prstGeom prst="rect">
-            <a:avLst/>
-          </a:prstGeom>
-        </p:spPr>
-        <p:txBody>
-          <a:bodyPr lIns="0" rIns="0" tIns="0" bIns="0" anchor="ctr">
-            <a:noAutofit/>
-          </a:bodyPr>
-          <a:p>
-            <a:r>
-              <a:rPr b="0" lang="en-US" sz="1800" spc="-1" strike="noStrike">
-                <a:solidFill>
-                  <a:srgbClr val="000000"/>
-                </a:solidFill>
-                <a:latin typeface="Arial"/>
-              </a:rPr>
-              <a:t>Click to move the slide</a:t>
-            </a:r>
-            <a:endParaRPr b="0" lang="en-US" sz="1800" spc="-1" strike="noStrike">
-              <a:solidFill>
-                <a:srgbClr val="000000"/>
-              </a:solidFill>
-              <a:latin typeface="Arial"/>
-            </a:endParaRPr>
-          </a:p>
-        </p:txBody>
-      </p:sp>
-      <p:sp>
-        <p:nvSpPr>
-          <p:cNvPr id="115" name="PlaceHolder 2"/>
-          <p:cNvSpPr>
-            <a:spLocks noGrp="1"/>
-          </p:cNvSpPr>
-          <p:nvPr>
-            <p:ph type="body"/>
-          </p:nvPr>
-        </p:nvSpPr>
-        <p:spPr>
-          <a:xfrm>
-            <a:off x="756000" y="5078520"/>
-            <a:ext cx="6047640" cy="4811040"/>
-          </a:xfrm>
-          <a:prstGeom prst="rect">
-            <a:avLst/>
-          </a:prstGeom>
-        </p:spPr>
-        <p:txBody>
-          <a:bodyPr lIns="0" rIns="0" tIns="0" bIns="0">
-            <a:noAutofit/>
-          </a:bodyPr>
-          <a:p>
-            <a:r>
-              <a:rPr b="0" lang="de-AT" sz="2000" spc="-1" strike="noStrike">
-                <a:latin typeface="Arial"/>
-              </a:rPr>
-              <a:t>Click to edit the notes format</a:t>
-            </a:r>
-            <a:endParaRPr b="0" lang="de-AT" sz="2000" spc="-1" strike="noStrike">
-              <a:latin typeface="Arial"/>
-            </a:endParaRPr>
-          </a:p>
-        </p:txBody>
-      </p:sp>
-      <p:sp>
-        <p:nvSpPr>
-          <p:cNvPr id="116" name="PlaceHolder 3"/>
-          <p:cNvSpPr>
-            <a:spLocks noGrp="1"/>
-          </p:cNvSpPr>
-          <p:nvPr>
-            <p:ph type="hdr"/>
-          </p:nvPr>
-        </p:nvSpPr>
-        <p:spPr>
-          <a:xfrm>
-            <a:off x="0" y="0"/>
-            <a:ext cx="3280680" cy="534240"/>
-          </a:xfrm>
-          <a:prstGeom prst="rect">
-            <a:avLst/>
-          </a:prstGeom>
-        </p:spPr>
-        <p:txBody>
-          <a:bodyPr lIns="0" rIns="0" tIns="0" bIns="0">
-            <a:noAutofit/>
-          </a:bodyPr>
-          <a:p>
-            <a:r>
-              <a:rPr b="0" lang="de-AT" sz="1400" spc="-1" strike="noStrike">
-                <a:latin typeface="Times New Roman"/>
-              </a:rPr>
-              <a:t>&lt;header&gt;</a:t>
-            </a:r>
-            <a:endParaRPr b="0" lang="de-AT" sz="1400" spc="-1" strike="noStrike">
-              <a:latin typeface="Times New Roman"/>
-            </a:endParaRPr>
-          </a:p>
-        </p:txBody>
-      </p:sp>
-      <p:sp>
-        <p:nvSpPr>
-          <p:cNvPr id="117" name="PlaceHolder 4"/>
-          <p:cNvSpPr>
-            <a:spLocks noGrp="1"/>
-          </p:cNvSpPr>
-          <p:nvPr>
-            <p:ph type="dt"/>
-          </p:nvPr>
-        </p:nvSpPr>
-        <p:spPr>
-          <a:xfrm>
-            <a:off x="4278960" y="0"/>
-            <a:ext cx="3280680" cy="534240"/>
-          </a:xfrm>
-          <a:prstGeom prst="rect">
-            <a:avLst/>
-          </a:prstGeom>
-        </p:spPr>
-        <p:txBody>
-          <a:bodyPr lIns="0" rIns="0" tIns="0" bIns="0">
-            <a:noAutofit/>
-          </a:bodyPr>
-          <a:p>
-            <a:pPr algn="r"/>
-            <a:r>
-              <a:rPr b="0" lang="de-AT" sz="1400" spc="-1" strike="noStrike">
-                <a:latin typeface="Times New Roman"/>
-              </a:rPr>
-              <a:t>&lt;date/time&gt;</a:t>
-            </a:r>
-            <a:endParaRPr b="0" lang="de-AT" sz="1400" spc="-1" strike="noStrike">
-              <a:latin typeface="Times New Roman"/>
-            </a:endParaRPr>
-          </a:p>
-        </p:txBody>
-      </p:sp>
-      <p:sp>
-        <p:nvSpPr>
-          <p:cNvPr id="118" name="PlaceHolder 5"/>
-          <p:cNvSpPr>
-            <a:spLocks noGrp="1"/>
-          </p:cNvSpPr>
-          <p:nvPr>
-            <p:ph type="ftr"/>
-          </p:nvPr>
-        </p:nvSpPr>
-        <p:spPr>
-          <a:xfrm>
-            <a:off x="0" y="10157400"/>
-            <a:ext cx="3280680" cy="534240"/>
-          </a:xfrm>
-          <a:prstGeom prst="rect">
-            <a:avLst/>
-          </a:prstGeom>
-        </p:spPr>
-        <p:txBody>
-          <a:bodyPr lIns="0" rIns="0" tIns="0" bIns="0" anchor="b">
-            <a:noAutofit/>
-          </a:bodyPr>
-          <a:p>
-            <a:r>
-              <a:rPr b="0" lang="de-AT" sz="1400" spc="-1" strike="noStrike">
-                <a:latin typeface="Times New Roman"/>
-              </a:rPr>
-              <a:t>&lt;footer&gt;</a:t>
-            </a:r>
-            <a:endParaRPr b="0" lang="de-AT" sz="1400" spc="-1" strike="noStrike">
-              <a:latin typeface="Times New Roman"/>
-            </a:endParaRPr>
-          </a:p>
-        </p:txBody>
-      </p:sp>
-      <p:sp>
-        <p:nvSpPr>
-          <p:cNvPr id="119" name="PlaceHolder 6"/>
-          <p:cNvSpPr>
-            <a:spLocks noGrp="1"/>
-          </p:cNvSpPr>
-          <p:nvPr>
-            <p:ph type="sldNum"/>
-          </p:nvPr>
-        </p:nvSpPr>
-        <p:spPr>
-          <a:xfrm>
-            <a:off x="4278960" y="10157400"/>
-            <a:ext cx="3280680" cy="534240"/>
-          </a:xfrm>
-          <a:prstGeom prst="rect">
-            <a:avLst/>
-          </a:prstGeom>
-        </p:spPr>
-        <p:txBody>
-          <a:bodyPr lIns="0" rIns="0" tIns="0" bIns="0" anchor="b">
-            <a:noAutofit/>
-          </a:bodyPr>
-          <a:p>
-            <a:pPr algn="r"/>
-            <a:fld id="{9B78F96A-A050-4091-88F3-C681DB256BD3}" type="slidenum">
-              <a:rPr b="0" lang="de-AT" sz="1400" spc="-1" strike="noStrike">
-                <a:latin typeface="Times New Roman"/>
-              </a:rPr>
-              <a:t>&lt;number&gt;</a:t>
-            </a:fld>
-            <a:endParaRPr b="0" lang="de-AT" sz="1400" spc="-1" strike="noStrike">
-              <a:latin typeface="Times New Roman"/>
-            </a:endParaRPr>
-          </a:p>
-        </p:txBody>
-      </p:sp>
-    </p:spTree>
-  </p:cSld>
-  <p:clrMap bg1="lt1" bg2="lt2" tx1="dk1" tx2="dk2" accent1="accent1" accent2="accent2" accent3="accent3" accent4="accent4" accent5="accent5" accent6="accent6" hlink="hlink" folHlink="folHlink"/>
-</p:notesMaster>
-</file>
-
-<file path=ppt/notesSlides/notesSlide1.xml><?xml version="1.0" encoding="utf-8"?>
-<p:notes xmlns:a="http://schemas.openxmlformats.org/drawingml/2006/main" xmlns:p="http://schemas.openxmlformats.org/presentationml/2006/main" xmlns:r="http://schemas.openxmlformats.org/officeDocument/2006/relationships" xmlns:p14="http://schemas.microsoft.com/office/powerpoint/2010/main" xmlns:p15="http://schemas.microsoft.com/office/powerpoint/2012/main" xmlns:mc="http://schemas.openxmlformats.org/markup-compatibility/2006">
-  <p:cSld>
-    <p:spTree>
-      <p:nvGrpSpPr>
-        <p:cNvPr id="1" name=""/>
-        <p:cNvGrpSpPr/>
-        <p:nvPr/>
-      </p:nvGrpSpPr>
-      <p:grpSpPr>
-        <a:xfrm>
-          <a:off x="0" y="0"/>
-          <a:ext cx="0" cy="0"/>
-          <a:chOff x="0" y="0"/>
-          <a:chExt cx="0" cy="0"/>
-        </a:xfrm>
-      </p:grpSpPr>
-      <p:sp>
-        <p:nvSpPr>
           <p:cNvPr id="142" name="PlaceHolder 1"/>
           <p:cNvSpPr>
-            <a:spLocks noGrp="1"/>
+            <a:spLocks noGrp="1" noRot="1" noChangeAspect="1"/>
           </p:cNvSpPr>
           <p:nvPr>
             <p:ph type="sldImg"/>
@@ -326,27 +506,25 @@
           </a:prstGeom>
         </p:spPr>
         <p:txBody>
-          <a:bodyPr lIns="0" rIns="0" tIns="0" bIns="0">
+          <a:bodyPr lIns="0" tIns="0" rIns="0" bIns="0">
             <a:noAutofit/>
           </a:bodyPr>
+          <a:lstStyle/>
           <a:p>
             <a:pPr marL="216000" indent="-215640">
               <a:lnSpc>
                 <a:spcPct val="100000"/>
               </a:lnSpc>
               <a:tabLst>
-                <a:tab algn="l" pos="0"/>
+                <a:tab pos="0" algn="l"/>
               </a:tabLst>
             </a:pPr>
             <a:r>
-              <a:rPr b="0" lang="de-AT" sz="2000" spc="-1" strike="noStrike">
+              <a:rPr lang="de-AT" sz="2000" b="0" strike="noStrike" spc="-1">
                 <a:latin typeface="Arial"/>
               </a:rPr>
               <a:t>Studienvertretung:</a:t>
             </a:r>
-            <a:endParaRPr b="0" lang="de-AT" sz="2000" spc="-1" strike="noStrike">
-              <a:latin typeface="Arial"/>
-            </a:endParaRPr>
           </a:p>
           <a:p>
             <a:pPr marL="171360" indent="-170640">
@@ -359,18 +537,15 @@
               <a:buFont typeface="StarSymbol"/>
               <a:buChar char="-"/>
               <a:tabLst>
-                <a:tab algn="l" pos="0"/>
+                <a:tab pos="0" algn="l"/>
               </a:tabLst>
             </a:pPr>
             <a:r>
-              <a:rPr b="0" lang="de-AT" sz="2000" spc="-1" strike="noStrike">
+              <a:rPr lang="de-AT" sz="2000" b="0" strike="noStrike" spc="-1">
                 <a:latin typeface="Arial"/>
               </a:rPr>
               <a:t>Wen vertreten wir? Dr SoWi, PhD WiSo, PhD Finance</a:t>
             </a:r>
-            <a:endParaRPr b="0" lang="de-AT" sz="2000" spc="-1" strike="noStrike">
-              <a:latin typeface="Arial"/>
-            </a:endParaRPr>
           </a:p>
           <a:p>
             <a:pPr marL="171360" indent="-170640">
@@ -383,18 +558,15 @@
               <a:buFont typeface="StarSymbol"/>
               <a:buChar char="-"/>
               <a:tabLst>
-                <a:tab algn="l" pos="0"/>
+                <a:tab pos="0" algn="l"/>
               </a:tabLst>
             </a:pPr>
             <a:r>
-              <a:rPr b="0" lang="de-AT" sz="2000" spc="-1" strike="noStrike">
+              <a:rPr lang="de-AT" sz="2000" b="0" strike="noStrike" spc="-1">
                 <a:latin typeface="Arial"/>
               </a:rPr>
               <a:t>Seit SomSem 2019</a:t>
             </a:r>
-            <a:endParaRPr b="0" lang="de-AT" sz="2000" spc="-1" strike="noStrike">
-              <a:latin typeface="Arial"/>
-            </a:endParaRPr>
           </a:p>
           <a:p>
             <a:pPr marL="171360" indent="-170640">
@@ -407,21 +579,18 @@
               <a:buFont typeface="StarSymbol"/>
               <a:buChar char="-"/>
               <a:tabLst>
-                <a:tab algn="l" pos="0"/>
+                <a:tab pos="0" algn="l"/>
               </a:tabLst>
             </a:pPr>
             <a:r>
-              <a:rPr b="0" lang="de-AT" sz="2000" spc="-1" strike="noStrike">
+              <a:rPr lang="de-AT" sz="2000" b="0" strike="noStrike" spc="-1">
                 <a:latin typeface="Arial"/>
               </a:rPr>
               <a:t>Aufgaben: </a:t>
             </a:r>
-            <a:endParaRPr b="0" lang="de-AT" sz="2000" spc="-1" strike="noStrike">
-              <a:latin typeface="Arial"/>
-            </a:endParaRPr>
-          </a:p>
-          <a:p>
-            <a:pPr lvl="1" marL="628560" indent="-170640">
+          </a:p>
+          <a:p>
+            <a:pPr marL="628560" lvl="1" indent="-170640">
               <a:lnSpc>
                 <a:spcPct val="100000"/>
               </a:lnSpc>
@@ -431,21 +600,18 @@
               <a:buFont typeface="StarSymbol"/>
               <a:buChar char="-"/>
               <a:tabLst>
-                <a:tab algn="l" pos="0"/>
+                <a:tab pos="0" algn="l"/>
               </a:tabLst>
             </a:pPr>
             <a:r>
-              <a:rPr b="0" lang="de-AT" sz="2000" spc="-1" strike="noStrike">
+              <a:rPr lang="de-AT" sz="2000" b="0" strike="noStrike" spc="-1">
                 <a:latin typeface="Arial"/>
               </a:rPr>
               <a:t>Vernetzung &amp; Unterstützung</a:t>
             </a:r>
-            <a:endParaRPr b="0" lang="de-AT" sz="2000" spc="-1" strike="noStrike">
-              <a:latin typeface="Arial"/>
-            </a:endParaRPr>
-          </a:p>
-          <a:p>
-            <a:pPr lvl="1" marL="628560" indent="-170640">
+          </a:p>
+          <a:p>
+            <a:pPr marL="628560" lvl="1" indent="-170640">
               <a:lnSpc>
                 <a:spcPct val="100000"/>
               </a:lnSpc>
@@ -455,21 +621,18 @@
               <a:buFont typeface="StarSymbol"/>
               <a:buChar char="-"/>
               <a:tabLst>
-                <a:tab algn="l" pos="0"/>
+                <a:tab pos="0" algn="l"/>
               </a:tabLst>
             </a:pPr>
             <a:r>
-              <a:rPr b="0" lang="de-AT" sz="2000" spc="-1" strike="noStrike">
+              <a:rPr lang="de-AT" sz="2000" b="0" strike="noStrike" spc="-1">
                 <a:latin typeface="Arial"/>
               </a:rPr>
               <a:t>Interessensvertretung</a:t>
             </a:r>
-            <a:endParaRPr b="0" lang="de-AT" sz="2000" spc="-1" strike="noStrike">
-              <a:latin typeface="Arial"/>
-            </a:endParaRPr>
-          </a:p>
-          <a:p>
-            <a:pPr lvl="1" marL="628560" indent="-170640">
+          </a:p>
+          <a:p>
+            <a:pPr marL="628560" lvl="1" indent="-170640">
               <a:lnSpc>
                 <a:spcPct val="100000"/>
               </a:lnSpc>
@@ -479,21 +642,18 @@
               <a:buFont typeface="StarSymbol"/>
               <a:buChar char="-"/>
               <a:tabLst>
-                <a:tab algn="l" pos="0"/>
+                <a:tab pos="0" algn="l"/>
               </a:tabLst>
             </a:pPr>
             <a:r>
-              <a:rPr b="0" lang="de-AT" sz="2000" spc="-1" strike="noStrike">
+              <a:rPr lang="de-AT" sz="2000" b="0" strike="noStrike" spc="-1">
                 <a:latin typeface="Arial"/>
               </a:rPr>
               <a:t>Anlaufstelle für Fragen, aber primär DR-Referat für Formales (Anerkennung, Anrechnungen, etc.)</a:t>
             </a:r>
-            <a:endParaRPr b="0" lang="de-AT" sz="2000" spc="-1" strike="noStrike">
-              <a:latin typeface="Arial"/>
-            </a:endParaRPr>
-          </a:p>
-          <a:p>
-            <a:pPr lvl="1" marL="628560" indent="-170640">
+          </a:p>
+          <a:p>
+            <a:pPr marL="628560" lvl="1" indent="-170640">
               <a:lnSpc>
                 <a:spcPct val="100000"/>
               </a:lnSpc>
@@ -503,18 +663,15 @@
               <a:buFont typeface="StarSymbol"/>
               <a:buChar char="-"/>
               <a:tabLst>
-                <a:tab algn="l" pos="0"/>
+                <a:tab pos="0" algn="l"/>
               </a:tabLst>
             </a:pPr>
             <a:r>
-              <a:rPr b="0" lang="de-AT" sz="2000" spc="-1" strike="noStrike">
+              <a:rPr lang="de-AT" sz="2000" b="0" strike="noStrike" spc="-1">
                 <a:latin typeface="Arial"/>
               </a:rPr>
               <a:t>Aktivitäten &amp; Förderungen im Rahmen des Budgets</a:t>
             </a:r>
-            <a:endParaRPr b="0" lang="de-AT" sz="2000" spc="-1" strike="noStrike">
-              <a:latin typeface="Arial"/>
-            </a:endParaRPr>
           </a:p>
           <a:p>
             <a:pPr>
@@ -522,10 +679,10 @@
                 <a:spcPct val="100000"/>
               </a:lnSpc>
               <a:tabLst>
-                <a:tab algn="l" pos="0"/>
+                <a:tab pos="0" algn="l"/>
               </a:tabLst>
             </a:pPr>
-            <a:endParaRPr b="0" lang="de-AT" sz="2000" spc="-1" strike="noStrike">
+            <a:endParaRPr lang="de-AT" sz="2000" b="0" strike="noStrike" spc="-1">
               <a:latin typeface="Arial"/>
             </a:endParaRPr>
           </a:p>
@@ -551,15 +708,22 @@
           </a:ln>
         </p:spPr>
         <p:style>
-          <a:lnRef idx="0"/>
-          <a:fillRef idx="0"/>
-          <a:effectRef idx="0"/>
+          <a:lnRef idx="0">
+            <a:scrgbClr r="0" g="0" b="0"/>
+          </a:lnRef>
+          <a:fillRef idx="0">
+            <a:scrgbClr r="0" g="0" b="0"/>
+          </a:fillRef>
+          <a:effectRef idx="0">
+            <a:scrgbClr r="0" g="0" b="0"/>
+          </a:effectRef>
           <a:fontRef idx="minor"/>
         </p:style>
         <p:txBody>
-          <a:bodyPr lIns="90000" rIns="90000" tIns="45000" bIns="45000" anchor="b">
+          <a:bodyPr lIns="90000" tIns="45000" rIns="90000" bIns="45000" anchor="b">
             <a:noAutofit/>
           </a:bodyPr>
+          <a:lstStyle/>
           <a:p>
             <a:pPr algn="r">
               <a:lnSpc>
@@ -567,16 +731,16 @@
               </a:lnSpc>
             </a:pPr>
             <a:fld id="{7F827AC4-9E79-45F9-B6D5-0BCDF6275FA6}" type="slidenum">
-              <a:rPr b="0" lang="de-AT" sz="1200" spc="-1" strike="noStrike">
+              <a:rPr lang="de-AT" sz="1200" b="0" strike="noStrike" spc="-1">
                 <a:solidFill>
                   <a:srgbClr val="000000"/>
                 </a:solidFill>
                 <a:latin typeface="+mn-lt"/>
                 <a:ea typeface="+mn-ea"/>
               </a:rPr>
-              <a:t>&lt;number&gt;</a:t>
+              <a:t>1</a:t>
             </a:fld>
-            <a:endParaRPr b="0" lang="de-AT" sz="1200" spc="-1" strike="noStrike">
+            <a:endParaRPr lang="de-AT" sz="1200" b="0" strike="noStrike" spc="-1">
               <a:latin typeface="Arial"/>
             </a:endParaRPr>
           </a:p>
@@ -584,11 +748,14 @@
       </p:sp>
     </p:spTree>
   </p:cSld>
+  <p:clrMapOvr>
+    <a:masterClrMapping/>
+  </p:clrMapOvr>
 </p:notes>
 </file>
 
 <file path=ppt/slideLayouts/slideLayout1.xml><?xml version="1.0" encoding="utf-8"?>
-<p:sldLayout xmlns:a="http://schemas.openxmlformats.org/drawingml/2006/main" xmlns:p="http://schemas.openxmlformats.org/presentationml/2006/main" xmlns:r="http://schemas.openxmlformats.org/officeDocument/2006/relationships" xmlns:p14="http://schemas.microsoft.com/office/powerpoint/2010/main" xmlns:p15="http://schemas.microsoft.com/office/powerpoint/2012/main" xmlns:mc="http://schemas.openxmlformats.org/markup-compatibility/2006" type="blank" preserve="1">
+<p:sldLayout xmlns:a="http://schemas.openxmlformats.org/drawingml/2006/main" xmlns:r="http://schemas.openxmlformats.org/officeDocument/2006/relationships" xmlns:p="http://schemas.openxmlformats.org/presentationml/2006/main" type="blank" preserve="1">
   <p:cSld name="Blank Slide">
     <p:spTree>
       <p:nvGrpSpPr>
@@ -606,11 +773,14 @@
       </p:grpSpPr>
     </p:spTree>
   </p:cSld>
+  <p:clrMapOvr>
+    <a:masterClrMapping/>
+  </p:clrMapOvr>
 </p:sldLayout>
 </file>
 
 <file path=ppt/slideLayouts/slideLayout10.xml><?xml version="1.0" encoding="utf-8"?>
-<p:sldLayout xmlns:a="http://schemas.openxmlformats.org/drawingml/2006/main" xmlns:p="http://schemas.openxmlformats.org/presentationml/2006/main" xmlns:r="http://schemas.openxmlformats.org/officeDocument/2006/relationships" xmlns:p14="http://schemas.microsoft.com/office/powerpoint/2010/main" xmlns:p15="http://schemas.microsoft.com/office/powerpoint/2012/main" xmlns:mc="http://schemas.openxmlformats.org/markup-compatibility/2006" type="objOverTx" preserve="1">
+<p:sldLayout xmlns:a="http://schemas.openxmlformats.org/drawingml/2006/main" xmlns:r="http://schemas.openxmlformats.org/officeDocument/2006/relationships" xmlns:p="http://schemas.openxmlformats.org/presentationml/2006/main" type="objOverTx" preserve="1">
   <p:cSld name="Title, Content over Content">
     <p:spTree>
       <p:nvGrpSpPr>
@@ -646,11 +816,12 @@
           </a:prstGeom>
         </p:spPr>
         <p:txBody>
-          <a:bodyPr lIns="0" rIns="0" tIns="0" bIns="0" anchor="ctr">
+          <a:bodyPr lIns="0" tIns="0" rIns="0" bIns="0" anchor="ctr">
             <a:noAutofit/>
           </a:bodyPr>
-          <a:p>
-            <a:endParaRPr b="0" lang="en-US" sz="1800" spc="-1" strike="noStrike">
+          <a:lstStyle/>
+          <a:p>
+            <a:endParaRPr lang="en-US" sz="1800" b="0" strike="noStrike" spc="-1">
               <a:solidFill>
                 <a:srgbClr val="000000"/>
               </a:solidFill>
@@ -679,11 +850,12 @@
           </a:prstGeom>
         </p:spPr>
         <p:txBody>
-          <a:bodyPr lIns="0" rIns="0" tIns="0" bIns="0">
+          <a:bodyPr lIns="0" tIns="0" rIns="0" bIns="0">
             <a:normAutofit/>
           </a:bodyPr>
-          <a:p>
-            <a:endParaRPr b="0" lang="en-US" sz="2800" spc="-1" strike="noStrike">
+          <a:lstStyle/>
+          <a:p>
+            <a:endParaRPr lang="en-US" sz="2800" b="0" strike="noStrike" spc="-1">
               <a:solidFill>
                 <a:srgbClr val="000000"/>
               </a:solidFill>
@@ -712,11 +884,12 @@
           </a:prstGeom>
         </p:spPr>
         <p:txBody>
-          <a:bodyPr lIns="0" rIns="0" tIns="0" bIns="0">
+          <a:bodyPr lIns="0" tIns="0" rIns="0" bIns="0">
             <a:normAutofit/>
           </a:bodyPr>
-          <a:p>
-            <a:endParaRPr b="0" lang="en-US" sz="2800" spc="-1" strike="noStrike">
+          <a:lstStyle/>
+          <a:p>
+            <a:endParaRPr lang="en-US" sz="2800" b="0" strike="noStrike" spc="-1">
               <a:solidFill>
                 <a:srgbClr val="000000"/>
               </a:solidFill>
@@ -727,11 +900,14 @@
       </p:sp>
     </p:spTree>
   </p:cSld>
+  <p:clrMapOvr>
+    <a:masterClrMapping/>
+  </p:clrMapOvr>
 </p:sldLayout>
 </file>
 
 <file path=ppt/slideLayouts/slideLayout11.xml><?xml version="1.0" encoding="utf-8"?>
-<p:sldLayout xmlns:a="http://schemas.openxmlformats.org/drawingml/2006/main" xmlns:p="http://schemas.openxmlformats.org/presentationml/2006/main" xmlns:r="http://schemas.openxmlformats.org/officeDocument/2006/relationships" xmlns:p14="http://schemas.microsoft.com/office/powerpoint/2010/main" xmlns:p15="http://schemas.microsoft.com/office/powerpoint/2012/main" xmlns:mc="http://schemas.openxmlformats.org/markup-compatibility/2006" type="fourObj" preserve="1">
+<p:sldLayout xmlns:a="http://schemas.openxmlformats.org/drawingml/2006/main" xmlns:r="http://schemas.openxmlformats.org/officeDocument/2006/relationships" xmlns:p="http://schemas.openxmlformats.org/presentationml/2006/main" type="fourObj" preserve="1">
   <p:cSld name="Title, 4 Content">
     <p:spTree>
       <p:nvGrpSpPr>
@@ -767,11 +943,12 @@
           </a:prstGeom>
         </p:spPr>
         <p:txBody>
-          <a:bodyPr lIns="0" rIns="0" tIns="0" bIns="0" anchor="ctr">
+          <a:bodyPr lIns="0" tIns="0" rIns="0" bIns="0" anchor="ctr">
             <a:noAutofit/>
           </a:bodyPr>
-          <a:p>
-            <a:endParaRPr b="0" lang="en-US" sz="1800" spc="-1" strike="noStrike">
+          <a:lstStyle/>
+          <a:p>
+            <a:endParaRPr lang="en-US" sz="1800" b="0" strike="noStrike" spc="-1">
               <a:solidFill>
                 <a:srgbClr val="000000"/>
               </a:solidFill>
@@ -800,11 +977,12 @@
           </a:prstGeom>
         </p:spPr>
         <p:txBody>
-          <a:bodyPr lIns="0" rIns="0" tIns="0" bIns="0">
+          <a:bodyPr lIns="0" tIns="0" rIns="0" bIns="0">
             <a:normAutofit/>
           </a:bodyPr>
-          <a:p>
-            <a:endParaRPr b="0" lang="en-US" sz="2800" spc="-1" strike="noStrike">
+          <a:lstStyle/>
+          <a:p>
+            <a:endParaRPr lang="en-US" sz="2800" b="0" strike="noStrike" spc="-1">
               <a:solidFill>
                 <a:srgbClr val="000000"/>
               </a:solidFill>
@@ -833,11 +1011,12 @@
           </a:prstGeom>
         </p:spPr>
         <p:txBody>
-          <a:bodyPr lIns="0" rIns="0" tIns="0" bIns="0">
+          <a:bodyPr lIns="0" tIns="0" rIns="0" bIns="0">
             <a:normAutofit/>
           </a:bodyPr>
-          <a:p>
-            <a:endParaRPr b="0" lang="en-US" sz="2800" spc="-1" strike="noStrike">
+          <a:lstStyle/>
+          <a:p>
+            <a:endParaRPr lang="en-US" sz="2800" b="0" strike="noStrike" spc="-1">
               <a:solidFill>
                 <a:srgbClr val="000000"/>
               </a:solidFill>
@@ -866,11 +1045,12 @@
           </a:prstGeom>
         </p:spPr>
         <p:txBody>
-          <a:bodyPr lIns="0" rIns="0" tIns="0" bIns="0">
+          <a:bodyPr lIns="0" tIns="0" rIns="0" bIns="0">
             <a:normAutofit/>
           </a:bodyPr>
-          <a:p>
-            <a:endParaRPr b="0" lang="en-US" sz="2800" spc="-1" strike="noStrike">
+          <a:lstStyle/>
+          <a:p>
+            <a:endParaRPr lang="en-US" sz="2800" b="0" strike="noStrike" spc="-1">
               <a:solidFill>
                 <a:srgbClr val="000000"/>
               </a:solidFill>
@@ -899,11 +1079,12 @@
           </a:prstGeom>
         </p:spPr>
         <p:txBody>
-          <a:bodyPr lIns="0" rIns="0" tIns="0" bIns="0">
+          <a:bodyPr lIns="0" tIns="0" rIns="0" bIns="0">
             <a:normAutofit/>
           </a:bodyPr>
-          <a:p>
-            <a:endParaRPr b="0" lang="en-US" sz="2800" spc="-1" strike="noStrike">
+          <a:lstStyle/>
+          <a:p>
+            <a:endParaRPr lang="en-US" sz="2800" b="0" strike="noStrike" spc="-1">
               <a:solidFill>
                 <a:srgbClr val="000000"/>
               </a:solidFill>
@@ -914,11 +1095,14 @@
       </p:sp>
     </p:spTree>
   </p:cSld>
+  <p:clrMapOvr>
+    <a:masterClrMapping/>
+  </p:clrMapOvr>
 </p:sldLayout>
 </file>
 
 <file path=ppt/slideLayouts/slideLayout12.xml><?xml version="1.0" encoding="utf-8"?>
-<p:sldLayout xmlns:a="http://schemas.openxmlformats.org/drawingml/2006/main" xmlns:p="http://schemas.openxmlformats.org/presentationml/2006/main" xmlns:r="http://schemas.openxmlformats.org/officeDocument/2006/relationships" xmlns:p14="http://schemas.microsoft.com/office/powerpoint/2010/main" xmlns:p15="http://schemas.microsoft.com/office/powerpoint/2012/main" xmlns:mc="http://schemas.openxmlformats.org/markup-compatibility/2006" type="blank" preserve="1">
+<p:sldLayout xmlns:a="http://schemas.openxmlformats.org/drawingml/2006/main" xmlns:r="http://schemas.openxmlformats.org/officeDocument/2006/relationships" xmlns:p="http://schemas.openxmlformats.org/presentationml/2006/main" type="blank" preserve="1">
   <p:cSld name="Title, 6 Content">
     <p:spTree>
       <p:nvGrpSpPr>
@@ -954,11 +1138,12 @@
           </a:prstGeom>
         </p:spPr>
         <p:txBody>
-          <a:bodyPr lIns="0" rIns="0" tIns="0" bIns="0" anchor="ctr">
+          <a:bodyPr lIns="0" tIns="0" rIns="0" bIns="0" anchor="ctr">
             <a:noAutofit/>
           </a:bodyPr>
-          <a:p>
-            <a:endParaRPr b="0" lang="en-US" sz="1800" spc="-1" strike="noStrike">
+          <a:lstStyle/>
+          <a:p>
+            <a:endParaRPr lang="en-US" sz="1800" b="0" strike="noStrike" spc="-1">
               <a:solidFill>
                 <a:srgbClr val="000000"/>
               </a:solidFill>
@@ -987,11 +1172,12 @@
           </a:prstGeom>
         </p:spPr>
         <p:txBody>
-          <a:bodyPr lIns="0" rIns="0" tIns="0" bIns="0">
+          <a:bodyPr lIns="0" tIns="0" rIns="0" bIns="0">
             <a:normAutofit/>
           </a:bodyPr>
-          <a:p>
-            <a:endParaRPr b="0" lang="en-US" sz="2800" spc="-1" strike="noStrike">
+          <a:lstStyle/>
+          <a:p>
+            <a:endParaRPr lang="en-US" sz="2800" b="0" strike="noStrike" spc="-1">
               <a:solidFill>
                 <a:srgbClr val="000000"/>
               </a:solidFill>
@@ -1020,11 +1206,12 @@
           </a:prstGeom>
         </p:spPr>
         <p:txBody>
-          <a:bodyPr lIns="0" rIns="0" tIns="0" bIns="0">
+          <a:bodyPr lIns="0" tIns="0" rIns="0" bIns="0">
             <a:normAutofit/>
           </a:bodyPr>
-          <a:p>
-            <a:endParaRPr b="0" lang="en-US" sz="2800" spc="-1" strike="noStrike">
+          <a:lstStyle/>
+          <a:p>
+            <a:endParaRPr lang="en-US" sz="2800" b="0" strike="noStrike" spc="-1">
               <a:solidFill>
                 <a:srgbClr val="000000"/>
               </a:solidFill>
@@ -1053,11 +1240,12 @@
           </a:prstGeom>
         </p:spPr>
         <p:txBody>
-          <a:bodyPr lIns="0" rIns="0" tIns="0" bIns="0">
+          <a:bodyPr lIns="0" tIns="0" rIns="0" bIns="0">
             <a:normAutofit/>
           </a:bodyPr>
-          <a:p>
-            <a:endParaRPr b="0" lang="en-US" sz="2800" spc="-1" strike="noStrike">
+          <a:lstStyle/>
+          <a:p>
+            <a:endParaRPr lang="en-US" sz="2800" b="0" strike="noStrike" spc="-1">
               <a:solidFill>
                 <a:srgbClr val="000000"/>
               </a:solidFill>
@@ -1086,11 +1274,12 @@
           </a:prstGeom>
         </p:spPr>
         <p:txBody>
-          <a:bodyPr lIns="0" rIns="0" tIns="0" bIns="0">
+          <a:bodyPr lIns="0" tIns="0" rIns="0" bIns="0">
             <a:normAutofit/>
           </a:bodyPr>
-          <a:p>
-            <a:endParaRPr b="0" lang="en-US" sz="2800" spc="-1" strike="noStrike">
+          <a:lstStyle/>
+          <a:p>
+            <a:endParaRPr lang="en-US" sz="2800" b="0" strike="noStrike" spc="-1">
               <a:solidFill>
                 <a:srgbClr val="000000"/>
               </a:solidFill>
@@ -1119,11 +1308,12 @@
           </a:prstGeom>
         </p:spPr>
         <p:txBody>
-          <a:bodyPr lIns="0" rIns="0" tIns="0" bIns="0">
+          <a:bodyPr lIns="0" tIns="0" rIns="0" bIns="0">
             <a:normAutofit/>
           </a:bodyPr>
-          <a:p>
-            <a:endParaRPr b="0" lang="en-US" sz="2800" spc="-1" strike="noStrike">
+          <a:lstStyle/>
+          <a:p>
+            <a:endParaRPr lang="en-US" sz="2800" b="0" strike="noStrike" spc="-1">
               <a:solidFill>
                 <a:srgbClr val="000000"/>
               </a:solidFill>
@@ -1152,11 +1342,12 @@
           </a:prstGeom>
         </p:spPr>
         <p:txBody>
-          <a:bodyPr lIns="0" rIns="0" tIns="0" bIns="0">
+          <a:bodyPr lIns="0" tIns="0" rIns="0" bIns="0">
             <a:normAutofit/>
           </a:bodyPr>
-          <a:p>
-            <a:endParaRPr b="0" lang="en-US" sz="2800" spc="-1" strike="noStrike">
+          <a:lstStyle/>
+          <a:p>
+            <a:endParaRPr lang="en-US" sz="2800" b="0" strike="noStrike" spc="-1">
               <a:solidFill>
                 <a:srgbClr val="000000"/>
               </a:solidFill>
@@ -1167,11 +1358,14 @@
       </p:sp>
     </p:spTree>
   </p:cSld>
+  <p:clrMapOvr>
+    <a:masterClrMapping/>
+  </p:clrMapOvr>
 </p:sldLayout>
 </file>
 
 <file path=ppt/slideLayouts/slideLayout13.xml><?xml version="1.0" encoding="utf-8"?>
-<p:sldLayout xmlns:a="http://schemas.openxmlformats.org/drawingml/2006/main" xmlns:p="http://schemas.openxmlformats.org/presentationml/2006/main" xmlns:r="http://schemas.openxmlformats.org/officeDocument/2006/relationships" xmlns:p14="http://schemas.microsoft.com/office/powerpoint/2010/main" xmlns:p15="http://schemas.microsoft.com/office/powerpoint/2012/main" xmlns:mc="http://schemas.openxmlformats.org/markup-compatibility/2006" type="blank" preserve="1">
+<p:sldLayout xmlns:a="http://schemas.openxmlformats.org/drawingml/2006/main" xmlns:r="http://schemas.openxmlformats.org/officeDocument/2006/relationships" xmlns:p="http://schemas.openxmlformats.org/presentationml/2006/main" type="blank" preserve="1">
   <p:cSld name="Blank Slide">
     <p:spTree>
       <p:nvGrpSpPr>
@@ -1189,11 +1383,14 @@
       </p:grpSpPr>
     </p:spTree>
   </p:cSld>
+  <p:clrMapOvr>
+    <a:masterClrMapping/>
+  </p:clrMapOvr>
 </p:sldLayout>
 </file>
 
 <file path=ppt/slideLayouts/slideLayout14.xml><?xml version="1.0" encoding="utf-8"?>
-<p:sldLayout xmlns:a="http://schemas.openxmlformats.org/drawingml/2006/main" xmlns:p="http://schemas.openxmlformats.org/presentationml/2006/main" xmlns:r="http://schemas.openxmlformats.org/officeDocument/2006/relationships" xmlns:p14="http://schemas.microsoft.com/office/powerpoint/2010/main" xmlns:p15="http://schemas.microsoft.com/office/powerpoint/2012/main" xmlns:mc="http://schemas.openxmlformats.org/markup-compatibility/2006" type="tx" preserve="1">
+<p:sldLayout xmlns:a="http://schemas.openxmlformats.org/drawingml/2006/main" xmlns:r="http://schemas.openxmlformats.org/officeDocument/2006/relationships" xmlns:p="http://schemas.openxmlformats.org/presentationml/2006/main" type="tx" preserve="1">
   <p:cSld name="Title Slide">
     <p:spTree>
       <p:nvGrpSpPr>
@@ -1229,11 +1426,12 @@
           </a:prstGeom>
         </p:spPr>
         <p:txBody>
-          <a:bodyPr lIns="0" rIns="0" tIns="0" bIns="0" anchor="ctr">
+          <a:bodyPr lIns="0" tIns="0" rIns="0" bIns="0" anchor="ctr">
             <a:noAutofit/>
           </a:bodyPr>
-          <a:p>
-            <a:endParaRPr b="0" lang="en-US" sz="1800" spc="-1" strike="noStrike">
+          <a:lstStyle/>
+          <a:p>
+            <a:endParaRPr lang="en-US" sz="1800" b="0" strike="noStrike" spc="-1">
               <a:solidFill>
                 <a:srgbClr val="000000"/>
               </a:solidFill>
@@ -1262,12 +1460,13 @@
           </a:prstGeom>
         </p:spPr>
         <p:txBody>
-          <a:bodyPr lIns="0" rIns="0" tIns="0" bIns="0" anchor="ctr">
+          <a:bodyPr lIns="0" tIns="0" rIns="0" bIns="0" anchor="ctr">
             <a:noAutofit/>
           </a:bodyPr>
+          <a:lstStyle/>
           <a:p>
             <a:pPr algn="ctr"/>
-            <a:endParaRPr b="0" lang="de-AT" sz="3200" spc="-1" strike="noStrike">
+            <a:endParaRPr lang="de-AT" sz="3200" b="0" strike="noStrike" spc="-1">
               <a:latin typeface="Arial"/>
             </a:endParaRPr>
           </a:p>
@@ -1275,11 +1474,14 @@
       </p:sp>
     </p:spTree>
   </p:cSld>
+  <p:clrMapOvr>
+    <a:masterClrMapping/>
+  </p:clrMapOvr>
 </p:sldLayout>
 </file>
 
 <file path=ppt/slideLayouts/slideLayout15.xml><?xml version="1.0" encoding="utf-8"?>
-<p:sldLayout xmlns:a="http://schemas.openxmlformats.org/drawingml/2006/main" xmlns:p="http://schemas.openxmlformats.org/presentationml/2006/main" xmlns:r="http://schemas.openxmlformats.org/officeDocument/2006/relationships" xmlns:p14="http://schemas.microsoft.com/office/powerpoint/2010/main" xmlns:p15="http://schemas.microsoft.com/office/powerpoint/2012/main" xmlns:mc="http://schemas.openxmlformats.org/markup-compatibility/2006" type="obj" preserve="1">
+<p:sldLayout xmlns:a="http://schemas.openxmlformats.org/drawingml/2006/main" xmlns:r="http://schemas.openxmlformats.org/officeDocument/2006/relationships" xmlns:p="http://schemas.openxmlformats.org/presentationml/2006/main" type="obj" preserve="1">
   <p:cSld name="Title, Content">
     <p:spTree>
       <p:nvGrpSpPr>
@@ -1315,11 +1517,12 @@
           </a:prstGeom>
         </p:spPr>
         <p:txBody>
-          <a:bodyPr lIns="0" rIns="0" tIns="0" bIns="0" anchor="ctr">
+          <a:bodyPr lIns="0" tIns="0" rIns="0" bIns="0" anchor="ctr">
             <a:noAutofit/>
           </a:bodyPr>
-          <a:p>
-            <a:endParaRPr b="0" lang="en-US" sz="1800" spc="-1" strike="noStrike">
+          <a:lstStyle/>
+          <a:p>
+            <a:endParaRPr lang="en-US" sz="1800" b="0" strike="noStrike" spc="-1">
               <a:solidFill>
                 <a:srgbClr val="000000"/>
               </a:solidFill>
@@ -1348,11 +1551,12 @@
           </a:prstGeom>
         </p:spPr>
         <p:txBody>
-          <a:bodyPr lIns="0" rIns="0" tIns="0" bIns="0">
+          <a:bodyPr lIns="0" tIns="0" rIns="0" bIns="0">
             <a:normAutofit/>
           </a:bodyPr>
-          <a:p>
-            <a:endParaRPr b="0" lang="en-US" sz="2800" spc="-1" strike="noStrike">
+          <a:lstStyle/>
+          <a:p>
+            <a:endParaRPr lang="en-US" sz="2800" b="0" strike="noStrike" spc="-1">
               <a:solidFill>
                 <a:srgbClr val="000000"/>
               </a:solidFill>
@@ -1363,11 +1567,14 @@
       </p:sp>
     </p:spTree>
   </p:cSld>
+  <p:clrMapOvr>
+    <a:masterClrMapping/>
+  </p:clrMapOvr>
 </p:sldLayout>
 </file>
 
 <file path=ppt/slideLayouts/slideLayout16.xml><?xml version="1.0" encoding="utf-8"?>
-<p:sldLayout xmlns:a="http://schemas.openxmlformats.org/drawingml/2006/main" xmlns:p="http://schemas.openxmlformats.org/presentationml/2006/main" xmlns:r="http://schemas.openxmlformats.org/officeDocument/2006/relationships" xmlns:p14="http://schemas.microsoft.com/office/powerpoint/2010/main" xmlns:p15="http://schemas.microsoft.com/office/powerpoint/2012/main" xmlns:mc="http://schemas.openxmlformats.org/markup-compatibility/2006" type="twoObj" preserve="1">
+<p:sldLayout xmlns:a="http://schemas.openxmlformats.org/drawingml/2006/main" xmlns:r="http://schemas.openxmlformats.org/officeDocument/2006/relationships" xmlns:p="http://schemas.openxmlformats.org/presentationml/2006/main" type="twoObj" preserve="1">
   <p:cSld name="Title, 2 Content">
     <p:spTree>
       <p:nvGrpSpPr>
@@ -1403,11 +1610,12 @@
           </a:prstGeom>
         </p:spPr>
         <p:txBody>
-          <a:bodyPr lIns="0" rIns="0" tIns="0" bIns="0" anchor="ctr">
+          <a:bodyPr lIns="0" tIns="0" rIns="0" bIns="0" anchor="ctr">
             <a:noAutofit/>
           </a:bodyPr>
-          <a:p>
-            <a:endParaRPr b="0" lang="en-US" sz="1800" spc="-1" strike="noStrike">
+          <a:lstStyle/>
+          <a:p>
+            <a:endParaRPr lang="en-US" sz="1800" b="0" strike="noStrike" spc="-1">
               <a:solidFill>
                 <a:srgbClr val="000000"/>
               </a:solidFill>
@@ -1436,11 +1644,12 @@
           </a:prstGeom>
         </p:spPr>
         <p:txBody>
-          <a:bodyPr lIns="0" rIns="0" tIns="0" bIns="0">
+          <a:bodyPr lIns="0" tIns="0" rIns="0" bIns="0">
             <a:normAutofit/>
           </a:bodyPr>
-          <a:p>
-            <a:endParaRPr b="0" lang="en-US" sz="2800" spc="-1" strike="noStrike">
+          <a:lstStyle/>
+          <a:p>
+            <a:endParaRPr lang="en-US" sz="2800" b="0" strike="noStrike" spc="-1">
               <a:solidFill>
                 <a:srgbClr val="000000"/>
               </a:solidFill>
@@ -1469,11 +1678,12 @@
           </a:prstGeom>
         </p:spPr>
         <p:txBody>
-          <a:bodyPr lIns="0" rIns="0" tIns="0" bIns="0">
+          <a:bodyPr lIns="0" tIns="0" rIns="0" bIns="0">
             <a:normAutofit/>
           </a:bodyPr>
-          <a:p>
-            <a:endParaRPr b="0" lang="en-US" sz="2800" spc="-1" strike="noStrike">
+          <a:lstStyle/>
+          <a:p>
+            <a:endParaRPr lang="en-US" sz="2800" b="0" strike="noStrike" spc="-1">
               <a:solidFill>
                 <a:srgbClr val="000000"/>
               </a:solidFill>
@@ -1484,11 +1694,14 @@
       </p:sp>
     </p:spTree>
   </p:cSld>
+  <p:clrMapOvr>
+    <a:masterClrMapping/>
+  </p:clrMapOvr>
 </p:sldLayout>
 </file>
 
 <file path=ppt/slideLayouts/slideLayout17.xml><?xml version="1.0" encoding="utf-8"?>
-<p:sldLayout xmlns:a="http://schemas.openxmlformats.org/drawingml/2006/main" xmlns:p="http://schemas.openxmlformats.org/presentationml/2006/main" xmlns:r="http://schemas.openxmlformats.org/officeDocument/2006/relationships" xmlns:p14="http://schemas.microsoft.com/office/powerpoint/2010/main" xmlns:p15="http://schemas.microsoft.com/office/powerpoint/2012/main" xmlns:mc="http://schemas.openxmlformats.org/markup-compatibility/2006" type="titleOnly" preserve="1">
+<p:sldLayout xmlns:a="http://schemas.openxmlformats.org/drawingml/2006/main" xmlns:r="http://schemas.openxmlformats.org/officeDocument/2006/relationships" xmlns:p="http://schemas.openxmlformats.org/presentationml/2006/main" type="titleOnly" preserve="1">
   <p:cSld name="Title Only">
     <p:spTree>
       <p:nvGrpSpPr>
@@ -1524,11 +1737,12 @@
           </a:prstGeom>
         </p:spPr>
         <p:txBody>
-          <a:bodyPr lIns="0" rIns="0" tIns="0" bIns="0" anchor="ctr">
+          <a:bodyPr lIns="0" tIns="0" rIns="0" bIns="0" anchor="ctr">
             <a:noAutofit/>
           </a:bodyPr>
-          <a:p>
-            <a:endParaRPr b="0" lang="en-US" sz="1800" spc="-1" strike="noStrike">
+          <a:lstStyle/>
+          <a:p>
+            <a:endParaRPr lang="en-US" sz="1800" b="0" strike="noStrike" spc="-1">
               <a:solidFill>
                 <a:srgbClr val="000000"/>
               </a:solidFill>
@@ -1539,11 +1753,14 @@
       </p:sp>
     </p:spTree>
   </p:cSld>
+  <p:clrMapOvr>
+    <a:masterClrMapping/>
+  </p:clrMapOvr>
 </p:sldLayout>
 </file>
 
 <file path=ppt/slideLayouts/slideLayout18.xml><?xml version="1.0" encoding="utf-8"?>
-<p:sldLayout xmlns:a="http://schemas.openxmlformats.org/drawingml/2006/main" xmlns:p="http://schemas.openxmlformats.org/presentationml/2006/main" xmlns:r="http://schemas.openxmlformats.org/officeDocument/2006/relationships" xmlns:p14="http://schemas.microsoft.com/office/powerpoint/2010/main" xmlns:p15="http://schemas.microsoft.com/office/powerpoint/2012/main" xmlns:mc="http://schemas.openxmlformats.org/markup-compatibility/2006" type="objOnly" preserve="1">
+<p:sldLayout xmlns:a="http://schemas.openxmlformats.org/drawingml/2006/main" xmlns:r="http://schemas.openxmlformats.org/officeDocument/2006/relationships" xmlns:p="http://schemas.openxmlformats.org/presentationml/2006/main" type="objOnly" preserve="1">
   <p:cSld name="Centered Text">
     <p:spTree>
       <p:nvGrpSpPr>
@@ -1579,12 +1796,13 @@
           </a:prstGeom>
         </p:spPr>
         <p:txBody>
-          <a:bodyPr lIns="0" rIns="0" tIns="0" bIns="0" anchor="ctr">
+          <a:bodyPr lIns="0" tIns="0" rIns="0" bIns="0" anchor="ctr">
             <a:noAutofit/>
           </a:bodyPr>
+          <a:lstStyle/>
           <a:p>
             <a:pPr algn="ctr"/>
-            <a:endParaRPr b="0" lang="de-AT" sz="3200" spc="-1" strike="noStrike">
+            <a:endParaRPr lang="de-AT" sz="3200" b="0" strike="noStrike" spc="-1">
               <a:latin typeface="Arial"/>
             </a:endParaRPr>
           </a:p>
@@ -1592,11 +1810,14 @@
       </p:sp>
     </p:spTree>
   </p:cSld>
+  <p:clrMapOvr>
+    <a:masterClrMapping/>
+  </p:clrMapOvr>
 </p:sldLayout>
 </file>
 
 <file path=ppt/slideLayouts/slideLayout19.xml><?xml version="1.0" encoding="utf-8"?>
-<p:sldLayout xmlns:a="http://schemas.openxmlformats.org/drawingml/2006/main" xmlns:p="http://schemas.openxmlformats.org/presentationml/2006/main" xmlns:r="http://schemas.openxmlformats.org/officeDocument/2006/relationships" xmlns:p14="http://schemas.microsoft.com/office/powerpoint/2010/main" xmlns:p15="http://schemas.microsoft.com/office/powerpoint/2012/main" xmlns:mc="http://schemas.openxmlformats.org/markup-compatibility/2006" type="twoObjAndObj" preserve="1">
+<p:sldLayout xmlns:a="http://schemas.openxmlformats.org/drawingml/2006/main" xmlns:r="http://schemas.openxmlformats.org/officeDocument/2006/relationships" xmlns:p="http://schemas.openxmlformats.org/presentationml/2006/main" type="twoObjAndObj" preserve="1">
   <p:cSld name="Title, 2 Content and Content">
     <p:spTree>
       <p:nvGrpSpPr>
@@ -1632,11 +1853,12 @@
           </a:prstGeom>
         </p:spPr>
         <p:txBody>
-          <a:bodyPr lIns="0" rIns="0" tIns="0" bIns="0" anchor="ctr">
+          <a:bodyPr lIns="0" tIns="0" rIns="0" bIns="0" anchor="ctr">
             <a:noAutofit/>
           </a:bodyPr>
-          <a:p>
-            <a:endParaRPr b="0" lang="en-US" sz="1800" spc="-1" strike="noStrike">
+          <a:lstStyle/>
+          <a:p>
+            <a:endParaRPr lang="en-US" sz="1800" b="0" strike="noStrike" spc="-1">
               <a:solidFill>
                 <a:srgbClr val="000000"/>
               </a:solidFill>
@@ -1665,11 +1887,12 @@
           </a:prstGeom>
         </p:spPr>
         <p:txBody>
-          <a:bodyPr lIns="0" rIns="0" tIns="0" bIns="0">
+          <a:bodyPr lIns="0" tIns="0" rIns="0" bIns="0">
             <a:normAutofit/>
           </a:bodyPr>
-          <a:p>
-            <a:endParaRPr b="0" lang="en-US" sz="2800" spc="-1" strike="noStrike">
+          <a:lstStyle/>
+          <a:p>
+            <a:endParaRPr lang="en-US" sz="2800" b="0" strike="noStrike" spc="-1">
               <a:solidFill>
                 <a:srgbClr val="000000"/>
               </a:solidFill>
@@ -1698,11 +1921,12 @@
           </a:prstGeom>
         </p:spPr>
         <p:txBody>
-          <a:bodyPr lIns="0" rIns="0" tIns="0" bIns="0">
+          <a:bodyPr lIns="0" tIns="0" rIns="0" bIns="0">
             <a:normAutofit/>
           </a:bodyPr>
-          <a:p>
-            <a:endParaRPr b="0" lang="en-US" sz="2800" spc="-1" strike="noStrike">
+          <a:lstStyle/>
+          <a:p>
+            <a:endParaRPr lang="en-US" sz="2800" b="0" strike="noStrike" spc="-1">
               <a:solidFill>
                 <a:srgbClr val="000000"/>
               </a:solidFill>
@@ -1731,11 +1955,12 @@
           </a:prstGeom>
         </p:spPr>
         <p:txBody>
-          <a:bodyPr lIns="0" rIns="0" tIns="0" bIns="0">
+          <a:bodyPr lIns="0" tIns="0" rIns="0" bIns="0">
             <a:normAutofit/>
           </a:bodyPr>
-          <a:p>
-            <a:endParaRPr b="0" lang="en-US" sz="2800" spc="-1" strike="noStrike">
+          <a:lstStyle/>
+          <a:p>
+            <a:endParaRPr lang="en-US" sz="2800" b="0" strike="noStrike" spc="-1">
               <a:solidFill>
                 <a:srgbClr val="000000"/>
               </a:solidFill>
@@ -1746,11 +1971,14 @@
       </p:sp>
     </p:spTree>
   </p:cSld>
+  <p:clrMapOvr>
+    <a:masterClrMapping/>
+  </p:clrMapOvr>
 </p:sldLayout>
 </file>
 
 <file path=ppt/slideLayouts/slideLayout2.xml><?xml version="1.0" encoding="utf-8"?>
-<p:sldLayout xmlns:a="http://schemas.openxmlformats.org/drawingml/2006/main" xmlns:p="http://schemas.openxmlformats.org/presentationml/2006/main" xmlns:r="http://schemas.openxmlformats.org/officeDocument/2006/relationships" xmlns:p14="http://schemas.microsoft.com/office/powerpoint/2010/main" xmlns:p15="http://schemas.microsoft.com/office/powerpoint/2012/main" xmlns:mc="http://schemas.openxmlformats.org/markup-compatibility/2006" type="tx" preserve="1">
+<p:sldLayout xmlns:a="http://schemas.openxmlformats.org/drawingml/2006/main" xmlns:r="http://schemas.openxmlformats.org/officeDocument/2006/relationships" xmlns:p="http://schemas.openxmlformats.org/presentationml/2006/main" type="tx" preserve="1">
   <p:cSld name="Title Slide">
     <p:spTree>
       <p:nvGrpSpPr>
@@ -1786,11 +2014,12 @@
           </a:prstGeom>
         </p:spPr>
         <p:txBody>
-          <a:bodyPr lIns="0" rIns="0" tIns="0" bIns="0" anchor="ctr">
+          <a:bodyPr lIns="0" tIns="0" rIns="0" bIns="0" anchor="ctr">
             <a:noAutofit/>
           </a:bodyPr>
-          <a:p>
-            <a:endParaRPr b="0" lang="en-US" sz="1800" spc="-1" strike="noStrike">
+          <a:lstStyle/>
+          <a:p>
+            <a:endParaRPr lang="en-US" sz="1800" b="0" strike="noStrike" spc="-1">
               <a:solidFill>
                 <a:srgbClr val="000000"/>
               </a:solidFill>
@@ -1819,12 +2048,13 @@
           </a:prstGeom>
         </p:spPr>
         <p:txBody>
-          <a:bodyPr lIns="0" rIns="0" tIns="0" bIns="0" anchor="ctr">
+          <a:bodyPr lIns="0" tIns="0" rIns="0" bIns="0" anchor="ctr">
             <a:noAutofit/>
           </a:bodyPr>
+          <a:lstStyle/>
           <a:p>
             <a:pPr algn="ctr"/>
-            <a:endParaRPr b="0" lang="de-AT" sz="3200" spc="-1" strike="noStrike">
+            <a:endParaRPr lang="de-AT" sz="3200" b="0" strike="noStrike" spc="-1">
               <a:latin typeface="Arial"/>
             </a:endParaRPr>
           </a:p>
@@ -1832,11 +2062,14 @@
       </p:sp>
     </p:spTree>
   </p:cSld>
+  <p:clrMapOvr>
+    <a:masterClrMapping/>
+  </p:clrMapOvr>
 </p:sldLayout>
 </file>
 
 <file path=ppt/slideLayouts/slideLayout20.xml><?xml version="1.0" encoding="utf-8"?>
-<p:sldLayout xmlns:a="http://schemas.openxmlformats.org/drawingml/2006/main" xmlns:p="http://schemas.openxmlformats.org/presentationml/2006/main" xmlns:r="http://schemas.openxmlformats.org/officeDocument/2006/relationships" xmlns:p14="http://schemas.microsoft.com/office/powerpoint/2010/main" xmlns:p15="http://schemas.microsoft.com/office/powerpoint/2012/main" xmlns:mc="http://schemas.openxmlformats.org/markup-compatibility/2006" type="objAndTwoObj" preserve="1">
+<p:sldLayout xmlns:a="http://schemas.openxmlformats.org/drawingml/2006/main" xmlns:r="http://schemas.openxmlformats.org/officeDocument/2006/relationships" xmlns:p="http://schemas.openxmlformats.org/presentationml/2006/main" type="objAndTwoObj" preserve="1">
   <p:cSld name="Title Content and 2 Content">
     <p:spTree>
       <p:nvGrpSpPr>
@@ -1872,11 +2105,12 @@
           </a:prstGeom>
         </p:spPr>
         <p:txBody>
-          <a:bodyPr lIns="0" rIns="0" tIns="0" bIns="0" anchor="ctr">
+          <a:bodyPr lIns="0" tIns="0" rIns="0" bIns="0" anchor="ctr">
             <a:noAutofit/>
           </a:bodyPr>
-          <a:p>
-            <a:endParaRPr b="0" lang="en-US" sz="1800" spc="-1" strike="noStrike">
+          <a:lstStyle/>
+          <a:p>
+            <a:endParaRPr lang="en-US" sz="1800" b="0" strike="noStrike" spc="-1">
               <a:solidFill>
                 <a:srgbClr val="000000"/>
               </a:solidFill>
@@ -1905,11 +2139,12 @@
           </a:prstGeom>
         </p:spPr>
         <p:txBody>
-          <a:bodyPr lIns="0" rIns="0" tIns="0" bIns="0">
+          <a:bodyPr lIns="0" tIns="0" rIns="0" bIns="0">
             <a:normAutofit/>
           </a:bodyPr>
-          <a:p>
-            <a:endParaRPr b="0" lang="en-US" sz="2800" spc="-1" strike="noStrike">
+          <a:lstStyle/>
+          <a:p>
+            <a:endParaRPr lang="en-US" sz="2800" b="0" strike="noStrike" spc="-1">
               <a:solidFill>
                 <a:srgbClr val="000000"/>
               </a:solidFill>
@@ -1938,11 +2173,12 @@
           </a:prstGeom>
         </p:spPr>
         <p:txBody>
-          <a:bodyPr lIns="0" rIns="0" tIns="0" bIns="0">
+          <a:bodyPr lIns="0" tIns="0" rIns="0" bIns="0">
             <a:normAutofit/>
           </a:bodyPr>
-          <a:p>
-            <a:endParaRPr b="0" lang="en-US" sz="2800" spc="-1" strike="noStrike">
+          <a:lstStyle/>
+          <a:p>
+            <a:endParaRPr lang="en-US" sz="2800" b="0" strike="noStrike" spc="-1">
               <a:solidFill>
                 <a:srgbClr val="000000"/>
               </a:solidFill>
@@ -1971,11 +2207,12 @@
           </a:prstGeom>
         </p:spPr>
         <p:txBody>
-          <a:bodyPr lIns="0" rIns="0" tIns="0" bIns="0">
+          <a:bodyPr lIns="0" tIns="0" rIns="0" bIns="0">
             <a:normAutofit/>
           </a:bodyPr>
-          <a:p>
-            <a:endParaRPr b="0" lang="en-US" sz="2800" spc="-1" strike="noStrike">
+          <a:lstStyle/>
+          <a:p>
+            <a:endParaRPr lang="en-US" sz="2800" b="0" strike="noStrike" spc="-1">
               <a:solidFill>
                 <a:srgbClr val="000000"/>
               </a:solidFill>
@@ -1986,11 +2223,14 @@
       </p:sp>
     </p:spTree>
   </p:cSld>
+  <p:clrMapOvr>
+    <a:masterClrMapping/>
+  </p:clrMapOvr>
 </p:sldLayout>
 </file>
 
 <file path=ppt/slideLayouts/slideLayout21.xml><?xml version="1.0" encoding="utf-8"?>
-<p:sldLayout xmlns:a="http://schemas.openxmlformats.org/drawingml/2006/main" xmlns:p="http://schemas.openxmlformats.org/presentationml/2006/main" xmlns:r="http://schemas.openxmlformats.org/officeDocument/2006/relationships" xmlns:p14="http://schemas.microsoft.com/office/powerpoint/2010/main" xmlns:p15="http://schemas.microsoft.com/office/powerpoint/2012/main" xmlns:mc="http://schemas.openxmlformats.org/markup-compatibility/2006" type="twoObjOverTx" preserve="1">
+<p:sldLayout xmlns:a="http://schemas.openxmlformats.org/drawingml/2006/main" xmlns:r="http://schemas.openxmlformats.org/officeDocument/2006/relationships" xmlns:p="http://schemas.openxmlformats.org/presentationml/2006/main" type="twoObjOverTx" preserve="1">
   <p:cSld name="Title, 2 Content over Content">
     <p:spTree>
       <p:nvGrpSpPr>
@@ -2026,11 +2266,12 @@
           </a:prstGeom>
         </p:spPr>
         <p:txBody>
-          <a:bodyPr lIns="0" rIns="0" tIns="0" bIns="0" anchor="ctr">
+          <a:bodyPr lIns="0" tIns="0" rIns="0" bIns="0" anchor="ctr">
             <a:noAutofit/>
           </a:bodyPr>
-          <a:p>
-            <a:endParaRPr b="0" lang="en-US" sz="1800" spc="-1" strike="noStrike">
+          <a:lstStyle/>
+          <a:p>
+            <a:endParaRPr lang="en-US" sz="1800" b="0" strike="noStrike" spc="-1">
               <a:solidFill>
                 <a:srgbClr val="000000"/>
               </a:solidFill>
@@ -2059,11 +2300,12 @@
           </a:prstGeom>
         </p:spPr>
         <p:txBody>
-          <a:bodyPr lIns="0" rIns="0" tIns="0" bIns="0">
+          <a:bodyPr lIns="0" tIns="0" rIns="0" bIns="0">
             <a:normAutofit/>
           </a:bodyPr>
-          <a:p>
-            <a:endParaRPr b="0" lang="en-US" sz="2800" spc="-1" strike="noStrike">
+          <a:lstStyle/>
+          <a:p>
+            <a:endParaRPr lang="en-US" sz="2800" b="0" strike="noStrike" spc="-1">
               <a:solidFill>
                 <a:srgbClr val="000000"/>
               </a:solidFill>
@@ -2092,11 +2334,12 @@
           </a:prstGeom>
         </p:spPr>
         <p:txBody>
-          <a:bodyPr lIns="0" rIns="0" tIns="0" bIns="0">
+          <a:bodyPr lIns="0" tIns="0" rIns="0" bIns="0">
             <a:normAutofit/>
           </a:bodyPr>
-          <a:p>
-            <a:endParaRPr b="0" lang="en-US" sz="2800" spc="-1" strike="noStrike">
+          <a:lstStyle/>
+          <a:p>
+            <a:endParaRPr lang="en-US" sz="2800" b="0" strike="noStrike" spc="-1">
               <a:solidFill>
                 <a:srgbClr val="000000"/>
               </a:solidFill>
@@ -2125,11 +2368,12 @@
           </a:prstGeom>
         </p:spPr>
         <p:txBody>
-          <a:bodyPr lIns="0" rIns="0" tIns="0" bIns="0">
+          <a:bodyPr lIns="0" tIns="0" rIns="0" bIns="0">
             <a:normAutofit/>
           </a:bodyPr>
-          <a:p>
-            <a:endParaRPr b="0" lang="en-US" sz="2800" spc="-1" strike="noStrike">
+          <a:lstStyle/>
+          <a:p>
+            <a:endParaRPr lang="en-US" sz="2800" b="0" strike="noStrike" spc="-1">
               <a:solidFill>
                 <a:srgbClr val="000000"/>
               </a:solidFill>
@@ -2140,11 +2384,14 @@
       </p:sp>
     </p:spTree>
   </p:cSld>
+  <p:clrMapOvr>
+    <a:masterClrMapping/>
+  </p:clrMapOvr>
 </p:sldLayout>
 </file>
 
 <file path=ppt/slideLayouts/slideLayout22.xml><?xml version="1.0" encoding="utf-8"?>
-<p:sldLayout xmlns:a="http://schemas.openxmlformats.org/drawingml/2006/main" xmlns:p="http://schemas.openxmlformats.org/presentationml/2006/main" xmlns:r="http://schemas.openxmlformats.org/officeDocument/2006/relationships" xmlns:p14="http://schemas.microsoft.com/office/powerpoint/2010/main" xmlns:p15="http://schemas.microsoft.com/office/powerpoint/2012/main" xmlns:mc="http://schemas.openxmlformats.org/markup-compatibility/2006" type="objOverTx" preserve="1">
+<p:sldLayout xmlns:a="http://schemas.openxmlformats.org/drawingml/2006/main" xmlns:r="http://schemas.openxmlformats.org/officeDocument/2006/relationships" xmlns:p="http://schemas.openxmlformats.org/presentationml/2006/main" type="objOverTx" preserve="1">
   <p:cSld name="Title, Content over Content">
     <p:spTree>
       <p:nvGrpSpPr>
@@ -2180,11 +2427,12 @@
           </a:prstGeom>
         </p:spPr>
         <p:txBody>
-          <a:bodyPr lIns="0" rIns="0" tIns="0" bIns="0" anchor="ctr">
+          <a:bodyPr lIns="0" tIns="0" rIns="0" bIns="0" anchor="ctr">
             <a:noAutofit/>
           </a:bodyPr>
-          <a:p>
-            <a:endParaRPr b="0" lang="en-US" sz="1800" spc="-1" strike="noStrike">
+          <a:lstStyle/>
+          <a:p>
+            <a:endParaRPr lang="en-US" sz="1800" b="0" strike="noStrike" spc="-1">
               <a:solidFill>
                 <a:srgbClr val="000000"/>
               </a:solidFill>
@@ -2213,11 +2461,12 @@
           </a:prstGeom>
         </p:spPr>
         <p:txBody>
-          <a:bodyPr lIns="0" rIns="0" tIns="0" bIns="0">
+          <a:bodyPr lIns="0" tIns="0" rIns="0" bIns="0">
             <a:normAutofit/>
           </a:bodyPr>
-          <a:p>
-            <a:endParaRPr b="0" lang="en-US" sz="2800" spc="-1" strike="noStrike">
+          <a:lstStyle/>
+          <a:p>
+            <a:endParaRPr lang="en-US" sz="2800" b="0" strike="noStrike" spc="-1">
               <a:solidFill>
                 <a:srgbClr val="000000"/>
               </a:solidFill>
@@ -2246,11 +2495,12 @@
           </a:prstGeom>
         </p:spPr>
         <p:txBody>
-          <a:bodyPr lIns="0" rIns="0" tIns="0" bIns="0">
+          <a:bodyPr lIns="0" tIns="0" rIns="0" bIns="0">
             <a:normAutofit/>
           </a:bodyPr>
-          <a:p>
-            <a:endParaRPr b="0" lang="en-US" sz="2800" spc="-1" strike="noStrike">
+          <a:lstStyle/>
+          <a:p>
+            <a:endParaRPr lang="en-US" sz="2800" b="0" strike="noStrike" spc="-1">
               <a:solidFill>
                 <a:srgbClr val="000000"/>
               </a:solidFill>
@@ -2261,11 +2511,14 @@
       </p:sp>
     </p:spTree>
   </p:cSld>
+  <p:clrMapOvr>
+    <a:masterClrMapping/>
+  </p:clrMapOvr>
 </p:sldLayout>
 </file>
 
 <file path=ppt/slideLayouts/slideLayout23.xml><?xml version="1.0" encoding="utf-8"?>
-<p:sldLayout xmlns:a="http://schemas.openxmlformats.org/drawingml/2006/main" xmlns:p="http://schemas.openxmlformats.org/presentationml/2006/main" xmlns:r="http://schemas.openxmlformats.org/officeDocument/2006/relationships" xmlns:p14="http://schemas.microsoft.com/office/powerpoint/2010/main" xmlns:p15="http://schemas.microsoft.com/office/powerpoint/2012/main" xmlns:mc="http://schemas.openxmlformats.org/markup-compatibility/2006" type="fourObj" preserve="1">
+<p:sldLayout xmlns:a="http://schemas.openxmlformats.org/drawingml/2006/main" xmlns:r="http://schemas.openxmlformats.org/officeDocument/2006/relationships" xmlns:p="http://schemas.openxmlformats.org/presentationml/2006/main" type="fourObj" preserve="1">
   <p:cSld name="Title, 4 Content">
     <p:spTree>
       <p:nvGrpSpPr>
@@ -2301,11 +2554,12 @@
           </a:prstGeom>
         </p:spPr>
         <p:txBody>
-          <a:bodyPr lIns="0" rIns="0" tIns="0" bIns="0" anchor="ctr">
+          <a:bodyPr lIns="0" tIns="0" rIns="0" bIns="0" anchor="ctr">
             <a:noAutofit/>
           </a:bodyPr>
-          <a:p>
-            <a:endParaRPr b="0" lang="en-US" sz="1800" spc="-1" strike="noStrike">
+          <a:lstStyle/>
+          <a:p>
+            <a:endParaRPr lang="en-US" sz="1800" b="0" strike="noStrike" spc="-1">
               <a:solidFill>
                 <a:srgbClr val="000000"/>
               </a:solidFill>
@@ -2334,11 +2588,12 @@
           </a:prstGeom>
         </p:spPr>
         <p:txBody>
-          <a:bodyPr lIns="0" rIns="0" tIns="0" bIns="0">
+          <a:bodyPr lIns="0" tIns="0" rIns="0" bIns="0">
             <a:normAutofit/>
           </a:bodyPr>
-          <a:p>
-            <a:endParaRPr b="0" lang="en-US" sz="2800" spc="-1" strike="noStrike">
+          <a:lstStyle/>
+          <a:p>
+            <a:endParaRPr lang="en-US" sz="2800" b="0" strike="noStrike" spc="-1">
               <a:solidFill>
                 <a:srgbClr val="000000"/>
               </a:solidFill>
@@ -2367,11 +2622,12 @@
           </a:prstGeom>
         </p:spPr>
         <p:txBody>
-          <a:bodyPr lIns="0" rIns="0" tIns="0" bIns="0">
+          <a:bodyPr lIns="0" tIns="0" rIns="0" bIns="0">
             <a:normAutofit/>
           </a:bodyPr>
-          <a:p>
-            <a:endParaRPr b="0" lang="en-US" sz="2800" spc="-1" strike="noStrike">
+          <a:lstStyle/>
+          <a:p>
+            <a:endParaRPr lang="en-US" sz="2800" b="0" strike="noStrike" spc="-1">
               <a:solidFill>
                 <a:srgbClr val="000000"/>
               </a:solidFill>
@@ -2400,11 +2656,12 @@
           </a:prstGeom>
         </p:spPr>
         <p:txBody>
-          <a:bodyPr lIns="0" rIns="0" tIns="0" bIns="0">
+          <a:bodyPr lIns="0" tIns="0" rIns="0" bIns="0">
             <a:normAutofit/>
           </a:bodyPr>
-          <a:p>
-            <a:endParaRPr b="0" lang="en-US" sz="2800" spc="-1" strike="noStrike">
+          <a:lstStyle/>
+          <a:p>
+            <a:endParaRPr lang="en-US" sz="2800" b="0" strike="noStrike" spc="-1">
               <a:solidFill>
                 <a:srgbClr val="000000"/>
               </a:solidFill>
@@ -2433,11 +2690,12 @@
           </a:prstGeom>
         </p:spPr>
         <p:txBody>
-          <a:bodyPr lIns="0" rIns="0" tIns="0" bIns="0">
+          <a:bodyPr lIns="0" tIns="0" rIns="0" bIns="0">
             <a:normAutofit/>
           </a:bodyPr>
-          <a:p>
-            <a:endParaRPr b="0" lang="en-US" sz="2800" spc="-1" strike="noStrike">
+          <a:lstStyle/>
+          <a:p>
+            <a:endParaRPr lang="en-US" sz="2800" b="0" strike="noStrike" spc="-1">
               <a:solidFill>
                 <a:srgbClr val="000000"/>
               </a:solidFill>
@@ -2448,11 +2706,14 @@
       </p:sp>
     </p:spTree>
   </p:cSld>
+  <p:clrMapOvr>
+    <a:masterClrMapping/>
+  </p:clrMapOvr>
 </p:sldLayout>
 </file>
 
 <file path=ppt/slideLayouts/slideLayout24.xml><?xml version="1.0" encoding="utf-8"?>
-<p:sldLayout xmlns:a="http://schemas.openxmlformats.org/drawingml/2006/main" xmlns:p="http://schemas.openxmlformats.org/presentationml/2006/main" xmlns:r="http://schemas.openxmlformats.org/officeDocument/2006/relationships" xmlns:p14="http://schemas.microsoft.com/office/powerpoint/2010/main" xmlns:p15="http://schemas.microsoft.com/office/powerpoint/2012/main" xmlns:mc="http://schemas.openxmlformats.org/markup-compatibility/2006" type="blank" preserve="1">
+<p:sldLayout xmlns:a="http://schemas.openxmlformats.org/drawingml/2006/main" xmlns:r="http://schemas.openxmlformats.org/officeDocument/2006/relationships" xmlns:p="http://schemas.openxmlformats.org/presentationml/2006/main" type="blank" preserve="1">
   <p:cSld name="Title, 6 Content">
     <p:spTree>
       <p:nvGrpSpPr>
@@ -2488,11 +2749,12 @@
           </a:prstGeom>
         </p:spPr>
         <p:txBody>
-          <a:bodyPr lIns="0" rIns="0" tIns="0" bIns="0" anchor="ctr">
+          <a:bodyPr lIns="0" tIns="0" rIns="0" bIns="0" anchor="ctr">
             <a:noAutofit/>
           </a:bodyPr>
-          <a:p>
-            <a:endParaRPr b="0" lang="en-US" sz="1800" spc="-1" strike="noStrike">
+          <a:lstStyle/>
+          <a:p>
+            <a:endParaRPr lang="en-US" sz="1800" b="0" strike="noStrike" spc="-1">
               <a:solidFill>
                 <a:srgbClr val="000000"/>
               </a:solidFill>
@@ -2521,11 +2783,12 @@
           </a:prstGeom>
         </p:spPr>
         <p:txBody>
-          <a:bodyPr lIns="0" rIns="0" tIns="0" bIns="0">
+          <a:bodyPr lIns="0" tIns="0" rIns="0" bIns="0">
             <a:normAutofit/>
           </a:bodyPr>
-          <a:p>
-            <a:endParaRPr b="0" lang="en-US" sz="2800" spc="-1" strike="noStrike">
+          <a:lstStyle/>
+          <a:p>
+            <a:endParaRPr lang="en-US" sz="2800" b="0" strike="noStrike" spc="-1">
               <a:solidFill>
                 <a:srgbClr val="000000"/>
               </a:solidFill>
@@ -2554,11 +2817,12 @@
           </a:prstGeom>
         </p:spPr>
         <p:txBody>
-          <a:bodyPr lIns="0" rIns="0" tIns="0" bIns="0">
+          <a:bodyPr lIns="0" tIns="0" rIns="0" bIns="0">
             <a:normAutofit/>
           </a:bodyPr>
-          <a:p>
-            <a:endParaRPr b="0" lang="en-US" sz="2800" spc="-1" strike="noStrike">
+          <a:lstStyle/>
+          <a:p>
+            <a:endParaRPr lang="en-US" sz="2800" b="0" strike="noStrike" spc="-1">
               <a:solidFill>
                 <a:srgbClr val="000000"/>
               </a:solidFill>
@@ -2587,11 +2851,12 @@
           </a:prstGeom>
         </p:spPr>
         <p:txBody>
-          <a:bodyPr lIns="0" rIns="0" tIns="0" bIns="0">
+          <a:bodyPr lIns="0" tIns="0" rIns="0" bIns="0">
             <a:normAutofit/>
           </a:bodyPr>
-          <a:p>
-            <a:endParaRPr b="0" lang="en-US" sz="2800" spc="-1" strike="noStrike">
+          <a:lstStyle/>
+          <a:p>
+            <a:endParaRPr lang="en-US" sz="2800" b="0" strike="noStrike" spc="-1">
               <a:solidFill>
                 <a:srgbClr val="000000"/>
               </a:solidFill>
@@ -2620,11 +2885,12 @@
           </a:prstGeom>
         </p:spPr>
         <p:txBody>
-          <a:bodyPr lIns="0" rIns="0" tIns="0" bIns="0">
+          <a:bodyPr lIns="0" tIns="0" rIns="0" bIns="0">
             <a:normAutofit/>
           </a:bodyPr>
-          <a:p>
-            <a:endParaRPr b="0" lang="en-US" sz="2800" spc="-1" strike="noStrike">
+          <a:lstStyle/>
+          <a:p>
+            <a:endParaRPr lang="en-US" sz="2800" b="0" strike="noStrike" spc="-1">
               <a:solidFill>
                 <a:srgbClr val="000000"/>
               </a:solidFill>
@@ -2653,11 +2919,12 @@
           </a:prstGeom>
         </p:spPr>
         <p:txBody>
-          <a:bodyPr lIns="0" rIns="0" tIns="0" bIns="0">
+          <a:bodyPr lIns="0" tIns="0" rIns="0" bIns="0">
             <a:normAutofit/>
           </a:bodyPr>
-          <a:p>
-            <a:endParaRPr b="0" lang="en-US" sz="2800" spc="-1" strike="noStrike">
+          <a:lstStyle/>
+          <a:p>
+            <a:endParaRPr lang="en-US" sz="2800" b="0" strike="noStrike" spc="-1">
               <a:solidFill>
                 <a:srgbClr val="000000"/>
               </a:solidFill>
@@ -2686,11 +2953,12 @@
           </a:prstGeom>
         </p:spPr>
         <p:txBody>
-          <a:bodyPr lIns="0" rIns="0" tIns="0" bIns="0">
+          <a:bodyPr lIns="0" tIns="0" rIns="0" bIns="0">
             <a:normAutofit/>
           </a:bodyPr>
-          <a:p>
-            <a:endParaRPr b="0" lang="en-US" sz="2800" spc="-1" strike="noStrike">
+          <a:lstStyle/>
+          <a:p>
+            <a:endParaRPr lang="en-US" sz="2800" b="0" strike="noStrike" spc="-1">
               <a:solidFill>
                 <a:srgbClr val="000000"/>
               </a:solidFill>
@@ -2701,11 +2969,14 @@
       </p:sp>
     </p:spTree>
   </p:cSld>
+  <p:clrMapOvr>
+    <a:masterClrMapping/>
+  </p:clrMapOvr>
 </p:sldLayout>
 </file>
 
 <file path=ppt/slideLayouts/slideLayout25.xml><?xml version="1.0" encoding="utf-8"?>
-<p:sldLayout xmlns:a="http://schemas.openxmlformats.org/drawingml/2006/main" xmlns:p="http://schemas.openxmlformats.org/presentationml/2006/main" xmlns:r="http://schemas.openxmlformats.org/officeDocument/2006/relationships" xmlns:p14="http://schemas.microsoft.com/office/powerpoint/2010/main" xmlns:p15="http://schemas.microsoft.com/office/powerpoint/2012/main" xmlns:mc="http://schemas.openxmlformats.org/markup-compatibility/2006" type="blank" preserve="1">
+<p:sldLayout xmlns:a="http://schemas.openxmlformats.org/drawingml/2006/main" xmlns:r="http://schemas.openxmlformats.org/officeDocument/2006/relationships" xmlns:p="http://schemas.openxmlformats.org/presentationml/2006/main" type="blank" preserve="1">
   <p:cSld name="Blank Slide">
     <p:spTree>
       <p:nvGrpSpPr>
@@ -2723,11 +2994,14 @@
       </p:grpSpPr>
     </p:spTree>
   </p:cSld>
+  <p:clrMapOvr>
+    <a:masterClrMapping/>
+  </p:clrMapOvr>
 </p:sldLayout>
 </file>
 
 <file path=ppt/slideLayouts/slideLayout26.xml><?xml version="1.0" encoding="utf-8"?>
-<p:sldLayout xmlns:a="http://schemas.openxmlformats.org/drawingml/2006/main" xmlns:p="http://schemas.openxmlformats.org/presentationml/2006/main" xmlns:r="http://schemas.openxmlformats.org/officeDocument/2006/relationships" xmlns:p14="http://schemas.microsoft.com/office/powerpoint/2010/main" xmlns:p15="http://schemas.microsoft.com/office/powerpoint/2012/main" xmlns:mc="http://schemas.openxmlformats.org/markup-compatibility/2006" type="tx" preserve="1">
+<p:sldLayout xmlns:a="http://schemas.openxmlformats.org/drawingml/2006/main" xmlns:r="http://schemas.openxmlformats.org/officeDocument/2006/relationships" xmlns:p="http://schemas.openxmlformats.org/presentationml/2006/main" type="tx" preserve="1">
   <p:cSld name="Title Slide">
     <p:spTree>
       <p:nvGrpSpPr>
@@ -2763,11 +3037,12 @@
           </a:prstGeom>
         </p:spPr>
         <p:txBody>
-          <a:bodyPr lIns="0" rIns="0" tIns="0" bIns="0" anchor="ctr">
+          <a:bodyPr lIns="0" tIns="0" rIns="0" bIns="0" anchor="ctr">
             <a:noAutofit/>
           </a:bodyPr>
-          <a:p>
-            <a:endParaRPr b="0" lang="en-US" sz="1800" spc="-1" strike="noStrike">
+          <a:lstStyle/>
+          <a:p>
+            <a:endParaRPr lang="en-US" sz="1800" b="0" strike="noStrike" spc="-1">
               <a:solidFill>
                 <a:srgbClr val="000000"/>
               </a:solidFill>
@@ -2796,12 +3071,13 @@
           </a:prstGeom>
         </p:spPr>
         <p:txBody>
-          <a:bodyPr lIns="0" rIns="0" tIns="0" bIns="0" anchor="ctr">
+          <a:bodyPr lIns="0" tIns="0" rIns="0" bIns="0" anchor="ctr">
             <a:noAutofit/>
           </a:bodyPr>
+          <a:lstStyle/>
           <a:p>
             <a:pPr algn="ctr"/>
-            <a:endParaRPr b="0" lang="de-AT" sz="3200" spc="-1" strike="noStrike">
+            <a:endParaRPr lang="de-AT" sz="3200" b="0" strike="noStrike" spc="-1">
               <a:latin typeface="Arial"/>
             </a:endParaRPr>
           </a:p>
@@ -2809,11 +3085,14 @@
       </p:sp>
     </p:spTree>
   </p:cSld>
+  <p:clrMapOvr>
+    <a:masterClrMapping/>
+  </p:clrMapOvr>
 </p:sldLayout>
 </file>
 
 <file path=ppt/slideLayouts/slideLayout27.xml><?xml version="1.0" encoding="utf-8"?>
-<p:sldLayout xmlns:a="http://schemas.openxmlformats.org/drawingml/2006/main" xmlns:p="http://schemas.openxmlformats.org/presentationml/2006/main" xmlns:r="http://schemas.openxmlformats.org/officeDocument/2006/relationships" xmlns:p14="http://schemas.microsoft.com/office/powerpoint/2010/main" xmlns:p15="http://schemas.microsoft.com/office/powerpoint/2012/main" xmlns:mc="http://schemas.openxmlformats.org/markup-compatibility/2006" type="obj" preserve="1">
+<p:sldLayout xmlns:a="http://schemas.openxmlformats.org/drawingml/2006/main" xmlns:r="http://schemas.openxmlformats.org/officeDocument/2006/relationships" xmlns:p="http://schemas.openxmlformats.org/presentationml/2006/main" type="obj" preserve="1">
   <p:cSld name="Title, Content">
     <p:spTree>
       <p:nvGrpSpPr>
@@ -2849,11 +3128,12 @@
           </a:prstGeom>
         </p:spPr>
         <p:txBody>
-          <a:bodyPr lIns="0" rIns="0" tIns="0" bIns="0" anchor="ctr">
+          <a:bodyPr lIns="0" tIns="0" rIns="0" bIns="0" anchor="ctr">
             <a:noAutofit/>
           </a:bodyPr>
-          <a:p>
-            <a:endParaRPr b="0" lang="en-US" sz="1800" spc="-1" strike="noStrike">
+          <a:lstStyle/>
+          <a:p>
+            <a:endParaRPr lang="en-US" sz="1800" b="0" strike="noStrike" spc="-1">
               <a:solidFill>
                 <a:srgbClr val="000000"/>
               </a:solidFill>
@@ -2882,11 +3162,12 @@
           </a:prstGeom>
         </p:spPr>
         <p:txBody>
-          <a:bodyPr lIns="0" rIns="0" tIns="0" bIns="0">
+          <a:bodyPr lIns="0" tIns="0" rIns="0" bIns="0">
             <a:normAutofit/>
           </a:bodyPr>
-          <a:p>
-            <a:endParaRPr b="0" lang="en-US" sz="2800" spc="-1" strike="noStrike">
+          <a:lstStyle/>
+          <a:p>
+            <a:endParaRPr lang="en-US" sz="2800" b="0" strike="noStrike" spc="-1">
               <a:solidFill>
                 <a:srgbClr val="000000"/>
               </a:solidFill>
@@ -2897,11 +3178,14 @@
       </p:sp>
     </p:spTree>
   </p:cSld>
+  <p:clrMapOvr>
+    <a:masterClrMapping/>
+  </p:clrMapOvr>
 </p:sldLayout>
 </file>
 
 <file path=ppt/slideLayouts/slideLayout28.xml><?xml version="1.0" encoding="utf-8"?>
-<p:sldLayout xmlns:a="http://schemas.openxmlformats.org/drawingml/2006/main" xmlns:p="http://schemas.openxmlformats.org/presentationml/2006/main" xmlns:r="http://schemas.openxmlformats.org/officeDocument/2006/relationships" xmlns:p14="http://schemas.microsoft.com/office/powerpoint/2010/main" xmlns:p15="http://schemas.microsoft.com/office/powerpoint/2012/main" xmlns:mc="http://schemas.openxmlformats.org/markup-compatibility/2006" type="twoObj" preserve="1">
+<p:sldLayout xmlns:a="http://schemas.openxmlformats.org/drawingml/2006/main" xmlns:r="http://schemas.openxmlformats.org/officeDocument/2006/relationships" xmlns:p="http://schemas.openxmlformats.org/presentationml/2006/main" type="twoObj" preserve="1">
   <p:cSld name="Title, 2 Content">
     <p:spTree>
       <p:nvGrpSpPr>
@@ -2937,11 +3221,12 @@
           </a:prstGeom>
         </p:spPr>
         <p:txBody>
-          <a:bodyPr lIns="0" rIns="0" tIns="0" bIns="0" anchor="ctr">
+          <a:bodyPr lIns="0" tIns="0" rIns="0" bIns="0" anchor="ctr">
             <a:noAutofit/>
           </a:bodyPr>
-          <a:p>
-            <a:endParaRPr b="0" lang="en-US" sz="1800" spc="-1" strike="noStrike">
+          <a:lstStyle/>
+          <a:p>
+            <a:endParaRPr lang="en-US" sz="1800" b="0" strike="noStrike" spc="-1">
               <a:solidFill>
                 <a:srgbClr val="000000"/>
               </a:solidFill>
@@ -2970,11 +3255,12 @@
           </a:prstGeom>
         </p:spPr>
         <p:txBody>
-          <a:bodyPr lIns="0" rIns="0" tIns="0" bIns="0">
+          <a:bodyPr lIns="0" tIns="0" rIns="0" bIns="0">
             <a:normAutofit/>
           </a:bodyPr>
-          <a:p>
-            <a:endParaRPr b="0" lang="en-US" sz="2800" spc="-1" strike="noStrike">
+          <a:lstStyle/>
+          <a:p>
+            <a:endParaRPr lang="en-US" sz="2800" b="0" strike="noStrike" spc="-1">
               <a:solidFill>
                 <a:srgbClr val="000000"/>
               </a:solidFill>
@@ -3003,11 +3289,12 @@
           </a:prstGeom>
         </p:spPr>
         <p:txBody>
-          <a:bodyPr lIns="0" rIns="0" tIns="0" bIns="0">
+          <a:bodyPr lIns="0" tIns="0" rIns="0" bIns="0">
             <a:normAutofit/>
           </a:bodyPr>
-          <a:p>
-            <a:endParaRPr b="0" lang="en-US" sz="2800" spc="-1" strike="noStrike">
+          <a:lstStyle/>
+          <a:p>
+            <a:endParaRPr lang="en-US" sz="2800" b="0" strike="noStrike" spc="-1">
               <a:solidFill>
                 <a:srgbClr val="000000"/>
               </a:solidFill>
@@ -3018,11 +3305,14 @@
       </p:sp>
     </p:spTree>
   </p:cSld>
+  <p:clrMapOvr>
+    <a:masterClrMapping/>
+  </p:clrMapOvr>
 </p:sldLayout>
 </file>
 
 <file path=ppt/slideLayouts/slideLayout29.xml><?xml version="1.0" encoding="utf-8"?>
-<p:sldLayout xmlns:a="http://schemas.openxmlformats.org/drawingml/2006/main" xmlns:p="http://schemas.openxmlformats.org/presentationml/2006/main" xmlns:r="http://schemas.openxmlformats.org/officeDocument/2006/relationships" xmlns:p14="http://schemas.microsoft.com/office/powerpoint/2010/main" xmlns:p15="http://schemas.microsoft.com/office/powerpoint/2012/main" xmlns:mc="http://schemas.openxmlformats.org/markup-compatibility/2006" type="titleOnly" preserve="1">
+<p:sldLayout xmlns:a="http://schemas.openxmlformats.org/drawingml/2006/main" xmlns:r="http://schemas.openxmlformats.org/officeDocument/2006/relationships" xmlns:p="http://schemas.openxmlformats.org/presentationml/2006/main" type="titleOnly" preserve="1">
   <p:cSld name="Title Only">
     <p:spTree>
       <p:nvGrpSpPr>
@@ -3058,11 +3348,12 @@
           </a:prstGeom>
         </p:spPr>
         <p:txBody>
-          <a:bodyPr lIns="0" rIns="0" tIns="0" bIns="0" anchor="ctr">
+          <a:bodyPr lIns="0" tIns="0" rIns="0" bIns="0" anchor="ctr">
             <a:noAutofit/>
           </a:bodyPr>
-          <a:p>
-            <a:endParaRPr b="0" lang="en-US" sz="1800" spc="-1" strike="noStrike">
+          <a:lstStyle/>
+          <a:p>
+            <a:endParaRPr lang="en-US" sz="1800" b="0" strike="noStrike" spc="-1">
               <a:solidFill>
                 <a:srgbClr val="000000"/>
               </a:solidFill>
@@ -3073,11 +3364,14 @@
       </p:sp>
     </p:spTree>
   </p:cSld>
+  <p:clrMapOvr>
+    <a:masterClrMapping/>
+  </p:clrMapOvr>
 </p:sldLayout>
 </file>
 
 <file path=ppt/slideLayouts/slideLayout3.xml><?xml version="1.0" encoding="utf-8"?>
-<p:sldLayout xmlns:a="http://schemas.openxmlformats.org/drawingml/2006/main" xmlns:p="http://schemas.openxmlformats.org/presentationml/2006/main" xmlns:r="http://schemas.openxmlformats.org/officeDocument/2006/relationships" xmlns:p14="http://schemas.microsoft.com/office/powerpoint/2010/main" xmlns:p15="http://schemas.microsoft.com/office/powerpoint/2012/main" xmlns:mc="http://schemas.openxmlformats.org/markup-compatibility/2006" type="obj" preserve="1">
+<p:sldLayout xmlns:a="http://schemas.openxmlformats.org/drawingml/2006/main" xmlns:r="http://schemas.openxmlformats.org/officeDocument/2006/relationships" xmlns:p="http://schemas.openxmlformats.org/presentationml/2006/main" type="obj" preserve="1">
   <p:cSld name="Title, Content">
     <p:spTree>
       <p:nvGrpSpPr>
@@ -3113,11 +3407,12 @@
           </a:prstGeom>
         </p:spPr>
         <p:txBody>
-          <a:bodyPr lIns="0" rIns="0" tIns="0" bIns="0" anchor="ctr">
+          <a:bodyPr lIns="0" tIns="0" rIns="0" bIns="0" anchor="ctr">
             <a:noAutofit/>
           </a:bodyPr>
-          <a:p>
-            <a:endParaRPr b="0" lang="en-US" sz="1800" spc="-1" strike="noStrike">
+          <a:lstStyle/>
+          <a:p>
+            <a:endParaRPr lang="en-US" sz="1800" b="0" strike="noStrike" spc="-1">
               <a:solidFill>
                 <a:srgbClr val="000000"/>
               </a:solidFill>
@@ -3146,11 +3441,12 @@
           </a:prstGeom>
         </p:spPr>
         <p:txBody>
-          <a:bodyPr lIns="0" rIns="0" tIns="0" bIns="0">
+          <a:bodyPr lIns="0" tIns="0" rIns="0" bIns="0">
             <a:normAutofit/>
           </a:bodyPr>
-          <a:p>
-            <a:endParaRPr b="0" lang="en-US" sz="2800" spc="-1" strike="noStrike">
+          <a:lstStyle/>
+          <a:p>
+            <a:endParaRPr lang="en-US" sz="2800" b="0" strike="noStrike" spc="-1">
               <a:solidFill>
                 <a:srgbClr val="000000"/>
               </a:solidFill>
@@ -3161,11 +3457,14 @@
       </p:sp>
     </p:spTree>
   </p:cSld>
+  <p:clrMapOvr>
+    <a:masterClrMapping/>
+  </p:clrMapOvr>
 </p:sldLayout>
 </file>
 
 <file path=ppt/slideLayouts/slideLayout30.xml><?xml version="1.0" encoding="utf-8"?>
-<p:sldLayout xmlns:a="http://schemas.openxmlformats.org/drawingml/2006/main" xmlns:p="http://schemas.openxmlformats.org/presentationml/2006/main" xmlns:r="http://schemas.openxmlformats.org/officeDocument/2006/relationships" xmlns:p14="http://schemas.microsoft.com/office/powerpoint/2010/main" xmlns:p15="http://schemas.microsoft.com/office/powerpoint/2012/main" xmlns:mc="http://schemas.openxmlformats.org/markup-compatibility/2006" type="objOnly" preserve="1">
+<p:sldLayout xmlns:a="http://schemas.openxmlformats.org/drawingml/2006/main" xmlns:r="http://schemas.openxmlformats.org/officeDocument/2006/relationships" xmlns:p="http://schemas.openxmlformats.org/presentationml/2006/main" type="objOnly" preserve="1">
   <p:cSld name="Centered Text">
     <p:spTree>
       <p:nvGrpSpPr>
@@ -3201,12 +3500,13 @@
           </a:prstGeom>
         </p:spPr>
         <p:txBody>
-          <a:bodyPr lIns="0" rIns="0" tIns="0" bIns="0" anchor="ctr">
+          <a:bodyPr lIns="0" tIns="0" rIns="0" bIns="0" anchor="ctr">
             <a:noAutofit/>
           </a:bodyPr>
+          <a:lstStyle/>
           <a:p>
             <a:pPr algn="ctr"/>
-            <a:endParaRPr b="0" lang="de-AT" sz="3200" spc="-1" strike="noStrike">
+            <a:endParaRPr lang="de-AT" sz="3200" b="0" strike="noStrike" spc="-1">
               <a:latin typeface="Arial"/>
             </a:endParaRPr>
           </a:p>
@@ -3214,11 +3514,14 @@
       </p:sp>
     </p:spTree>
   </p:cSld>
+  <p:clrMapOvr>
+    <a:masterClrMapping/>
+  </p:clrMapOvr>
 </p:sldLayout>
 </file>
 
 <file path=ppt/slideLayouts/slideLayout31.xml><?xml version="1.0" encoding="utf-8"?>
-<p:sldLayout xmlns:a="http://schemas.openxmlformats.org/drawingml/2006/main" xmlns:p="http://schemas.openxmlformats.org/presentationml/2006/main" xmlns:r="http://schemas.openxmlformats.org/officeDocument/2006/relationships" xmlns:p14="http://schemas.microsoft.com/office/powerpoint/2010/main" xmlns:p15="http://schemas.microsoft.com/office/powerpoint/2012/main" xmlns:mc="http://schemas.openxmlformats.org/markup-compatibility/2006" type="twoObjAndObj" preserve="1">
+<p:sldLayout xmlns:a="http://schemas.openxmlformats.org/drawingml/2006/main" xmlns:r="http://schemas.openxmlformats.org/officeDocument/2006/relationships" xmlns:p="http://schemas.openxmlformats.org/presentationml/2006/main" type="twoObjAndObj" preserve="1">
   <p:cSld name="Title, 2 Content and Content">
     <p:spTree>
       <p:nvGrpSpPr>
@@ -3254,11 +3557,12 @@
           </a:prstGeom>
         </p:spPr>
         <p:txBody>
-          <a:bodyPr lIns="0" rIns="0" tIns="0" bIns="0" anchor="ctr">
+          <a:bodyPr lIns="0" tIns="0" rIns="0" bIns="0" anchor="ctr">
             <a:noAutofit/>
           </a:bodyPr>
-          <a:p>
-            <a:endParaRPr b="0" lang="en-US" sz="1800" spc="-1" strike="noStrike">
+          <a:lstStyle/>
+          <a:p>
+            <a:endParaRPr lang="en-US" sz="1800" b="0" strike="noStrike" spc="-1">
               <a:solidFill>
                 <a:srgbClr val="000000"/>
               </a:solidFill>
@@ -3287,11 +3591,12 @@
           </a:prstGeom>
         </p:spPr>
         <p:txBody>
-          <a:bodyPr lIns="0" rIns="0" tIns="0" bIns="0">
+          <a:bodyPr lIns="0" tIns="0" rIns="0" bIns="0">
             <a:normAutofit/>
           </a:bodyPr>
-          <a:p>
-            <a:endParaRPr b="0" lang="en-US" sz="2800" spc="-1" strike="noStrike">
+          <a:lstStyle/>
+          <a:p>
+            <a:endParaRPr lang="en-US" sz="2800" b="0" strike="noStrike" spc="-1">
               <a:solidFill>
                 <a:srgbClr val="000000"/>
               </a:solidFill>
@@ -3320,11 +3625,12 @@
           </a:prstGeom>
         </p:spPr>
         <p:txBody>
-          <a:bodyPr lIns="0" rIns="0" tIns="0" bIns="0">
+          <a:bodyPr lIns="0" tIns="0" rIns="0" bIns="0">
             <a:normAutofit/>
           </a:bodyPr>
-          <a:p>
-            <a:endParaRPr b="0" lang="en-US" sz="2800" spc="-1" strike="noStrike">
+          <a:lstStyle/>
+          <a:p>
+            <a:endParaRPr lang="en-US" sz="2800" b="0" strike="noStrike" spc="-1">
               <a:solidFill>
                 <a:srgbClr val="000000"/>
               </a:solidFill>
@@ -3353,11 +3659,12 @@
           </a:prstGeom>
         </p:spPr>
         <p:txBody>
-          <a:bodyPr lIns="0" rIns="0" tIns="0" bIns="0">
+          <a:bodyPr lIns="0" tIns="0" rIns="0" bIns="0">
             <a:normAutofit/>
           </a:bodyPr>
-          <a:p>
-            <a:endParaRPr b="0" lang="en-US" sz="2800" spc="-1" strike="noStrike">
+          <a:lstStyle/>
+          <a:p>
+            <a:endParaRPr lang="en-US" sz="2800" b="0" strike="noStrike" spc="-1">
               <a:solidFill>
                 <a:srgbClr val="000000"/>
               </a:solidFill>
@@ -3368,11 +3675,14 @@
       </p:sp>
     </p:spTree>
   </p:cSld>
+  <p:clrMapOvr>
+    <a:masterClrMapping/>
+  </p:clrMapOvr>
 </p:sldLayout>
 </file>
 
 <file path=ppt/slideLayouts/slideLayout32.xml><?xml version="1.0" encoding="utf-8"?>
-<p:sldLayout xmlns:a="http://schemas.openxmlformats.org/drawingml/2006/main" xmlns:p="http://schemas.openxmlformats.org/presentationml/2006/main" xmlns:r="http://schemas.openxmlformats.org/officeDocument/2006/relationships" xmlns:p14="http://schemas.microsoft.com/office/powerpoint/2010/main" xmlns:p15="http://schemas.microsoft.com/office/powerpoint/2012/main" xmlns:mc="http://schemas.openxmlformats.org/markup-compatibility/2006" type="objAndTwoObj" preserve="1">
+<p:sldLayout xmlns:a="http://schemas.openxmlformats.org/drawingml/2006/main" xmlns:r="http://schemas.openxmlformats.org/officeDocument/2006/relationships" xmlns:p="http://schemas.openxmlformats.org/presentationml/2006/main" type="objAndTwoObj" preserve="1">
   <p:cSld name="Title Content and 2 Content">
     <p:spTree>
       <p:nvGrpSpPr>
@@ -3408,11 +3718,12 @@
           </a:prstGeom>
         </p:spPr>
         <p:txBody>
-          <a:bodyPr lIns="0" rIns="0" tIns="0" bIns="0" anchor="ctr">
+          <a:bodyPr lIns="0" tIns="0" rIns="0" bIns="0" anchor="ctr">
             <a:noAutofit/>
           </a:bodyPr>
-          <a:p>
-            <a:endParaRPr b="0" lang="en-US" sz="1800" spc="-1" strike="noStrike">
+          <a:lstStyle/>
+          <a:p>
+            <a:endParaRPr lang="en-US" sz="1800" b="0" strike="noStrike" spc="-1">
               <a:solidFill>
                 <a:srgbClr val="000000"/>
               </a:solidFill>
@@ -3441,11 +3752,12 @@
           </a:prstGeom>
         </p:spPr>
         <p:txBody>
-          <a:bodyPr lIns="0" rIns="0" tIns="0" bIns="0">
+          <a:bodyPr lIns="0" tIns="0" rIns="0" bIns="0">
             <a:normAutofit/>
           </a:bodyPr>
-          <a:p>
-            <a:endParaRPr b="0" lang="en-US" sz="2800" spc="-1" strike="noStrike">
+          <a:lstStyle/>
+          <a:p>
+            <a:endParaRPr lang="en-US" sz="2800" b="0" strike="noStrike" spc="-1">
               <a:solidFill>
                 <a:srgbClr val="000000"/>
               </a:solidFill>
@@ -3474,11 +3786,12 @@
           </a:prstGeom>
         </p:spPr>
         <p:txBody>
-          <a:bodyPr lIns="0" rIns="0" tIns="0" bIns="0">
+          <a:bodyPr lIns="0" tIns="0" rIns="0" bIns="0">
             <a:normAutofit/>
           </a:bodyPr>
-          <a:p>
-            <a:endParaRPr b="0" lang="en-US" sz="2800" spc="-1" strike="noStrike">
+          <a:lstStyle/>
+          <a:p>
+            <a:endParaRPr lang="en-US" sz="2800" b="0" strike="noStrike" spc="-1">
               <a:solidFill>
                 <a:srgbClr val="000000"/>
               </a:solidFill>
@@ -3507,11 +3820,12 @@
           </a:prstGeom>
         </p:spPr>
         <p:txBody>
-          <a:bodyPr lIns="0" rIns="0" tIns="0" bIns="0">
+          <a:bodyPr lIns="0" tIns="0" rIns="0" bIns="0">
             <a:normAutofit/>
           </a:bodyPr>
-          <a:p>
-            <a:endParaRPr b="0" lang="en-US" sz="2800" spc="-1" strike="noStrike">
+          <a:lstStyle/>
+          <a:p>
+            <a:endParaRPr lang="en-US" sz="2800" b="0" strike="noStrike" spc="-1">
               <a:solidFill>
                 <a:srgbClr val="000000"/>
               </a:solidFill>
@@ -3522,11 +3836,14 @@
       </p:sp>
     </p:spTree>
   </p:cSld>
+  <p:clrMapOvr>
+    <a:masterClrMapping/>
+  </p:clrMapOvr>
 </p:sldLayout>
 </file>
 
 <file path=ppt/slideLayouts/slideLayout33.xml><?xml version="1.0" encoding="utf-8"?>
-<p:sldLayout xmlns:a="http://schemas.openxmlformats.org/drawingml/2006/main" xmlns:p="http://schemas.openxmlformats.org/presentationml/2006/main" xmlns:r="http://schemas.openxmlformats.org/officeDocument/2006/relationships" xmlns:p14="http://schemas.microsoft.com/office/powerpoint/2010/main" xmlns:p15="http://schemas.microsoft.com/office/powerpoint/2012/main" xmlns:mc="http://schemas.openxmlformats.org/markup-compatibility/2006" type="twoObjOverTx" preserve="1">
+<p:sldLayout xmlns:a="http://schemas.openxmlformats.org/drawingml/2006/main" xmlns:r="http://schemas.openxmlformats.org/officeDocument/2006/relationships" xmlns:p="http://schemas.openxmlformats.org/presentationml/2006/main" type="twoObjOverTx" preserve="1">
   <p:cSld name="Title, 2 Content over Content">
     <p:spTree>
       <p:nvGrpSpPr>
@@ -3562,11 +3879,12 @@
           </a:prstGeom>
         </p:spPr>
         <p:txBody>
-          <a:bodyPr lIns="0" rIns="0" tIns="0" bIns="0" anchor="ctr">
+          <a:bodyPr lIns="0" tIns="0" rIns="0" bIns="0" anchor="ctr">
             <a:noAutofit/>
           </a:bodyPr>
-          <a:p>
-            <a:endParaRPr b="0" lang="en-US" sz="1800" spc="-1" strike="noStrike">
+          <a:lstStyle/>
+          <a:p>
+            <a:endParaRPr lang="en-US" sz="1800" b="0" strike="noStrike" spc="-1">
               <a:solidFill>
                 <a:srgbClr val="000000"/>
               </a:solidFill>
@@ -3595,11 +3913,12 @@
           </a:prstGeom>
         </p:spPr>
         <p:txBody>
-          <a:bodyPr lIns="0" rIns="0" tIns="0" bIns="0">
+          <a:bodyPr lIns="0" tIns="0" rIns="0" bIns="0">
             <a:normAutofit/>
           </a:bodyPr>
-          <a:p>
-            <a:endParaRPr b="0" lang="en-US" sz="2800" spc="-1" strike="noStrike">
+          <a:lstStyle/>
+          <a:p>
+            <a:endParaRPr lang="en-US" sz="2800" b="0" strike="noStrike" spc="-1">
               <a:solidFill>
                 <a:srgbClr val="000000"/>
               </a:solidFill>
@@ -3628,11 +3947,12 @@
           </a:prstGeom>
         </p:spPr>
         <p:txBody>
-          <a:bodyPr lIns="0" rIns="0" tIns="0" bIns="0">
+          <a:bodyPr lIns="0" tIns="0" rIns="0" bIns="0">
             <a:normAutofit/>
           </a:bodyPr>
-          <a:p>
-            <a:endParaRPr b="0" lang="en-US" sz="2800" spc="-1" strike="noStrike">
+          <a:lstStyle/>
+          <a:p>
+            <a:endParaRPr lang="en-US" sz="2800" b="0" strike="noStrike" spc="-1">
               <a:solidFill>
                 <a:srgbClr val="000000"/>
               </a:solidFill>
@@ -3661,11 +3981,12 @@
           </a:prstGeom>
         </p:spPr>
         <p:txBody>
-          <a:bodyPr lIns="0" rIns="0" tIns="0" bIns="0">
+          <a:bodyPr lIns="0" tIns="0" rIns="0" bIns="0">
             <a:normAutofit/>
           </a:bodyPr>
-          <a:p>
-            <a:endParaRPr b="0" lang="en-US" sz="2800" spc="-1" strike="noStrike">
+          <a:lstStyle/>
+          <a:p>
+            <a:endParaRPr lang="en-US" sz="2800" b="0" strike="noStrike" spc="-1">
               <a:solidFill>
                 <a:srgbClr val="000000"/>
               </a:solidFill>
@@ -3676,11 +3997,14 @@
       </p:sp>
     </p:spTree>
   </p:cSld>
+  <p:clrMapOvr>
+    <a:masterClrMapping/>
+  </p:clrMapOvr>
 </p:sldLayout>
 </file>
 
 <file path=ppt/slideLayouts/slideLayout34.xml><?xml version="1.0" encoding="utf-8"?>
-<p:sldLayout xmlns:a="http://schemas.openxmlformats.org/drawingml/2006/main" xmlns:p="http://schemas.openxmlformats.org/presentationml/2006/main" xmlns:r="http://schemas.openxmlformats.org/officeDocument/2006/relationships" xmlns:p14="http://schemas.microsoft.com/office/powerpoint/2010/main" xmlns:p15="http://schemas.microsoft.com/office/powerpoint/2012/main" xmlns:mc="http://schemas.openxmlformats.org/markup-compatibility/2006" type="objOverTx" preserve="1">
+<p:sldLayout xmlns:a="http://schemas.openxmlformats.org/drawingml/2006/main" xmlns:r="http://schemas.openxmlformats.org/officeDocument/2006/relationships" xmlns:p="http://schemas.openxmlformats.org/presentationml/2006/main" type="objOverTx" preserve="1">
   <p:cSld name="Title, Content over Content">
     <p:spTree>
       <p:nvGrpSpPr>
@@ -3716,11 +4040,12 @@
           </a:prstGeom>
         </p:spPr>
         <p:txBody>
-          <a:bodyPr lIns="0" rIns="0" tIns="0" bIns="0" anchor="ctr">
+          <a:bodyPr lIns="0" tIns="0" rIns="0" bIns="0" anchor="ctr">
             <a:noAutofit/>
           </a:bodyPr>
-          <a:p>
-            <a:endParaRPr b="0" lang="en-US" sz="1800" spc="-1" strike="noStrike">
+          <a:lstStyle/>
+          <a:p>
+            <a:endParaRPr lang="en-US" sz="1800" b="0" strike="noStrike" spc="-1">
               <a:solidFill>
                 <a:srgbClr val="000000"/>
               </a:solidFill>
@@ -3749,11 +4074,12 @@
           </a:prstGeom>
         </p:spPr>
         <p:txBody>
-          <a:bodyPr lIns="0" rIns="0" tIns="0" bIns="0">
+          <a:bodyPr lIns="0" tIns="0" rIns="0" bIns="0">
             <a:normAutofit/>
           </a:bodyPr>
-          <a:p>
-            <a:endParaRPr b="0" lang="en-US" sz="2800" spc="-1" strike="noStrike">
+          <a:lstStyle/>
+          <a:p>
+            <a:endParaRPr lang="en-US" sz="2800" b="0" strike="noStrike" spc="-1">
               <a:solidFill>
                 <a:srgbClr val="000000"/>
               </a:solidFill>
@@ -3782,11 +4108,12 @@
           </a:prstGeom>
         </p:spPr>
         <p:txBody>
-          <a:bodyPr lIns="0" rIns="0" tIns="0" bIns="0">
+          <a:bodyPr lIns="0" tIns="0" rIns="0" bIns="0">
             <a:normAutofit/>
           </a:bodyPr>
-          <a:p>
-            <a:endParaRPr b="0" lang="en-US" sz="2800" spc="-1" strike="noStrike">
+          <a:lstStyle/>
+          <a:p>
+            <a:endParaRPr lang="en-US" sz="2800" b="0" strike="noStrike" spc="-1">
               <a:solidFill>
                 <a:srgbClr val="000000"/>
               </a:solidFill>
@@ -3797,11 +4124,14 @@
       </p:sp>
     </p:spTree>
   </p:cSld>
+  <p:clrMapOvr>
+    <a:masterClrMapping/>
+  </p:clrMapOvr>
 </p:sldLayout>
 </file>
 
 <file path=ppt/slideLayouts/slideLayout35.xml><?xml version="1.0" encoding="utf-8"?>
-<p:sldLayout xmlns:a="http://schemas.openxmlformats.org/drawingml/2006/main" xmlns:p="http://schemas.openxmlformats.org/presentationml/2006/main" xmlns:r="http://schemas.openxmlformats.org/officeDocument/2006/relationships" xmlns:p14="http://schemas.microsoft.com/office/powerpoint/2010/main" xmlns:p15="http://schemas.microsoft.com/office/powerpoint/2012/main" xmlns:mc="http://schemas.openxmlformats.org/markup-compatibility/2006" type="fourObj" preserve="1">
+<p:sldLayout xmlns:a="http://schemas.openxmlformats.org/drawingml/2006/main" xmlns:r="http://schemas.openxmlformats.org/officeDocument/2006/relationships" xmlns:p="http://schemas.openxmlformats.org/presentationml/2006/main" type="fourObj" preserve="1">
   <p:cSld name="Title, 4 Content">
     <p:spTree>
       <p:nvGrpSpPr>
@@ -3837,11 +4167,12 @@
           </a:prstGeom>
         </p:spPr>
         <p:txBody>
-          <a:bodyPr lIns="0" rIns="0" tIns="0" bIns="0" anchor="ctr">
+          <a:bodyPr lIns="0" tIns="0" rIns="0" bIns="0" anchor="ctr">
             <a:noAutofit/>
           </a:bodyPr>
-          <a:p>
-            <a:endParaRPr b="0" lang="en-US" sz="1800" spc="-1" strike="noStrike">
+          <a:lstStyle/>
+          <a:p>
+            <a:endParaRPr lang="en-US" sz="1800" b="0" strike="noStrike" spc="-1">
               <a:solidFill>
                 <a:srgbClr val="000000"/>
               </a:solidFill>
@@ -3870,11 +4201,12 @@
           </a:prstGeom>
         </p:spPr>
         <p:txBody>
-          <a:bodyPr lIns="0" rIns="0" tIns="0" bIns="0">
+          <a:bodyPr lIns="0" tIns="0" rIns="0" bIns="0">
             <a:normAutofit/>
           </a:bodyPr>
-          <a:p>
-            <a:endParaRPr b="0" lang="en-US" sz="2800" spc="-1" strike="noStrike">
+          <a:lstStyle/>
+          <a:p>
+            <a:endParaRPr lang="en-US" sz="2800" b="0" strike="noStrike" spc="-1">
               <a:solidFill>
                 <a:srgbClr val="000000"/>
               </a:solidFill>
@@ -3903,11 +4235,12 @@
           </a:prstGeom>
         </p:spPr>
         <p:txBody>
-          <a:bodyPr lIns="0" rIns="0" tIns="0" bIns="0">
+          <a:bodyPr lIns="0" tIns="0" rIns="0" bIns="0">
             <a:normAutofit/>
           </a:bodyPr>
-          <a:p>
-            <a:endParaRPr b="0" lang="en-US" sz="2800" spc="-1" strike="noStrike">
+          <a:lstStyle/>
+          <a:p>
+            <a:endParaRPr lang="en-US" sz="2800" b="0" strike="noStrike" spc="-1">
               <a:solidFill>
                 <a:srgbClr val="000000"/>
               </a:solidFill>
@@ -3936,11 +4269,12 @@
           </a:prstGeom>
         </p:spPr>
         <p:txBody>
-          <a:bodyPr lIns="0" rIns="0" tIns="0" bIns="0">
+          <a:bodyPr lIns="0" tIns="0" rIns="0" bIns="0">
             <a:normAutofit/>
           </a:bodyPr>
-          <a:p>
-            <a:endParaRPr b="0" lang="en-US" sz="2800" spc="-1" strike="noStrike">
+          <a:lstStyle/>
+          <a:p>
+            <a:endParaRPr lang="en-US" sz="2800" b="0" strike="noStrike" spc="-1">
               <a:solidFill>
                 <a:srgbClr val="000000"/>
               </a:solidFill>
@@ -3969,11 +4303,12 @@
           </a:prstGeom>
         </p:spPr>
         <p:txBody>
-          <a:bodyPr lIns="0" rIns="0" tIns="0" bIns="0">
+          <a:bodyPr lIns="0" tIns="0" rIns="0" bIns="0">
             <a:normAutofit/>
           </a:bodyPr>
-          <a:p>
-            <a:endParaRPr b="0" lang="en-US" sz="2800" spc="-1" strike="noStrike">
+          <a:lstStyle/>
+          <a:p>
+            <a:endParaRPr lang="en-US" sz="2800" b="0" strike="noStrike" spc="-1">
               <a:solidFill>
                 <a:srgbClr val="000000"/>
               </a:solidFill>
@@ -3984,11 +4319,14 @@
       </p:sp>
     </p:spTree>
   </p:cSld>
+  <p:clrMapOvr>
+    <a:masterClrMapping/>
+  </p:clrMapOvr>
 </p:sldLayout>
 </file>
 
 <file path=ppt/slideLayouts/slideLayout36.xml><?xml version="1.0" encoding="utf-8"?>
-<p:sldLayout xmlns:a="http://schemas.openxmlformats.org/drawingml/2006/main" xmlns:p="http://schemas.openxmlformats.org/presentationml/2006/main" xmlns:r="http://schemas.openxmlformats.org/officeDocument/2006/relationships" xmlns:p14="http://schemas.microsoft.com/office/powerpoint/2010/main" xmlns:p15="http://schemas.microsoft.com/office/powerpoint/2012/main" xmlns:mc="http://schemas.openxmlformats.org/markup-compatibility/2006" type="blank" preserve="1">
+<p:sldLayout xmlns:a="http://schemas.openxmlformats.org/drawingml/2006/main" xmlns:r="http://schemas.openxmlformats.org/officeDocument/2006/relationships" xmlns:p="http://schemas.openxmlformats.org/presentationml/2006/main" type="blank" preserve="1">
   <p:cSld name="Title, 6 Content">
     <p:spTree>
       <p:nvGrpSpPr>
@@ -4024,11 +4362,12 @@
           </a:prstGeom>
         </p:spPr>
         <p:txBody>
-          <a:bodyPr lIns="0" rIns="0" tIns="0" bIns="0" anchor="ctr">
+          <a:bodyPr lIns="0" tIns="0" rIns="0" bIns="0" anchor="ctr">
             <a:noAutofit/>
           </a:bodyPr>
-          <a:p>
-            <a:endParaRPr b="0" lang="en-US" sz="1800" spc="-1" strike="noStrike">
+          <a:lstStyle/>
+          <a:p>
+            <a:endParaRPr lang="en-US" sz="1800" b="0" strike="noStrike" spc="-1">
               <a:solidFill>
                 <a:srgbClr val="000000"/>
               </a:solidFill>
@@ -4057,11 +4396,12 @@
           </a:prstGeom>
         </p:spPr>
         <p:txBody>
-          <a:bodyPr lIns="0" rIns="0" tIns="0" bIns="0">
+          <a:bodyPr lIns="0" tIns="0" rIns="0" bIns="0">
             <a:normAutofit/>
           </a:bodyPr>
-          <a:p>
-            <a:endParaRPr b="0" lang="en-US" sz="2800" spc="-1" strike="noStrike">
+          <a:lstStyle/>
+          <a:p>
+            <a:endParaRPr lang="en-US" sz="2800" b="0" strike="noStrike" spc="-1">
               <a:solidFill>
                 <a:srgbClr val="000000"/>
               </a:solidFill>
@@ -4090,11 +4430,12 @@
           </a:prstGeom>
         </p:spPr>
         <p:txBody>
-          <a:bodyPr lIns="0" rIns="0" tIns="0" bIns="0">
+          <a:bodyPr lIns="0" tIns="0" rIns="0" bIns="0">
             <a:normAutofit/>
           </a:bodyPr>
-          <a:p>
-            <a:endParaRPr b="0" lang="en-US" sz="2800" spc="-1" strike="noStrike">
+          <a:lstStyle/>
+          <a:p>
+            <a:endParaRPr lang="en-US" sz="2800" b="0" strike="noStrike" spc="-1">
               <a:solidFill>
                 <a:srgbClr val="000000"/>
               </a:solidFill>
@@ -4123,11 +4464,12 @@
           </a:prstGeom>
         </p:spPr>
         <p:txBody>
-          <a:bodyPr lIns="0" rIns="0" tIns="0" bIns="0">
+          <a:bodyPr lIns="0" tIns="0" rIns="0" bIns="0">
             <a:normAutofit/>
           </a:bodyPr>
-          <a:p>
-            <a:endParaRPr b="0" lang="en-US" sz="2800" spc="-1" strike="noStrike">
+          <a:lstStyle/>
+          <a:p>
+            <a:endParaRPr lang="en-US" sz="2800" b="0" strike="noStrike" spc="-1">
               <a:solidFill>
                 <a:srgbClr val="000000"/>
               </a:solidFill>
@@ -4156,11 +4498,12 @@
           </a:prstGeom>
         </p:spPr>
         <p:txBody>
-          <a:bodyPr lIns="0" rIns="0" tIns="0" bIns="0">
+          <a:bodyPr lIns="0" tIns="0" rIns="0" bIns="0">
             <a:normAutofit/>
           </a:bodyPr>
-          <a:p>
-            <a:endParaRPr b="0" lang="en-US" sz="2800" spc="-1" strike="noStrike">
+          <a:lstStyle/>
+          <a:p>
+            <a:endParaRPr lang="en-US" sz="2800" b="0" strike="noStrike" spc="-1">
               <a:solidFill>
                 <a:srgbClr val="000000"/>
               </a:solidFill>
@@ -4189,11 +4532,12 @@
           </a:prstGeom>
         </p:spPr>
         <p:txBody>
-          <a:bodyPr lIns="0" rIns="0" tIns="0" bIns="0">
+          <a:bodyPr lIns="0" tIns="0" rIns="0" bIns="0">
             <a:normAutofit/>
           </a:bodyPr>
-          <a:p>
-            <a:endParaRPr b="0" lang="en-US" sz="2800" spc="-1" strike="noStrike">
+          <a:lstStyle/>
+          <a:p>
+            <a:endParaRPr lang="en-US" sz="2800" b="0" strike="noStrike" spc="-1">
               <a:solidFill>
                 <a:srgbClr val="000000"/>
               </a:solidFill>
@@ -4222,11 +4566,12 @@
           </a:prstGeom>
         </p:spPr>
         <p:txBody>
-          <a:bodyPr lIns="0" rIns="0" tIns="0" bIns="0">
+          <a:bodyPr lIns="0" tIns="0" rIns="0" bIns="0">
             <a:normAutofit/>
           </a:bodyPr>
-          <a:p>
-            <a:endParaRPr b="0" lang="en-US" sz="2800" spc="-1" strike="noStrike">
+          <a:lstStyle/>
+          <a:p>
+            <a:endParaRPr lang="en-US" sz="2800" b="0" strike="noStrike" spc="-1">
               <a:solidFill>
                 <a:srgbClr val="000000"/>
               </a:solidFill>
@@ -4237,11 +4582,14 @@
       </p:sp>
     </p:spTree>
   </p:cSld>
+  <p:clrMapOvr>
+    <a:masterClrMapping/>
+  </p:clrMapOvr>
 </p:sldLayout>
 </file>
 
 <file path=ppt/slideLayouts/slideLayout4.xml><?xml version="1.0" encoding="utf-8"?>
-<p:sldLayout xmlns:a="http://schemas.openxmlformats.org/drawingml/2006/main" xmlns:p="http://schemas.openxmlformats.org/presentationml/2006/main" xmlns:r="http://schemas.openxmlformats.org/officeDocument/2006/relationships" xmlns:p14="http://schemas.microsoft.com/office/powerpoint/2010/main" xmlns:p15="http://schemas.microsoft.com/office/powerpoint/2012/main" xmlns:mc="http://schemas.openxmlformats.org/markup-compatibility/2006" type="twoObj" preserve="1">
+<p:sldLayout xmlns:a="http://schemas.openxmlformats.org/drawingml/2006/main" xmlns:r="http://schemas.openxmlformats.org/officeDocument/2006/relationships" xmlns:p="http://schemas.openxmlformats.org/presentationml/2006/main" type="twoObj" preserve="1">
   <p:cSld name="Title, 2 Content">
     <p:spTree>
       <p:nvGrpSpPr>
@@ -4277,11 +4625,12 @@
           </a:prstGeom>
         </p:spPr>
         <p:txBody>
-          <a:bodyPr lIns="0" rIns="0" tIns="0" bIns="0" anchor="ctr">
+          <a:bodyPr lIns="0" tIns="0" rIns="0" bIns="0" anchor="ctr">
             <a:noAutofit/>
           </a:bodyPr>
-          <a:p>
-            <a:endParaRPr b="0" lang="en-US" sz="1800" spc="-1" strike="noStrike">
+          <a:lstStyle/>
+          <a:p>
+            <a:endParaRPr lang="en-US" sz="1800" b="0" strike="noStrike" spc="-1">
               <a:solidFill>
                 <a:srgbClr val="000000"/>
               </a:solidFill>
@@ -4310,11 +4659,12 @@
           </a:prstGeom>
         </p:spPr>
         <p:txBody>
-          <a:bodyPr lIns="0" rIns="0" tIns="0" bIns="0">
+          <a:bodyPr lIns="0" tIns="0" rIns="0" bIns="0">
             <a:normAutofit/>
           </a:bodyPr>
-          <a:p>
-            <a:endParaRPr b="0" lang="en-US" sz="2800" spc="-1" strike="noStrike">
+          <a:lstStyle/>
+          <a:p>
+            <a:endParaRPr lang="en-US" sz="2800" b="0" strike="noStrike" spc="-1">
               <a:solidFill>
                 <a:srgbClr val="000000"/>
               </a:solidFill>
@@ -4343,11 +4693,12 @@
           </a:prstGeom>
         </p:spPr>
         <p:txBody>
-          <a:bodyPr lIns="0" rIns="0" tIns="0" bIns="0">
+          <a:bodyPr lIns="0" tIns="0" rIns="0" bIns="0">
             <a:normAutofit/>
           </a:bodyPr>
-          <a:p>
-            <a:endParaRPr b="0" lang="en-US" sz="2800" spc="-1" strike="noStrike">
+          <a:lstStyle/>
+          <a:p>
+            <a:endParaRPr lang="en-US" sz="2800" b="0" strike="noStrike" spc="-1">
               <a:solidFill>
                 <a:srgbClr val="000000"/>
               </a:solidFill>
@@ -4358,11 +4709,14 @@
       </p:sp>
     </p:spTree>
   </p:cSld>
+  <p:clrMapOvr>
+    <a:masterClrMapping/>
+  </p:clrMapOvr>
 </p:sldLayout>
 </file>
 
 <file path=ppt/slideLayouts/slideLayout5.xml><?xml version="1.0" encoding="utf-8"?>
-<p:sldLayout xmlns:a="http://schemas.openxmlformats.org/drawingml/2006/main" xmlns:p="http://schemas.openxmlformats.org/presentationml/2006/main" xmlns:r="http://schemas.openxmlformats.org/officeDocument/2006/relationships" xmlns:p14="http://schemas.microsoft.com/office/powerpoint/2010/main" xmlns:p15="http://schemas.microsoft.com/office/powerpoint/2012/main" xmlns:mc="http://schemas.openxmlformats.org/markup-compatibility/2006" type="titleOnly" preserve="1">
+<p:sldLayout xmlns:a="http://schemas.openxmlformats.org/drawingml/2006/main" xmlns:r="http://schemas.openxmlformats.org/officeDocument/2006/relationships" xmlns:p="http://schemas.openxmlformats.org/presentationml/2006/main" type="titleOnly" preserve="1">
   <p:cSld name="Title Only">
     <p:spTree>
       <p:nvGrpSpPr>
@@ -4398,11 +4752,12 @@
           </a:prstGeom>
         </p:spPr>
         <p:txBody>
-          <a:bodyPr lIns="0" rIns="0" tIns="0" bIns="0" anchor="ctr">
+          <a:bodyPr lIns="0" tIns="0" rIns="0" bIns="0" anchor="ctr">
             <a:noAutofit/>
           </a:bodyPr>
-          <a:p>
-            <a:endParaRPr b="0" lang="en-US" sz="1800" spc="-1" strike="noStrike">
+          <a:lstStyle/>
+          <a:p>
+            <a:endParaRPr lang="en-US" sz="1800" b="0" strike="noStrike" spc="-1">
               <a:solidFill>
                 <a:srgbClr val="000000"/>
               </a:solidFill>
@@ -4413,11 +4768,14 @@
       </p:sp>
     </p:spTree>
   </p:cSld>
+  <p:clrMapOvr>
+    <a:masterClrMapping/>
+  </p:clrMapOvr>
 </p:sldLayout>
 </file>
 
 <file path=ppt/slideLayouts/slideLayout6.xml><?xml version="1.0" encoding="utf-8"?>
-<p:sldLayout xmlns:a="http://schemas.openxmlformats.org/drawingml/2006/main" xmlns:p="http://schemas.openxmlformats.org/presentationml/2006/main" xmlns:r="http://schemas.openxmlformats.org/officeDocument/2006/relationships" xmlns:p14="http://schemas.microsoft.com/office/powerpoint/2010/main" xmlns:p15="http://schemas.microsoft.com/office/powerpoint/2012/main" xmlns:mc="http://schemas.openxmlformats.org/markup-compatibility/2006" type="objOnly" preserve="1">
+<p:sldLayout xmlns:a="http://schemas.openxmlformats.org/drawingml/2006/main" xmlns:r="http://schemas.openxmlformats.org/officeDocument/2006/relationships" xmlns:p="http://schemas.openxmlformats.org/presentationml/2006/main" type="objOnly" preserve="1">
   <p:cSld name="Centered Text">
     <p:spTree>
       <p:nvGrpSpPr>
@@ -4453,12 +4811,13 @@
           </a:prstGeom>
         </p:spPr>
         <p:txBody>
-          <a:bodyPr lIns="0" rIns="0" tIns="0" bIns="0" anchor="ctr">
+          <a:bodyPr lIns="0" tIns="0" rIns="0" bIns="0" anchor="ctr">
             <a:noAutofit/>
           </a:bodyPr>
+          <a:lstStyle/>
           <a:p>
             <a:pPr algn="ctr"/>
-            <a:endParaRPr b="0" lang="de-AT" sz="3200" spc="-1" strike="noStrike">
+            <a:endParaRPr lang="de-AT" sz="3200" b="0" strike="noStrike" spc="-1">
               <a:latin typeface="Arial"/>
             </a:endParaRPr>
           </a:p>
@@ -4466,11 +4825,14 @@
       </p:sp>
     </p:spTree>
   </p:cSld>
+  <p:clrMapOvr>
+    <a:masterClrMapping/>
+  </p:clrMapOvr>
 </p:sldLayout>
 </file>
 
 <file path=ppt/slideLayouts/slideLayout7.xml><?xml version="1.0" encoding="utf-8"?>
-<p:sldLayout xmlns:a="http://schemas.openxmlformats.org/drawingml/2006/main" xmlns:p="http://schemas.openxmlformats.org/presentationml/2006/main" xmlns:r="http://schemas.openxmlformats.org/officeDocument/2006/relationships" xmlns:p14="http://schemas.microsoft.com/office/powerpoint/2010/main" xmlns:p15="http://schemas.microsoft.com/office/powerpoint/2012/main" xmlns:mc="http://schemas.openxmlformats.org/markup-compatibility/2006" type="twoObjAndObj" preserve="1">
+<p:sldLayout xmlns:a="http://schemas.openxmlformats.org/drawingml/2006/main" xmlns:r="http://schemas.openxmlformats.org/officeDocument/2006/relationships" xmlns:p="http://schemas.openxmlformats.org/presentationml/2006/main" type="twoObjAndObj" preserve="1">
   <p:cSld name="Title, 2 Content and Content">
     <p:spTree>
       <p:nvGrpSpPr>
@@ -4506,11 +4868,12 @@
           </a:prstGeom>
         </p:spPr>
         <p:txBody>
-          <a:bodyPr lIns="0" rIns="0" tIns="0" bIns="0" anchor="ctr">
+          <a:bodyPr lIns="0" tIns="0" rIns="0" bIns="0" anchor="ctr">
             <a:noAutofit/>
           </a:bodyPr>
-          <a:p>
-            <a:endParaRPr b="0" lang="en-US" sz="1800" spc="-1" strike="noStrike">
+          <a:lstStyle/>
+          <a:p>
+            <a:endParaRPr lang="en-US" sz="1800" b="0" strike="noStrike" spc="-1">
               <a:solidFill>
                 <a:srgbClr val="000000"/>
               </a:solidFill>
@@ -4539,11 +4902,12 @@
           </a:prstGeom>
         </p:spPr>
         <p:txBody>
-          <a:bodyPr lIns="0" rIns="0" tIns="0" bIns="0">
+          <a:bodyPr lIns="0" tIns="0" rIns="0" bIns="0">
             <a:normAutofit/>
           </a:bodyPr>
-          <a:p>
-            <a:endParaRPr b="0" lang="en-US" sz="2800" spc="-1" strike="noStrike">
+          <a:lstStyle/>
+          <a:p>
+            <a:endParaRPr lang="en-US" sz="2800" b="0" strike="noStrike" spc="-1">
               <a:solidFill>
                 <a:srgbClr val="000000"/>
               </a:solidFill>
@@ -4572,11 +4936,12 @@
           </a:prstGeom>
         </p:spPr>
         <p:txBody>
-          <a:bodyPr lIns="0" rIns="0" tIns="0" bIns="0">
+          <a:bodyPr lIns="0" tIns="0" rIns="0" bIns="0">
             <a:normAutofit/>
           </a:bodyPr>
-          <a:p>
-            <a:endParaRPr b="0" lang="en-US" sz="2800" spc="-1" strike="noStrike">
+          <a:lstStyle/>
+          <a:p>
+            <a:endParaRPr lang="en-US" sz="2800" b="0" strike="noStrike" spc="-1">
               <a:solidFill>
                 <a:srgbClr val="000000"/>
               </a:solidFill>
@@ -4605,11 +4970,12 @@
           </a:prstGeom>
         </p:spPr>
         <p:txBody>
-          <a:bodyPr lIns="0" rIns="0" tIns="0" bIns="0">
+          <a:bodyPr lIns="0" tIns="0" rIns="0" bIns="0">
             <a:normAutofit/>
           </a:bodyPr>
-          <a:p>
-            <a:endParaRPr b="0" lang="en-US" sz="2800" spc="-1" strike="noStrike">
+          <a:lstStyle/>
+          <a:p>
+            <a:endParaRPr lang="en-US" sz="2800" b="0" strike="noStrike" spc="-1">
               <a:solidFill>
                 <a:srgbClr val="000000"/>
               </a:solidFill>
@@ -4620,11 +4986,14 @@
       </p:sp>
     </p:spTree>
   </p:cSld>
+  <p:clrMapOvr>
+    <a:masterClrMapping/>
+  </p:clrMapOvr>
 </p:sldLayout>
 </file>
 
 <file path=ppt/slideLayouts/slideLayout8.xml><?xml version="1.0" encoding="utf-8"?>
-<p:sldLayout xmlns:a="http://schemas.openxmlformats.org/drawingml/2006/main" xmlns:p="http://schemas.openxmlformats.org/presentationml/2006/main" xmlns:r="http://schemas.openxmlformats.org/officeDocument/2006/relationships" xmlns:p14="http://schemas.microsoft.com/office/powerpoint/2010/main" xmlns:p15="http://schemas.microsoft.com/office/powerpoint/2012/main" xmlns:mc="http://schemas.openxmlformats.org/markup-compatibility/2006" type="objAndTwoObj" preserve="1">
+<p:sldLayout xmlns:a="http://schemas.openxmlformats.org/drawingml/2006/main" xmlns:r="http://schemas.openxmlformats.org/officeDocument/2006/relationships" xmlns:p="http://schemas.openxmlformats.org/presentationml/2006/main" type="objAndTwoObj" preserve="1">
   <p:cSld name="Title Content and 2 Content">
     <p:spTree>
       <p:nvGrpSpPr>
@@ -4660,11 +5029,12 @@
           </a:prstGeom>
         </p:spPr>
         <p:txBody>
-          <a:bodyPr lIns="0" rIns="0" tIns="0" bIns="0" anchor="ctr">
+          <a:bodyPr lIns="0" tIns="0" rIns="0" bIns="0" anchor="ctr">
             <a:noAutofit/>
           </a:bodyPr>
-          <a:p>
-            <a:endParaRPr b="0" lang="en-US" sz="1800" spc="-1" strike="noStrike">
+          <a:lstStyle/>
+          <a:p>
+            <a:endParaRPr lang="en-US" sz="1800" b="0" strike="noStrike" spc="-1">
               <a:solidFill>
                 <a:srgbClr val="000000"/>
               </a:solidFill>
@@ -4693,11 +5063,12 @@
           </a:prstGeom>
         </p:spPr>
         <p:txBody>
-          <a:bodyPr lIns="0" rIns="0" tIns="0" bIns="0">
+          <a:bodyPr lIns="0" tIns="0" rIns="0" bIns="0">
             <a:normAutofit/>
           </a:bodyPr>
-          <a:p>
-            <a:endParaRPr b="0" lang="en-US" sz="2800" spc="-1" strike="noStrike">
+          <a:lstStyle/>
+          <a:p>
+            <a:endParaRPr lang="en-US" sz="2800" b="0" strike="noStrike" spc="-1">
               <a:solidFill>
                 <a:srgbClr val="000000"/>
               </a:solidFill>
@@ -4726,11 +5097,12 @@
           </a:prstGeom>
         </p:spPr>
         <p:txBody>
-          <a:bodyPr lIns="0" rIns="0" tIns="0" bIns="0">
+          <a:bodyPr lIns="0" tIns="0" rIns="0" bIns="0">
             <a:normAutofit/>
           </a:bodyPr>
-          <a:p>
-            <a:endParaRPr b="0" lang="en-US" sz="2800" spc="-1" strike="noStrike">
+          <a:lstStyle/>
+          <a:p>
+            <a:endParaRPr lang="en-US" sz="2800" b="0" strike="noStrike" spc="-1">
               <a:solidFill>
                 <a:srgbClr val="000000"/>
               </a:solidFill>
@@ -4759,11 +5131,12 @@
           </a:prstGeom>
         </p:spPr>
         <p:txBody>
-          <a:bodyPr lIns="0" rIns="0" tIns="0" bIns="0">
+          <a:bodyPr lIns="0" tIns="0" rIns="0" bIns="0">
             <a:normAutofit/>
           </a:bodyPr>
-          <a:p>
-            <a:endParaRPr b="0" lang="en-US" sz="2800" spc="-1" strike="noStrike">
+          <a:lstStyle/>
+          <a:p>
+            <a:endParaRPr lang="en-US" sz="2800" b="0" strike="noStrike" spc="-1">
               <a:solidFill>
                 <a:srgbClr val="000000"/>
               </a:solidFill>
@@ -4774,11 +5147,14 @@
       </p:sp>
     </p:spTree>
   </p:cSld>
+  <p:clrMapOvr>
+    <a:masterClrMapping/>
+  </p:clrMapOvr>
 </p:sldLayout>
 </file>
 
 <file path=ppt/slideLayouts/slideLayout9.xml><?xml version="1.0" encoding="utf-8"?>
-<p:sldLayout xmlns:a="http://schemas.openxmlformats.org/drawingml/2006/main" xmlns:p="http://schemas.openxmlformats.org/presentationml/2006/main" xmlns:r="http://schemas.openxmlformats.org/officeDocument/2006/relationships" xmlns:p14="http://schemas.microsoft.com/office/powerpoint/2010/main" xmlns:p15="http://schemas.microsoft.com/office/powerpoint/2012/main" xmlns:mc="http://schemas.openxmlformats.org/markup-compatibility/2006" type="twoObjOverTx" preserve="1">
+<p:sldLayout xmlns:a="http://schemas.openxmlformats.org/drawingml/2006/main" xmlns:r="http://schemas.openxmlformats.org/officeDocument/2006/relationships" xmlns:p="http://schemas.openxmlformats.org/presentationml/2006/main" type="twoObjOverTx" preserve="1">
   <p:cSld name="Title, 2 Content over Content">
     <p:spTree>
       <p:nvGrpSpPr>
@@ -4814,11 +5190,12 @@
           </a:prstGeom>
         </p:spPr>
         <p:txBody>
-          <a:bodyPr lIns="0" rIns="0" tIns="0" bIns="0" anchor="ctr">
+          <a:bodyPr lIns="0" tIns="0" rIns="0" bIns="0" anchor="ctr">
             <a:noAutofit/>
           </a:bodyPr>
-          <a:p>
-            <a:endParaRPr b="0" lang="en-US" sz="1800" spc="-1" strike="noStrike">
+          <a:lstStyle/>
+          <a:p>
+            <a:endParaRPr lang="en-US" sz="1800" b="0" strike="noStrike" spc="-1">
               <a:solidFill>
                 <a:srgbClr val="000000"/>
               </a:solidFill>
@@ -4847,11 +5224,12 @@
           </a:prstGeom>
         </p:spPr>
         <p:txBody>
-          <a:bodyPr lIns="0" rIns="0" tIns="0" bIns="0">
+          <a:bodyPr lIns="0" tIns="0" rIns="0" bIns="0">
             <a:normAutofit/>
           </a:bodyPr>
-          <a:p>
-            <a:endParaRPr b="0" lang="en-US" sz="2800" spc="-1" strike="noStrike">
+          <a:lstStyle/>
+          <a:p>
+            <a:endParaRPr lang="en-US" sz="2800" b="0" strike="noStrike" spc="-1">
               <a:solidFill>
                 <a:srgbClr val="000000"/>
               </a:solidFill>
@@ -4880,11 +5258,12 @@
           </a:prstGeom>
         </p:spPr>
         <p:txBody>
-          <a:bodyPr lIns="0" rIns="0" tIns="0" bIns="0">
+          <a:bodyPr lIns="0" tIns="0" rIns="0" bIns="0">
             <a:normAutofit/>
           </a:bodyPr>
-          <a:p>
-            <a:endParaRPr b="0" lang="en-US" sz="2800" spc="-1" strike="noStrike">
+          <a:lstStyle/>
+          <a:p>
+            <a:endParaRPr lang="en-US" sz="2800" b="0" strike="noStrike" spc="-1">
               <a:solidFill>
                 <a:srgbClr val="000000"/>
               </a:solidFill>
@@ -4913,11 +5292,12 @@
           </a:prstGeom>
         </p:spPr>
         <p:txBody>
-          <a:bodyPr lIns="0" rIns="0" tIns="0" bIns="0">
+          <a:bodyPr lIns="0" tIns="0" rIns="0" bIns="0">
             <a:normAutofit/>
           </a:bodyPr>
-          <a:p>
-            <a:endParaRPr b="0" lang="en-US" sz="2800" spc="-1" strike="noStrike">
+          <a:lstStyle/>
+          <a:p>
+            <a:endParaRPr lang="en-US" sz="2800" b="0" strike="noStrike" spc="-1">
               <a:solidFill>
                 <a:srgbClr val="000000"/>
               </a:solidFill>
@@ -4928,17 +5308,21 @@
       </p:sp>
     </p:spTree>
   </p:cSld>
+  <p:clrMapOvr>
+    <a:masterClrMapping/>
+  </p:clrMapOvr>
 </p:sldLayout>
 </file>
 
 <file path=ppt/slideMasters/slideMaster1.xml><?xml version="1.0" encoding="utf-8"?>
-<p:sldMaster xmlns:a="http://schemas.openxmlformats.org/drawingml/2006/main" xmlns:p="http://schemas.openxmlformats.org/presentationml/2006/main" xmlns:r="http://schemas.openxmlformats.org/officeDocument/2006/relationships" xmlns:p14="http://schemas.microsoft.com/office/powerpoint/2010/main" xmlns:p15="http://schemas.microsoft.com/office/powerpoint/2012/main" xmlns:mc="http://schemas.openxmlformats.org/markup-compatibility/2006">
+<p:sldMaster xmlns:a="http://schemas.openxmlformats.org/drawingml/2006/main" xmlns:r="http://schemas.openxmlformats.org/officeDocument/2006/relationships" xmlns:p="http://schemas.openxmlformats.org/presentationml/2006/main">
   <p:cSld>
     <p:bg>
       <p:bgPr>
         <a:solidFill>
-          <a:srgbClr val="ffffff"/>
+          <a:srgbClr val="FFFFFF"/>
         </a:solidFill>
+        <a:effectLst/>
       </p:bgPr>
     </p:bg>
     <p:spTree>
@@ -4957,7 +5341,7 @@
       </p:grpSpPr>
       <p:sp>
         <p:nvSpPr>
-          <p:cNvPr id="0" name="PlaceHolder 1"/>
+          <p:cNvPr id="2" name="PlaceHolder 1"/>
           <p:cNvSpPr>
             <a:spLocks noGrp="1"/>
           </p:cNvSpPr>
@@ -4975,12 +5359,13 @@
           </a:prstGeom>
         </p:spPr>
         <p:txBody>
-          <a:bodyPr lIns="0" rIns="0" tIns="0" bIns="0" anchor="ctr">
+          <a:bodyPr lIns="0" tIns="0" rIns="0" bIns="0" anchor="ctr">
             <a:noAutofit/>
           </a:bodyPr>
-          <a:p>
-            <a:r>
-              <a:rPr b="0" lang="en-US" sz="4400" spc="-1" strike="noStrike">
+          <a:lstStyle/>
+          <a:p>
+            <a:r>
+              <a:rPr lang="en-US" sz="4400" b="0" strike="noStrike" spc="-1">
                 <a:solidFill>
                   <a:srgbClr val="000000"/>
                 </a:solidFill>
@@ -4988,18 +5373,12 @@
               </a:rPr>
               <a:t>Click to edit the title text format</a:t>
             </a:r>
-            <a:endParaRPr b="0" lang="en-US" sz="4400" spc="-1" strike="noStrike">
-              <a:solidFill>
-                <a:srgbClr val="000000"/>
-              </a:solidFill>
-              <a:latin typeface="Arial"/>
-            </a:endParaRPr>
-          </a:p>
-        </p:txBody>
-      </p:sp>
-      <p:sp>
-        <p:nvSpPr>
-          <p:cNvPr id="1" name="PlaceHolder 2"/>
+          </a:p>
+        </p:txBody>
+      </p:sp>
+      <p:sp>
+        <p:nvSpPr>
+          <p:cNvPr id="3" name="PlaceHolder 2"/>
           <p:cNvSpPr>
             <a:spLocks noGrp="1"/>
           </p:cNvSpPr>
@@ -5017,9 +5396,10 @@
           </a:prstGeom>
         </p:spPr>
         <p:txBody>
-          <a:bodyPr lIns="0" rIns="0" tIns="0" bIns="0">
+          <a:bodyPr lIns="0" tIns="0" rIns="0" bIns="0">
             <a:normAutofit/>
           </a:bodyPr>
+          <a:lstStyle/>
           <a:p>
             <a:pPr marL="432000" indent="-324000">
               <a:spcBef>
@@ -5033,7 +5413,7 @@
               <a:buChar char=""/>
             </a:pPr>
             <a:r>
-              <a:rPr b="0" lang="en-US" sz="2800" spc="-1" strike="noStrike">
+              <a:rPr lang="en-US" sz="2800" b="0" strike="noStrike" spc="-1">
                 <a:solidFill>
                   <a:srgbClr val="000000"/>
                 </a:solidFill>
@@ -5041,15 +5421,9 @@
               </a:rPr>
               <a:t>Click to edit the outline text format</a:t>
             </a:r>
-            <a:endParaRPr b="0" lang="en-US" sz="2800" spc="-1" strike="noStrike">
-              <a:solidFill>
-                <a:srgbClr val="000000"/>
-              </a:solidFill>
-              <a:latin typeface="Arial"/>
-            </a:endParaRPr>
-          </a:p>
-          <a:p>
-            <a:pPr lvl="1" marL="864000" indent="-324000">
+          </a:p>
+          <a:p>
+            <a:pPr marL="864000" lvl="1" indent="-324000">
               <a:spcBef>
                 <a:spcPts val="1134"/>
               </a:spcBef>
@@ -5061,7 +5435,7 @@
               <a:buChar char=""/>
             </a:pPr>
             <a:r>
-              <a:rPr b="0" lang="en-US" sz="2000" spc="-1" strike="noStrike">
+              <a:rPr lang="en-US" sz="2000" b="0" strike="noStrike" spc="-1">
                 <a:solidFill>
                   <a:srgbClr val="000000"/>
                 </a:solidFill>
@@ -5069,15 +5443,9 @@
               </a:rPr>
               <a:t>Second Outline Level</a:t>
             </a:r>
-            <a:endParaRPr b="0" lang="en-US" sz="2000" spc="-1" strike="noStrike">
-              <a:solidFill>
-                <a:srgbClr val="000000"/>
-              </a:solidFill>
-              <a:latin typeface="Arial"/>
-            </a:endParaRPr>
-          </a:p>
-          <a:p>
-            <a:pPr lvl="2" marL="1296000" indent="-288000">
+          </a:p>
+          <a:p>
+            <a:pPr marL="1296000" lvl="2" indent="-288000">
               <a:spcBef>
                 <a:spcPts val="850"/>
               </a:spcBef>
@@ -5089,7 +5457,7 @@
               <a:buChar char=""/>
             </a:pPr>
             <a:r>
-              <a:rPr b="0" lang="en-US" sz="1800" spc="-1" strike="noStrike">
+              <a:rPr lang="en-US" sz="1800" b="0" strike="noStrike" spc="-1">
                 <a:solidFill>
                   <a:srgbClr val="000000"/>
                 </a:solidFill>
@@ -5097,15 +5465,9 @@
               </a:rPr>
               <a:t>Third Outline Level</a:t>
             </a:r>
-            <a:endParaRPr b="0" lang="en-US" sz="1800" spc="-1" strike="noStrike">
-              <a:solidFill>
-                <a:srgbClr val="000000"/>
-              </a:solidFill>
-              <a:latin typeface="Arial"/>
-            </a:endParaRPr>
-          </a:p>
-          <a:p>
-            <a:pPr lvl="3" marL="1728000" indent="-216000">
+          </a:p>
+          <a:p>
+            <a:pPr marL="1728000" lvl="3" indent="-216000">
               <a:spcBef>
                 <a:spcPts val="567"/>
               </a:spcBef>
@@ -5117,7 +5479,7 @@
               <a:buChar char=""/>
             </a:pPr>
             <a:r>
-              <a:rPr b="0" lang="en-US" sz="1800" spc="-1" strike="noStrike">
+              <a:rPr lang="en-US" sz="1800" b="0" strike="noStrike" spc="-1">
                 <a:solidFill>
                   <a:srgbClr val="000000"/>
                 </a:solidFill>
@@ -5125,15 +5487,9 @@
               </a:rPr>
               <a:t>Fourth Outline Level</a:t>
             </a:r>
-            <a:endParaRPr b="0" lang="en-US" sz="1800" spc="-1" strike="noStrike">
-              <a:solidFill>
-                <a:srgbClr val="000000"/>
-              </a:solidFill>
-              <a:latin typeface="Arial"/>
-            </a:endParaRPr>
-          </a:p>
-          <a:p>
-            <a:pPr lvl="4" marL="2160000" indent="-216000">
+          </a:p>
+          <a:p>
+            <a:pPr marL="2160000" lvl="4" indent="-216000">
               <a:spcBef>
                 <a:spcPts val="283"/>
               </a:spcBef>
@@ -5145,7 +5501,7 @@
               <a:buChar char=""/>
             </a:pPr>
             <a:r>
-              <a:rPr b="0" lang="en-US" sz="2000" spc="-1" strike="noStrike">
+              <a:rPr lang="en-US" sz="2000" b="0" strike="noStrike" spc="-1">
                 <a:solidFill>
                   <a:srgbClr val="000000"/>
                 </a:solidFill>
@@ -5153,15 +5509,9 @@
               </a:rPr>
               <a:t>Fifth Outline Level</a:t>
             </a:r>
-            <a:endParaRPr b="0" lang="en-US" sz="2000" spc="-1" strike="noStrike">
-              <a:solidFill>
-                <a:srgbClr val="000000"/>
-              </a:solidFill>
-              <a:latin typeface="Arial"/>
-            </a:endParaRPr>
-          </a:p>
-          <a:p>
-            <a:pPr lvl="5" marL="2592000" indent="-216000">
+          </a:p>
+          <a:p>
+            <a:pPr marL="2592000" lvl="5" indent="-216000">
               <a:spcBef>
                 <a:spcPts val="283"/>
               </a:spcBef>
@@ -5173,7 +5523,7 @@
               <a:buChar char=""/>
             </a:pPr>
             <a:r>
-              <a:rPr b="0" lang="en-US" sz="2000" spc="-1" strike="noStrike">
+              <a:rPr lang="en-US" sz="2000" b="0" strike="noStrike" spc="-1">
                 <a:solidFill>
                   <a:srgbClr val="000000"/>
                 </a:solidFill>
@@ -5181,15 +5531,9 @@
               </a:rPr>
               <a:t>Sixth Outline Level</a:t>
             </a:r>
-            <a:endParaRPr b="0" lang="en-US" sz="2000" spc="-1" strike="noStrike">
-              <a:solidFill>
-                <a:srgbClr val="000000"/>
-              </a:solidFill>
-              <a:latin typeface="Arial"/>
-            </a:endParaRPr>
-          </a:p>
-          <a:p>
-            <a:pPr lvl="6" marL="3024000" indent="-216000">
+          </a:p>
+          <a:p>
+            <a:pPr marL="3024000" lvl="6" indent="-216000">
               <a:spcBef>
                 <a:spcPts val="283"/>
               </a:spcBef>
@@ -5201,7 +5545,7 @@
               <a:buChar char=""/>
             </a:pPr>
             <a:r>
-              <a:rPr b="0" lang="en-US" sz="2000" spc="-1" strike="noStrike">
+              <a:rPr lang="en-US" sz="2000" b="0" strike="noStrike" spc="-1">
                 <a:solidFill>
                   <a:srgbClr val="000000"/>
                 </a:solidFill>
@@ -5209,43 +5553,318 @@
               </a:rPr>
               <a:t>Seventh Outline Level</a:t>
             </a:r>
-            <a:endParaRPr b="0" lang="en-US" sz="2000" spc="-1" strike="noStrike">
-              <a:solidFill>
-                <a:srgbClr val="000000"/>
-              </a:solidFill>
-              <a:latin typeface="Arial"/>
-            </a:endParaRPr>
           </a:p>
         </p:txBody>
       </p:sp>
     </p:spTree>
   </p:cSld>
-  <p:clrMap bg1="lt1" bg2="lt2" tx1="dk1" tx2="dk2" accent1="accent1" accent2="accent2" accent3="accent3" accent4="accent4" accent5="accent5" accent6="accent6" hlink="hlink" folHlink="folHlink"/>
+  <p:clrMap bg1="lt1" tx1="dk1" bg2="lt2" tx2="dk2" accent1="accent1" accent2="accent2" accent3="accent3" accent4="accent4" accent5="accent5" accent6="accent6" hlink="hlink" folHlink="folHlink"/>
   <p:sldLayoutIdLst>
-    <p:sldLayoutId id="2147483649" r:id="rId2"/>
-    <p:sldLayoutId id="2147483650" r:id="rId3"/>
-    <p:sldLayoutId id="2147483651" r:id="rId4"/>
-    <p:sldLayoutId id="2147483652" r:id="rId5"/>
-    <p:sldLayoutId id="2147483653" r:id="rId6"/>
-    <p:sldLayoutId id="2147483654" r:id="rId7"/>
-    <p:sldLayoutId id="2147483655" r:id="rId8"/>
-    <p:sldLayoutId id="2147483656" r:id="rId9"/>
-    <p:sldLayoutId id="2147483657" r:id="rId10"/>
-    <p:sldLayoutId id="2147483658" r:id="rId11"/>
-    <p:sldLayoutId id="2147483659" r:id="rId12"/>
-    <p:sldLayoutId id="2147483660" r:id="rId13"/>
+    <p:sldLayoutId id="2147483649" r:id="rId1"/>
+    <p:sldLayoutId id="2147483650" r:id="rId2"/>
+    <p:sldLayoutId id="2147483651" r:id="rId3"/>
+    <p:sldLayoutId id="2147483652" r:id="rId4"/>
+    <p:sldLayoutId id="2147483653" r:id="rId5"/>
+    <p:sldLayoutId id="2147483654" r:id="rId6"/>
+    <p:sldLayoutId id="2147483655" r:id="rId7"/>
+    <p:sldLayoutId id="2147483656" r:id="rId8"/>
+    <p:sldLayoutId id="2147483657" r:id="rId9"/>
+    <p:sldLayoutId id="2147483658" r:id="rId10"/>
+    <p:sldLayoutId id="2147483659" r:id="rId11"/>
+    <p:sldLayoutId id="2147483660" r:id="rId12"/>
   </p:sldLayoutIdLst>
+  <p:txStyles>
+    <p:titleStyle>
+      <a:lvl1pPr algn="l" defTabSz="914400" rtl="0" eaLnBrk="1" latinLnBrk="0" hangingPunct="1">
+        <a:lnSpc>
+          <a:spcPct val="90000"/>
+        </a:lnSpc>
+        <a:spcBef>
+          <a:spcPct val="0"/>
+        </a:spcBef>
+        <a:buNone/>
+        <a:defRPr sz="4400" kern="1200">
+          <a:solidFill>
+            <a:schemeClr val="tx1"/>
+          </a:solidFill>
+          <a:latin typeface="+mj-lt"/>
+          <a:ea typeface="+mj-ea"/>
+          <a:cs typeface="+mj-cs"/>
+        </a:defRPr>
+      </a:lvl1pPr>
+    </p:titleStyle>
+    <p:bodyStyle>
+      <a:lvl1pPr marL="228600" indent="-228600" algn="l" defTabSz="914400" rtl="0" eaLnBrk="1" latinLnBrk="0" hangingPunct="1">
+        <a:lnSpc>
+          <a:spcPct val="90000"/>
+        </a:lnSpc>
+        <a:spcBef>
+          <a:spcPts val="1000"/>
+        </a:spcBef>
+        <a:buFont typeface="Arial" panose="020B0604020202020204" pitchFamily="34" charset="0"/>
+        <a:buChar char="•"/>
+        <a:defRPr sz="2800" kern="1200">
+          <a:solidFill>
+            <a:schemeClr val="tx1"/>
+          </a:solidFill>
+          <a:latin typeface="+mn-lt"/>
+          <a:ea typeface="+mn-ea"/>
+          <a:cs typeface="+mn-cs"/>
+        </a:defRPr>
+      </a:lvl1pPr>
+      <a:lvl2pPr marL="685800" indent="-228600" algn="l" defTabSz="914400" rtl="0" eaLnBrk="1" latinLnBrk="0" hangingPunct="1">
+        <a:lnSpc>
+          <a:spcPct val="90000"/>
+        </a:lnSpc>
+        <a:spcBef>
+          <a:spcPts val="500"/>
+        </a:spcBef>
+        <a:buFont typeface="Arial" panose="020B0604020202020204" pitchFamily="34" charset="0"/>
+        <a:buChar char="•"/>
+        <a:defRPr sz="2400" kern="1200">
+          <a:solidFill>
+            <a:schemeClr val="tx1"/>
+          </a:solidFill>
+          <a:latin typeface="+mn-lt"/>
+          <a:ea typeface="+mn-ea"/>
+          <a:cs typeface="+mn-cs"/>
+        </a:defRPr>
+      </a:lvl2pPr>
+      <a:lvl3pPr marL="1143000" indent="-228600" algn="l" defTabSz="914400" rtl="0" eaLnBrk="1" latinLnBrk="0" hangingPunct="1">
+        <a:lnSpc>
+          <a:spcPct val="90000"/>
+        </a:lnSpc>
+        <a:spcBef>
+          <a:spcPts val="500"/>
+        </a:spcBef>
+        <a:buFont typeface="Arial" panose="020B0604020202020204" pitchFamily="34" charset="0"/>
+        <a:buChar char="•"/>
+        <a:defRPr sz="2000" kern="1200">
+          <a:solidFill>
+            <a:schemeClr val="tx1"/>
+          </a:solidFill>
+          <a:latin typeface="+mn-lt"/>
+          <a:ea typeface="+mn-ea"/>
+          <a:cs typeface="+mn-cs"/>
+        </a:defRPr>
+      </a:lvl3pPr>
+      <a:lvl4pPr marL="1600200" indent="-228600" algn="l" defTabSz="914400" rtl="0" eaLnBrk="1" latinLnBrk="0" hangingPunct="1">
+        <a:lnSpc>
+          <a:spcPct val="90000"/>
+        </a:lnSpc>
+        <a:spcBef>
+          <a:spcPts val="500"/>
+        </a:spcBef>
+        <a:buFont typeface="Arial" panose="020B0604020202020204" pitchFamily="34" charset="0"/>
+        <a:buChar char="•"/>
+        <a:defRPr sz="1800" kern="1200">
+          <a:solidFill>
+            <a:schemeClr val="tx1"/>
+          </a:solidFill>
+          <a:latin typeface="+mn-lt"/>
+          <a:ea typeface="+mn-ea"/>
+          <a:cs typeface="+mn-cs"/>
+        </a:defRPr>
+      </a:lvl4pPr>
+      <a:lvl5pPr marL="2057400" indent="-228600" algn="l" defTabSz="914400" rtl="0" eaLnBrk="1" latinLnBrk="0" hangingPunct="1">
+        <a:lnSpc>
+          <a:spcPct val="90000"/>
+        </a:lnSpc>
+        <a:spcBef>
+          <a:spcPts val="500"/>
+        </a:spcBef>
+        <a:buFont typeface="Arial" panose="020B0604020202020204" pitchFamily="34" charset="0"/>
+        <a:buChar char="•"/>
+        <a:defRPr sz="1800" kern="1200">
+          <a:solidFill>
+            <a:schemeClr val="tx1"/>
+          </a:solidFill>
+          <a:latin typeface="+mn-lt"/>
+          <a:ea typeface="+mn-ea"/>
+          <a:cs typeface="+mn-cs"/>
+        </a:defRPr>
+      </a:lvl5pPr>
+      <a:lvl6pPr marL="2514600" indent="-228600" algn="l" defTabSz="914400" rtl="0" eaLnBrk="1" latinLnBrk="0" hangingPunct="1">
+        <a:lnSpc>
+          <a:spcPct val="90000"/>
+        </a:lnSpc>
+        <a:spcBef>
+          <a:spcPts val="500"/>
+        </a:spcBef>
+        <a:buFont typeface="Arial" panose="020B0604020202020204" pitchFamily="34" charset="0"/>
+        <a:buChar char="•"/>
+        <a:defRPr sz="1800" kern="1200">
+          <a:solidFill>
+            <a:schemeClr val="tx1"/>
+          </a:solidFill>
+          <a:latin typeface="+mn-lt"/>
+          <a:ea typeface="+mn-ea"/>
+          <a:cs typeface="+mn-cs"/>
+        </a:defRPr>
+      </a:lvl6pPr>
+      <a:lvl7pPr marL="2971800" indent="-228600" algn="l" defTabSz="914400" rtl="0" eaLnBrk="1" latinLnBrk="0" hangingPunct="1">
+        <a:lnSpc>
+          <a:spcPct val="90000"/>
+        </a:lnSpc>
+        <a:spcBef>
+          <a:spcPts val="500"/>
+        </a:spcBef>
+        <a:buFont typeface="Arial" panose="020B0604020202020204" pitchFamily="34" charset="0"/>
+        <a:buChar char="•"/>
+        <a:defRPr sz="1800" kern="1200">
+          <a:solidFill>
+            <a:schemeClr val="tx1"/>
+          </a:solidFill>
+          <a:latin typeface="+mn-lt"/>
+          <a:ea typeface="+mn-ea"/>
+          <a:cs typeface="+mn-cs"/>
+        </a:defRPr>
+      </a:lvl7pPr>
+      <a:lvl8pPr marL="3429000" indent="-228600" algn="l" defTabSz="914400" rtl="0" eaLnBrk="1" latinLnBrk="0" hangingPunct="1">
+        <a:lnSpc>
+          <a:spcPct val="90000"/>
+        </a:lnSpc>
+        <a:spcBef>
+          <a:spcPts val="500"/>
+        </a:spcBef>
+        <a:buFont typeface="Arial" panose="020B0604020202020204" pitchFamily="34" charset="0"/>
+        <a:buChar char="•"/>
+        <a:defRPr sz="1800" kern="1200">
+          <a:solidFill>
+            <a:schemeClr val="tx1"/>
+          </a:solidFill>
+          <a:latin typeface="+mn-lt"/>
+          <a:ea typeface="+mn-ea"/>
+          <a:cs typeface="+mn-cs"/>
+        </a:defRPr>
+      </a:lvl8pPr>
+      <a:lvl9pPr marL="3886200" indent="-228600" algn="l" defTabSz="914400" rtl="0" eaLnBrk="1" latinLnBrk="0" hangingPunct="1">
+        <a:lnSpc>
+          <a:spcPct val="90000"/>
+        </a:lnSpc>
+        <a:spcBef>
+          <a:spcPts val="500"/>
+        </a:spcBef>
+        <a:buFont typeface="Arial" panose="020B0604020202020204" pitchFamily="34" charset="0"/>
+        <a:buChar char="•"/>
+        <a:defRPr sz="1800" kern="1200">
+          <a:solidFill>
+            <a:schemeClr val="tx1"/>
+          </a:solidFill>
+          <a:latin typeface="+mn-lt"/>
+          <a:ea typeface="+mn-ea"/>
+          <a:cs typeface="+mn-cs"/>
+        </a:defRPr>
+      </a:lvl9pPr>
+    </p:bodyStyle>
+    <p:otherStyle>
+      <a:defPPr>
+        <a:defRPr lang="de-DE"/>
+      </a:defPPr>
+      <a:lvl1pPr marL="0" algn="l" defTabSz="914400" rtl="0" eaLnBrk="1" latinLnBrk="0" hangingPunct="1">
+        <a:defRPr sz="1800" kern="1200">
+          <a:solidFill>
+            <a:schemeClr val="tx1"/>
+          </a:solidFill>
+          <a:latin typeface="+mn-lt"/>
+          <a:ea typeface="+mn-ea"/>
+          <a:cs typeface="+mn-cs"/>
+        </a:defRPr>
+      </a:lvl1pPr>
+      <a:lvl2pPr marL="457200" algn="l" defTabSz="914400" rtl="0" eaLnBrk="1" latinLnBrk="0" hangingPunct="1">
+        <a:defRPr sz="1800" kern="1200">
+          <a:solidFill>
+            <a:schemeClr val="tx1"/>
+          </a:solidFill>
+          <a:latin typeface="+mn-lt"/>
+          <a:ea typeface="+mn-ea"/>
+          <a:cs typeface="+mn-cs"/>
+        </a:defRPr>
+      </a:lvl2pPr>
+      <a:lvl3pPr marL="914400" algn="l" defTabSz="914400" rtl="0" eaLnBrk="1" latinLnBrk="0" hangingPunct="1">
+        <a:defRPr sz="1800" kern="1200">
+          <a:solidFill>
+            <a:schemeClr val="tx1"/>
+          </a:solidFill>
+          <a:latin typeface="+mn-lt"/>
+          <a:ea typeface="+mn-ea"/>
+          <a:cs typeface="+mn-cs"/>
+        </a:defRPr>
+      </a:lvl3pPr>
+      <a:lvl4pPr marL="1371600" algn="l" defTabSz="914400" rtl="0" eaLnBrk="1" latinLnBrk="0" hangingPunct="1">
+        <a:defRPr sz="1800" kern="1200">
+          <a:solidFill>
+            <a:schemeClr val="tx1"/>
+          </a:solidFill>
+          <a:latin typeface="+mn-lt"/>
+          <a:ea typeface="+mn-ea"/>
+          <a:cs typeface="+mn-cs"/>
+        </a:defRPr>
+      </a:lvl4pPr>
+      <a:lvl5pPr marL="1828800" algn="l" defTabSz="914400" rtl="0" eaLnBrk="1" latinLnBrk="0" hangingPunct="1">
+        <a:defRPr sz="1800" kern="1200">
+          <a:solidFill>
+            <a:schemeClr val="tx1"/>
+          </a:solidFill>
+          <a:latin typeface="+mn-lt"/>
+          <a:ea typeface="+mn-ea"/>
+          <a:cs typeface="+mn-cs"/>
+        </a:defRPr>
+      </a:lvl5pPr>
+      <a:lvl6pPr marL="2286000" algn="l" defTabSz="914400" rtl="0" eaLnBrk="1" latinLnBrk="0" hangingPunct="1">
+        <a:defRPr sz="1800" kern="1200">
+          <a:solidFill>
+            <a:schemeClr val="tx1"/>
+          </a:solidFill>
+          <a:latin typeface="+mn-lt"/>
+          <a:ea typeface="+mn-ea"/>
+          <a:cs typeface="+mn-cs"/>
+        </a:defRPr>
+      </a:lvl6pPr>
+      <a:lvl7pPr marL="2743200" algn="l" defTabSz="914400" rtl="0" eaLnBrk="1" latinLnBrk="0" hangingPunct="1">
+        <a:defRPr sz="1800" kern="1200">
+          <a:solidFill>
+            <a:schemeClr val="tx1"/>
+          </a:solidFill>
+          <a:latin typeface="+mn-lt"/>
+          <a:ea typeface="+mn-ea"/>
+          <a:cs typeface="+mn-cs"/>
+        </a:defRPr>
+      </a:lvl7pPr>
+      <a:lvl8pPr marL="3200400" algn="l" defTabSz="914400" rtl="0" eaLnBrk="1" latinLnBrk="0" hangingPunct="1">
+        <a:defRPr sz="1800" kern="1200">
+          <a:solidFill>
+            <a:schemeClr val="tx1"/>
+          </a:solidFill>
+          <a:latin typeface="+mn-lt"/>
+          <a:ea typeface="+mn-ea"/>
+          <a:cs typeface="+mn-cs"/>
+        </a:defRPr>
+      </a:lvl8pPr>
+      <a:lvl9pPr marL="3657600" algn="l" defTabSz="914400" rtl="0" eaLnBrk="1" latinLnBrk="0" hangingPunct="1">
+        <a:defRPr sz="1800" kern="1200">
+          <a:solidFill>
+            <a:schemeClr val="tx1"/>
+          </a:solidFill>
+          <a:latin typeface="+mn-lt"/>
+          <a:ea typeface="+mn-ea"/>
+          <a:cs typeface="+mn-cs"/>
+        </a:defRPr>
+      </a:lvl9pPr>
+    </p:otherStyle>
+  </p:txStyles>
 </p:sldMaster>
 </file>
 
 <file path=ppt/slideMasters/slideMaster2.xml><?xml version="1.0" encoding="utf-8"?>
-<p:sldMaster xmlns:a="http://schemas.openxmlformats.org/drawingml/2006/main" xmlns:p="http://schemas.openxmlformats.org/presentationml/2006/main" xmlns:r="http://schemas.openxmlformats.org/officeDocument/2006/relationships" xmlns:p14="http://schemas.microsoft.com/office/powerpoint/2010/main" xmlns:p15="http://schemas.microsoft.com/office/powerpoint/2012/main" xmlns:mc="http://schemas.openxmlformats.org/markup-compatibility/2006">
+<p:sldMaster xmlns:a="http://schemas.openxmlformats.org/drawingml/2006/main" xmlns:r="http://schemas.openxmlformats.org/officeDocument/2006/relationships" xmlns:p="http://schemas.openxmlformats.org/presentationml/2006/main">
   <p:cSld>
     <p:bg>
       <p:bgPr>
         <a:solidFill>
-          <a:srgbClr val="ffffff"/>
+          <a:srgbClr val="FFFFFF"/>
         </a:solidFill>
+        <a:effectLst/>
       </p:bgPr>
     </p:bg>
     <p:spTree>
@@ -5282,12 +5901,13 @@
           </a:prstGeom>
         </p:spPr>
         <p:txBody>
-          <a:bodyPr lIns="0" rIns="0" tIns="0" bIns="0" anchor="ctr">
+          <a:bodyPr lIns="0" tIns="0" rIns="0" bIns="0" anchor="ctr">
             <a:noAutofit/>
           </a:bodyPr>
-          <a:p>
-            <a:r>
-              <a:rPr b="0" lang="en-US" sz="1800" spc="-1" strike="noStrike">
+          <a:lstStyle/>
+          <a:p>
+            <a:r>
+              <a:rPr lang="en-US" sz="1800" b="0" strike="noStrike" spc="-1">
                 <a:solidFill>
                   <a:srgbClr val="000000"/>
                 </a:solidFill>
@@ -5295,12 +5915,6 @@
               </a:rPr>
               <a:t>Click to edit the title text format</a:t>
             </a:r>
-            <a:endParaRPr b="0" lang="en-US" sz="1800" spc="-1" strike="noStrike">
-              <a:solidFill>
-                <a:srgbClr val="000000"/>
-              </a:solidFill>
-              <a:latin typeface="Arial"/>
-            </a:endParaRPr>
           </a:p>
         </p:txBody>
       </p:sp>
@@ -5324,9 +5938,10 @@
           </a:prstGeom>
         </p:spPr>
         <p:txBody>
-          <a:bodyPr lIns="0" rIns="0" tIns="0" bIns="0">
+          <a:bodyPr lIns="0" tIns="0" rIns="0" bIns="0">
             <a:normAutofit/>
           </a:bodyPr>
+          <a:lstStyle/>
           <a:p>
             <a:pPr marL="432000" indent="-324000">
               <a:spcBef>
@@ -5340,7 +5955,7 @@
               <a:buChar char=""/>
             </a:pPr>
             <a:r>
-              <a:rPr b="0" lang="en-US" sz="2800" spc="-1" strike="noStrike">
+              <a:rPr lang="en-US" sz="2800" b="0" strike="noStrike" spc="-1">
                 <a:solidFill>
                   <a:srgbClr val="000000"/>
                 </a:solidFill>
@@ -5348,15 +5963,9 @@
               </a:rPr>
               <a:t>Click to edit the outline text format</a:t>
             </a:r>
-            <a:endParaRPr b="0" lang="en-US" sz="2800" spc="-1" strike="noStrike">
-              <a:solidFill>
-                <a:srgbClr val="000000"/>
-              </a:solidFill>
-              <a:latin typeface="Arial"/>
-            </a:endParaRPr>
-          </a:p>
-          <a:p>
-            <a:pPr lvl="1" marL="864000" indent="-324000">
+          </a:p>
+          <a:p>
+            <a:pPr marL="864000" lvl="1" indent="-324000">
               <a:spcBef>
                 <a:spcPts val="1134"/>
               </a:spcBef>
@@ -5368,7 +5977,7 @@
               <a:buChar char=""/>
             </a:pPr>
             <a:r>
-              <a:rPr b="0" lang="en-US" sz="2000" spc="-1" strike="noStrike">
+              <a:rPr lang="en-US" sz="2000" b="0" strike="noStrike" spc="-1">
                 <a:solidFill>
                   <a:srgbClr val="000000"/>
                 </a:solidFill>
@@ -5376,15 +5985,9 @@
               </a:rPr>
               <a:t>Second Outline Level</a:t>
             </a:r>
-            <a:endParaRPr b="0" lang="en-US" sz="2000" spc="-1" strike="noStrike">
-              <a:solidFill>
-                <a:srgbClr val="000000"/>
-              </a:solidFill>
-              <a:latin typeface="Arial"/>
-            </a:endParaRPr>
-          </a:p>
-          <a:p>
-            <a:pPr lvl="2" marL="1296000" indent="-288000">
+          </a:p>
+          <a:p>
+            <a:pPr marL="1296000" lvl="2" indent="-288000">
               <a:spcBef>
                 <a:spcPts val="850"/>
               </a:spcBef>
@@ -5396,7 +5999,7 @@
               <a:buChar char=""/>
             </a:pPr>
             <a:r>
-              <a:rPr b="0" lang="en-US" sz="1800" spc="-1" strike="noStrike">
+              <a:rPr lang="en-US" sz="1800" b="0" strike="noStrike" spc="-1">
                 <a:solidFill>
                   <a:srgbClr val="000000"/>
                 </a:solidFill>
@@ -5404,15 +6007,9 @@
               </a:rPr>
               <a:t>Third Outline Level</a:t>
             </a:r>
-            <a:endParaRPr b="0" lang="en-US" sz="1800" spc="-1" strike="noStrike">
-              <a:solidFill>
-                <a:srgbClr val="000000"/>
-              </a:solidFill>
-              <a:latin typeface="Arial"/>
-            </a:endParaRPr>
-          </a:p>
-          <a:p>
-            <a:pPr lvl="3" marL="1728000" indent="-216000">
+          </a:p>
+          <a:p>
+            <a:pPr marL="1728000" lvl="3" indent="-216000">
               <a:spcBef>
                 <a:spcPts val="567"/>
               </a:spcBef>
@@ -5424,7 +6021,7 @@
               <a:buChar char=""/>
             </a:pPr>
             <a:r>
-              <a:rPr b="0" lang="en-US" sz="1800" spc="-1" strike="noStrike">
+              <a:rPr lang="en-US" sz="1800" b="0" strike="noStrike" spc="-1">
                 <a:solidFill>
                   <a:srgbClr val="000000"/>
                 </a:solidFill>
@@ -5432,15 +6029,9 @@
               </a:rPr>
               <a:t>Fourth Outline Level</a:t>
             </a:r>
-            <a:endParaRPr b="0" lang="en-US" sz="1800" spc="-1" strike="noStrike">
-              <a:solidFill>
-                <a:srgbClr val="000000"/>
-              </a:solidFill>
-              <a:latin typeface="Arial"/>
-            </a:endParaRPr>
-          </a:p>
-          <a:p>
-            <a:pPr lvl="4" marL="2160000" indent="-216000">
+          </a:p>
+          <a:p>
+            <a:pPr marL="2160000" lvl="4" indent="-216000">
               <a:spcBef>
                 <a:spcPts val="283"/>
               </a:spcBef>
@@ -5452,7 +6043,7 @@
               <a:buChar char=""/>
             </a:pPr>
             <a:r>
-              <a:rPr b="0" lang="en-US" sz="2000" spc="-1" strike="noStrike">
+              <a:rPr lang="en-US" sz="2000" b="0" strike="noStrike" spc="-1">
                 <a:solidFill>
                   <a:srgbClr val="000000"/>
                 </a:solidFill>
@@ -5460,15 +6051,9 @@
               </a:rPr>
               <a:t>Fifth Outline Level</a:t>
             </a:r>
-            <a:endParaRPr b="0" lang="en-US" sz="2000" spc="-1" strike="noStrike">
-              <a:solidFill>
-                <a:srgbClr val="000000"/>
-              </a:solidFill>
-              <a:latin typeface="Arial"/>
-            </a:endParaRPr>
-          </a:p>
-          <a:p>
-            <a:pPr lvl="5" marL="2592000" indent="-216000">
+          </a:p>
+          <a:p>
+            <a:pPr marL="2592000" lvl="5" indent="-216000">
               <a:spcBef>
                 <a:spcPts val="283"/>
               </a:spcBef>
@@ -5480,7 +6065,7 @@
               <a:buChar char=""/>
             </a:pPr>
             <a:r>
-              <a:rPr b="0" lang="en-US" sz="2000" spc="-1" strike="noStrike">
+              <a:rPr lang="en-US" sz="2000" b="0" strike="noStrike" spc="-1">
                 <a:solidFill>
                   <a:srgbClr val="000000"/>
                 </a:solidFill>
@@ -5488,15 +6073,9 @@
               </a:rPr>
               <a:t>Sixth Outline Level</a:t>
             </a:r>
-            <a:endParaRPr b="0" lang="en-US" sz="2000" spc="-1" strike="noStrike">
-              <a:solidFill>
-                <a:srgbClr val="000000"/>
-              </a:solidFill>
-              <a:latin typeface="Arial"/>
-            </a:endParaRPr>
-          </a:p>
-          <a:p>
-            <a:pPr lvl="6" marL="3024000" indent="-216000">
+          </a:p>
+          <a:p>
+            <a:pPr marL="3024000" lvl="6" indent="-216000">
               <a:spcBef>
                 <a:spcPts val="283"/>
               </a:spcBef>
@@ -5508,7 +6087,7 @@
               <a:buChar char=""/>
             </a:pPr>
             <a:r>
-              <a:rPr b="0" lang="en-US" sz="2000" spc="-1" strike="noStrike">
+              <a:rPr lang="en-US" sz="2000" b="0" strike="noStrike" spc="-1">
                 <a:solidFill>
                   <a:srgbClr val="000000"/>
                 </a:solidFill>
@@ -5516,43 +6095,318 @@
               </a:rPr>
               <a:t>Seventh Outline Level</a:t>
             </a:r>
-            <a:endParaRPr b="0" lang="en-US" sz="2000" spc="-1" strike="noStrike">
-              <a:solidFill>
-                <a:srgbClr val="000000"/>
-              </a:solidFill>
-              <a:latin typeface="Arial"/>
-            </a:endParaRPr>
           </a:p>
         </p:txBody>
       </p:sp>
     </p:spTree>
   </p:cSld>
-  <p:clrMap bg1="lt1" bg2="lt2" tx1="dk1" tx2="dk2" accent1="accent1" accent2="accent2" accent3="accent3" accent4="accent4" accent5="accent5" accent6="accent6" hlink="hlink" folHlink="folHlink"/>
+  <p:clrMap bg1="lt1" tx1="dk1" bg2="lt2" tx2="dk2" accent1="accent1" accent2="accent2" accent3="accent3" accent4="accent4" accent5="accent5" accent6="accent6" hlink="hlink" folHlink="folHlink"/>
   <p:sldLayoutIdLst>
-    <p:sldLayoutId id="2147483662" r:id="rId2"/>
-    <p:sldLayoutId id="2147483663" r:id="rId3"/>
-    <p:sldLayoutId id="2147483664" r:id="rId4"/>
-    <p:sldLayoutId id="2147483665" r:id="rId5"/>
-    <p:sldLayoutId id="2147483666" r:id="rId6"/>
-    <p:sldLayoutId id="2147483667" r:id="rId7"/>
-    <p:sldLayoutId id="2147483668" r:id="rId8"/>
-    <p:sldLayoutId id="2147483669" r:id="rId9"/>
-    <p:sldLayoutId id="2147483670" r:id="rId10"/>
-    <p:sldLayoutId id="2147483671" r:id="rId11"/>
-    <p:sldLayoutId id="2147483672" r:id="rId12"/>
-    <p:sldLayoutId id="2147483673" r:id="rId13"/>
+    <p:sldLayoutId id="2147483662" r:id="rId1"/>
+    <p:sldLayoutId id="2147483663" r:id="rId2"/>
+    <p:sldLayoutId id="2147483664" r:id="rId3"/>
+    <p:sldLayoutId id="2147483665" r:id="rId4"/>
+    <p:sldLayoutId id="2147483666" r:id="rId5"/>
+    <p:sldLayoutId id="2147483667" r:id="rId6"/>
+    <p:sldLayoutId id="2147483668" r:id="rId7"/>
+    <p:sldLayoutId id="2147483669" r:id="rId8"/>
+    <p:sldLayoutId id="2147483670" r:id="rId9"/>
+    <p:sldLayoutId id="2147483671" r:id="rId10"/>
+    <p:sldLayoutId id="2147483672" r:id="rId11"/>
+    <p:sldLayoutId id="2147483673" r:id="rId12"/>
   </p:sldLayoutIdLst>
+  <p:txStyles>
+    <p:titleStyle>
+      <a:lvl1pPr algn="l" defTabSz="914400" rtl="0" eaLnBrk="1" latinLnBrk="0" hangingPunct="1">
+        <a:lnSpc>
+          <a:spcPct val="90000"/>
+        </a:lnSpc>
+        <a:spcBef>
+          <a:spcPct val="0"/>
+        </a:spcBef>
+        <a:buNone/>
+        <a:defRPr sz="4400" kern="1200">
+          <a:solidFill>
+            <a:schemeClr val="tx1"/>
+          </a:solidFill>
+          <a:latin typeface="+mj-lt"/>
+          <a:ea typeface="+mj-ea"/>
+          <a:cs typeface="+mj-cs"/>
+        </a:defRPr>
+      </a:lvl1pPr>
+    </p:titleStyle>
+    <p:bodyStyle>
+      <a:lvl1pPr marL="228600" indent="-228600" algn="l" defTabSz="914400" rtl="0" eaLnBrk="1" latinLnBrk="0" hangingPunct="1">
+        <a:lnSpc>
+          <a:spcPct val="90000"/>
+        </a:lnSpc>
+        <a:spcBef>
+          <a:spcPts val="1000"/>
+        </a:spcBef>
+        <a:buFont typeface="Arial" panose="020B0604020202020204" pitchFamily="34" charset="0"/>
+        <a:buChar char="•"/>
+        <a:defRPr sz="2800" kern="1200">
+          <a:solidFill>
+            <a:schemeClr val="tx1"/>
+          </a:solidFill>
+          <a:latin typeface="+mn-lt"/>
+          <a:ea typeface="+mn-ea"/>
+          <a:cs typeface="+mn-cs"/>
+        </a:defRPr>
+      </a:lvl1pPr>
+      <a:lvl2pPr marL="685800" indent="-228600" algn="l" defTabSz="914400" rtl="0" eaLnBrk="1" latinLnBrk="0" hangingPunct="1">
+        <a:lnSpc>
+          <a:spcPct val="90000"/>
+        </a:lnSpc>
+        <a:spcBef>
+          <a:spcPts val="500"/>
+        </a:spcBef>
+        <a:buFont typeface="Arial" panose="020B0604020202020204" pitchFamily="34" charset="0"/>
+        <a:buChar char="•"/>
+        <a:defRPr sz="2400" kern="1200">
+          <a:solidFill>
+            <a:schemeClr val="tx1"/>
+          </a:solidFill>
+          <a:latin typeface="+mn-lt"/>
+          <a:ea typeface="+mn-ea"/>
+          <a:cs typeface="+mn-cs"/>
+        </a:defRPr>
+      </a:lvl2pPr>
+      <a:lvl3pPr marL="1143000" indent="-228600" algn="l" defTabSz="914400" rtl="0" eaLnBrk="1" latinLnBrk="0" hangingPunct="1">
+        <a:lnSpc>
+          <a:spcPct val="90000"/>
+        </a:lnSpc>
+        <a:spcBef>
+          <a:spcPts val="500"/>
+        </a:spcBef>
+        <a:buFont typeface="Arial" panose="020B0604020202020204" pitchFamily="34" charset="0"/>
+        <a:buChar char="•"/>
+        <a:defRPr sz="2000" kern="1200">
+          <a:solidFill>
+            <a:schemeClr val="tx1"/>
+          </a:solidFill>
+          <a:latin typeface="+mn-lt"/>
+          <a:ea typeface="+mn-ea"/>
+          <a:cs typeface="+mn-cs"/>
+        </a:defRPr>
+      </a:lvl3pPr>
+      <a:lvl4pPr marL="1600200" indent="-228600" algn="l" defTabSz="914400" rtl="0" eaLnBrk="1" latinLnBrk="0" hangingPunct="1">
+        <a:lnSpc>
+          <a:spcPct val="90000"/>
+        </a:lnSpc>
+        <a:spcBef>
+          <a:spcPts val="500"/>
+        </a:spcBef>
+        <a:buFont typeface="Arial" panose="020B0604020202020204" pitchFamily="34" charset="0"/>
+        <a:buChar char="•"/>
+        <a:defRPr sz="1800" kern="1200">
+          <a:solidFill>
+            <a:schemeClr val="tx1"/>
+          </a:solidFill>
+          <a:latin typeface="+mn-lt"/>
+          <a:ea typeface="+mn-ea"/>
+          <a:cs typeface="+mn-cs"/>
+        </a:defRPr>
+      </a:lvl4pPr>
+      <a:lvl5pPr marL="2057400" indent="-228600" algn="l" defTabSz="914400" rtl="0" eaLnBrk="1" latinLnBrk="0" hangingPunct="1">
+        <a:lnSpc>
+          <a:spcPct val="90000"/>
+        </a:lnSpc>
+        <a:spcBef>
+          <a:spcPts val="500"/>
+        </a:spcBef>
+        <a:buFont typeface="Arial" panose="020B0604020202020204" pitchFamily="34" charset="0"/>
+        <a:buChar char="•"/>
+        <a:defRPr sz="1800" kern="1200">
+          <a:solidFill>
+            <a:schemeClr val="tx1"/>
+          </a:solidFill>
+          <a:latin typeface="+mn-lt"/>
+          <a:ea typeface="+mn-ea"/>
+          <a:cs typeface="+mn-cs"/>
+        </a:defRPr>
+      </a:lvl5pPr>
+      <a:lvl6pPr marL="2514600" indent="-228600" algn="l" defTabSz="914400" rtl="0" eaLnBrk="1" latinLnBrk="0" hangingPunct="1">
+        <a:lnSpc>
+          <a:spcPct val="90000"/>
+        </a:lnSpc>
+        <a:spcBef>
+          <a:spcPts val="500"/>
+        </a:spcBef>
+        <a:buFont typeface="Arial" panose="020B0604020202020204" pitchFamily="34" charset="0"/>
+        <a:buChar char="•"/>
+        <a:defRPr sz="1800" kern="1200">
+          <a:solidFill>
+            <a:schemeClr val="tx1"/>
+          </a:solidFill>
+          <a:latin typeface="+mn-lt"/>
+          <a:ea typeface="+mn-ea"/>
+          <a:cs typeface="+mn-cs"/>
+        </a:defRPr>
+      </a:lvl6pPr>
+      <a:lvl7pPr marL="2971800" indent="-228600" algn="l" defTabSz="914400" rtl="0" eaLnBrk="1" latinLnBrk="0" hangingPunct="1">
+        <a:lnSpc>
+          <a:spcPct val="90000"/>
+        </a:lnSpc>
+        <a:spcBef>
+          <a:spcPts val="500"/>
+        </a:spcBef>
+        <a:buFont typeface="Arial" panose="020B0604020202020204" pitchFamily="34" charset="0"/>
+        <a:buChar char="•"/>
+        <a:defRPr sz="1800" kern="1200">
+          <a:solidFill>
+            <a:schemeClr val="tx1"/>
+          </a:solidFill>
+          <a:latin typeface="+mn-lt"/>
+          <a:ea typeface="+mn-ea"/>
+          <a:cs typeface="+mn-cs"/>
+        </a:defRPr>
+      </a:lvl7pPr>
+      <a:lvl8pPr marL="3429000" indent="-228600" algn="l" defTabSz="914400" rtl="0" eaLnBrk="1" latinLnBrk="0" hangingPunct="1">
+        <a:lnSpc>
+          <a:spcPct val="90000"/>
+        </a:lnSpc>
+        <a:spcBef>
+          <a:spcPts val="500"/>
+        </a:spcBef>
+        <a:buFont typeface="Arial" panose="020B0604020202020204" pitchFamily="34" charset="0"/>
+        <a:buChar char="•"/>
+        <a:defRPr sz="1800" kern="1200">
+          <a:solidFill>
+            <a:schemeClr val="tx1"/>
+          </a:solidFill>
+          <a:latin typeface="+mn-lt"/>
+          <a:ea typeface="+mn-ea"/>
+          <a:cs typeface="+mn-cs"/>
+        </a:defRPr>
+      </a:lvl8pPr>
+      <a:lvl9pPr marL="3886200" indent="-228600" algn="l" defTabSz="914400" rtl="0" eaLnBrk="1" latinLnBrk="0" hangingPunct="1">
+        <a:lnSpc>
+          <a:spcPct val="90000"/>
+        </a:lnSpc>
+        <a:spcBef>
+          <a:spcPts val="500"/>
+        </a:spcBef>
+        <a:buFont typeface="Arial" panose="020B0604020202020204" pitchFamily="34" charset="0"/>
+        <a:buChar char="•"/>
+        <a:defRPr sz="1800" kern="1200">
+          <a:solidFill>
+            <a:schemeClr val="tx1"/>
+          </a:solidFill>
+          <a:latin typeface="+mn-lt"/>
+          <a:ea typeface="+mn-ea"/>
+          <a:cs typeface="+mn-cs"/>
+        </a:defRPr>
+      </a:lvl9pPr>
+    </p:bodyStyle>
+    <p:otherStyle>
+      <a:defPPr>
+        <a:defRPr lang="de-DE"/>
+      </a:defPPr>
+      <a:lvl1pPr marL="0" algn="l" defTabSz="914400" rtl="0" eaLnBrk="1" latinLnBrk="0" hangingPunct="1">
+        <a:defRPr sz="1800" kern="1200">
+          <a:solidFill>
+            <a:schemeClr val="tx1"/>
+          </a:solidFill>
+          <a:latin typeface="+mn-lt"/>
+          <a:ea typeface="+mn-ea"/>
+          <a:cs typeface="+mn-cs"/>
+        </a:defRPr>
+      </a:lvl1pPr>
+      <a:lvl2pPr marL="457200" algn="l" defTabSz="914400" rtl="0" eaLnBrk="1" latinLnBrk="0" hangingPunct="1">
+        <a:defRPr sz="1800" kern="1200">
+          <a:solidFill>
+            <a:schemeClr val="tx1"/>
+          </a:solidFill>
+          <a:latin typeface="+mn-lt"/>
+          <a:ea typeface="+mn-ea"/>
+          <a:cs typeface="+mn-cs"/>
+        </a:defRPr>
+      </a:lvl2pPr>
+      <a:lvl3pPr marL="914400" algn="l" defTabSz="914400" rtl="0" eaLnBrk="1" latinLnBrk="0" hangingPunct="1">
+        <a:defRPr sz="1800" kern="1200">
+          <a:solidFill>
+            <a:schemeClr val="tx1"/>
+          </a:solidFill>
+          <a:latin typeface="+mn-lt"/>
+          <a:ea typeface="+mn-ea"/>
+          <a:cs typeface="+mn-cs"/>
+        </a:defRPr>
+      </a:lvl3pPr>
+      <a:lvl4pPr marL="1371600" algn="l" defTabSz="914400" rtl="0" eaLnBrk="1" latinLnBrk="0" hangingPunct="1">
+        <a:defRPr sz="1800" kern="1200">
+          <a:solidFill>
+            <a:schemeClr val="tx1"/>
+          </a:solidFill>
+          <a:latin typeface="+mn-lt"/>
+          <a:ea typeface="+mn-ea"/>
+          <a:cs typeface="+mn-cs"/>
+        </a:defRPr>
+      </a:lvl4pPr>
+      <a:lvl5pPr marL="1828800" algn="l" defTabSz="914400" rtl="0" eaLnBrk="1" latinLnBrk="0" hangingPunct="1">
+        <a:defRPr sz="1800" kern="1200">
+          <a:solidFill>
+            <a:schemeClr val="tx1"/>
+          </a:solidFill>
+          <a:latin typeface="+mn-lt"/>
+          <a:ea typeface="+mn-ea"/>
+          <a:cs typeface="+mn-cs"/>
+        </a:defRPr>
+      </a:lvl5pPr>
+      <a:lvl6pPr marL="2286000" algn="l" defTabSz="914400" rtl="0" eaLnBrk="1" latinLnBrk="0" hangingPunct="1">
+        <a:defRPr sz="1800" kern="1200">
+          <a:solidFill>
+            <a:schemeClr val="tx1"/>
+          </a:solidFill>
+          <a:latin typeface="+mn-lt"/>
+          <a:ea typeface="+mn-ea"/>
+          <a:cs typeface="+mn-cs"/>
+        </a:defRPr>
+      </a:lvl6pPr>
+      <a:lvl7pPr marL="2743200" algn="l" defTabSz="914400" rtl="0" eaLnBrk="1" latinLnBrk="0" hangingPunct="1">
+        <a:defRPr sz="1800" kern="1200">
+          <a:solidFill>
+            <a:schemeClr val="tx1"/>
+          </a:solidFill>
+          <a:latin typeface="+mn-lt"/>
+          <a:ea typeface="+mn-ea"/>
+          <a:cs typeface="+mn-cs"/>
+        </a:defRPr>
+      </a:lvl7pPr>
+      <a:lvl8pPr marL="3200400" algn="l" defTabSz="914400" rtl="0" eaLnBrk="1" latinLnBrk="0" hangingPunct="1">
+        <a:defRPr sz="1800" kern="1200">
+          <a:solidFill>
+            <a:schemeClr val="tx1"/>
+          </a:solidFill>
+          <a:latin typeface="+mn-lt"/>
+          <a:ea typeface="+mn-ea"/>
+          <a:cs typeface="+mn-cs"/>
+        </a:defRPr>
+      </a:lvl8pPr>
+      <a:lvl9pPr marL="3657600" algn="l" defTabSz="914400" rtl="0" eaLnBrk="1" latinLnBrk="0" hangingPunct="1">
+        <a:defRPr sz="1800" kern="1200">
+          <a:solidFill>
+            <a:schemeClr val="tx1"/>
+          </a:solidFill>
+          <a:latin typeface="+mn-lt"/>
+          <a:ea typeface="+mn-ea"/>
+          <a:cs typeface="+mn-cs"/>
+        </a:defRPr>
+      </a:lvl9pPr>
+    </p:otherStyle>
+  </p:txStyles>
 </p:sldMaster>
 </file>
 
 <file path=ppt/slideMasters/slideMaster3.xml><?xml version="1.0" encoding="utf-8"?>
-<p:sldMaster xmlns:a="http://schemas.openxmlformats.org/drawingml/2006/main" xmlns:p="http://schemas.openxmlformats.org/presentationml/2006/main" xmlns:r="http://schemas.openxmlformats.org/officeDocument/2006/relationships" xmlns:p14="http://schemas.microsoft.com/office/powerpoint/2010/main" xmlns:p15="http://schemas.microsoft.com/office/powerpoint/2012/main" xmlns:mc="http://schemas.openxmlformats.org/markup-compatibility/2006">
+<p:sldMaster xmlns:a="http://schemas.openxmlformats.org/drawingml/2006/main" xmlns:r="http://schemas.openxmlformats.org/officeDocument/2006/relationships" xmlns:p="http://schemas.openxmlformats.org/presentationml/2006/main">
   <p:cSld>
     <p:bg>
       <p:bgPr>
         <a:solidFill>
-          <a:srgbClr val="ffffff"/>
+          <a:srgbClr val="FFFFFF"/>
         </a:solidFill>
+        <a:effectLst/>
       </p:bgPr>
     </p:bg>
     <p:spTree>
@@ -5589,12 +6443,13 @@
           </a:prstGeom>
         </p:spPr>
         <p:txBody>
-          <a:bodyPr lIns="0" rIns="0" tIns="0" bIns="0" anchor="ctr">
+          <a:bodyPr lIns="0" tIns="0" rIns="0" bIns="0" anchor="ctr">
             <a:noAutofit/>
           </a:bodyPr>
-          <a:p>
-            <a:r>
-              <a:rPr b="0" lang="en-US" sz="4400" spc="-1" strike="noStrike">
+          <a:lstStyle/>
+          <a:p>
+            <a:r>
+              <a:rPr lang="en-US" sz="4400" b="0" strike="noStrike" spc="-1">
                 <a:solidFill>
                   <a:srgbClr val="000000"/>
                 </a:solidFill>
@@ -5602,12 +6457,6 @@
               </a:rPr>
               <a:t>Click to edit the title text format</a:t>
             </a:r>
-            <a:endParaRPr b="0" lang="en-US" sz="4400" spc="-1" strike="noStrike">
-              <a:solidFill>
-                <a:srgbClr val="000000"/>
-              </a:solidFill>
-              <a:latin typeface="Arial"/>
-            </a:endParaRPr>
           </a:p>
         </p:txBody>
       </p:sp>
@@ -5631,9 +6480,10 @@
           </a:prstGeom>
         </p:spPr>
         <p:txBody>
-          <a:bodyPr lIns="0" rIns="0" tIns="0" bIns="0">
+          <a:bodyPr lIns="0" tIns="0" rIns="0" bIns="0">
             <a:normAutofit/>
           </a:bodyPr>
+          <a:lstStyle/>
           <a:p>
             <a:pPr marL="432000" indent="-324000">
               <a:spcBef>
@@ -5647,7 +6497,7 @@
               <a:buChar char=""/>
             </a:pPr>
             <a:r>
-              <a:rPr b="0" lang="en-US" sz="2800" spc="-1" strike="noStrike">
+              <a:rPr lang="en-US" sz="2800" b="0" strike="noStrike" spc="-1">
                 <a:solidFill>
                   <a:srgbClr val="000000"/>
                 </a:solidFill>
@@ -5655,15 +6505,9 @@
               </a:rPr>
               <a:t>Click to edit the outline text format</a:t>
             </a:r>
-            <a:endParaRPr b="0" lang="en-US" sz="2800" spc="-1" strike="noStrike">
-              <a:solidFill>
-                <a:srgbClr val="000000"/>
-              </a:solidFill>
-              <a:latin typeface="Arial"/>
-            </a:endParaRPr>
-          </a:p>
-          <a:p>
-            <a:pPr lvl="1" marL="864000" indent="-324000">
+          </a:p>
+          <a:p>
+            <a:pPr marL="864000" lvl="1" indent="-324000">
               <a:spcBef>
                 <a:spcPts val="1134"/>
               </a:spcBef>
@@ -5675,7 +6519,7 @@
               <a:buChar char=""/>
             </a:pPr>
             <a:r>
-              <a:rPr b="0" lang="en-US" sz="2000" spc="-1" strike="noStrike">
+              <a:rPr lang="en-US" sz="2000" b="0" strike="noStrike" spc="-1">
                 <a:solidFill>
                   <a:srgbClr val="000000"/>
                 </a:solidFill>
@@ -5683,15 +6527,9 @@
               </a:rPr>
               <a:t>Second Outline Level</a:t>
             </a:r>
-            <a:endParaRPr b="0" lang="en-US" sz="2000" spc="-1" strike="noStrike">
-              <a:solidFill>
-                <a:srgbClr val="000000"/>
-              </a:solidFill>
-              <a:latin typeface="Arial"/>
-            </a:endParaRPr>
-          </a:p>
-          <a:p>
-            <a:pPr lvl="2" marL="1296000" indent="-288000">
+          </a:p>
+          <a:p>
+            <a:pPr marL="1296000" lvl="2" indent="-288000">
               <a:spcBef>
                 <a:spcPts val="850"/>
               </a:spcBef>
@@ -5703,7 +6541,7 @@
               <a:buChar char=""/>
             </a:pPr>
             <a:r>
-              <a:rPr b="0" lang="en-US" sz="1800" spc="-1" strike="noStrike">
+              <a:rPr lang="en-US" sz="1800" b="0" strike="noStrike" spc="-1">
                 <a:solidFill>
                   <a:srgbClr val="000000"/>
                 </a:solidFill>
@@ -5711,15 +6549,9 @@
               </a:rPr>
               <a:t>Third Outline Level</a:t>
             </a:r>
-            <a:endParaRPr b="0" lang="en-US" sz="1800" spc="-1" strike="noStrike">
-              <a:solidFill>
-                <a:srgbClr val="000000"/>
-              </a:solidFill>
-              <a:latin typeface="Arial"/>
-            </a:endParaRPr>
-          </a:p>
-          <a:p>
-            <a:pPr lvl="3" marL="1728000" indent="-216000">
+          </a:p>
+          <a:p>
+            <a:pPr marL="1728000" lvl="3" indent="-216000">
               <a:spcBef>
                 <a:spcPts val="567"/>
               </a:spcBef>
@@ -5731,7 +6563,7 @@
               <a:buChar char=""/>
             </a:pPr>
             <a:r>
-              <a:rPr b="0" lang="en-US" sz="1800" spc="-1" strike="noStrike">
+              <a:rPr lang="en-US" sz="1800" b="0" strike="noStrike" spc="-1">
                 <a:solidFill>
                   <a:srgbClr val="000000"/>
                 </a:solidFill>
@@ -5739,15 +6571,9 @@
               </a:rPr>
               <a:t>Fourth Outline Level</a:t>
             </a:r>
-            <a:endParaRPr b="0" lang="en-US" sz="1800" spc="-1" strike="noStrike">
-              <a:solidFill>
-                <a:srgbClr val="000000"/>
-              </a:solidFill>
-              <a:latin typeface="Arial"/>
-            </a:endParaRPr>
-          </a:p>
-          <a:p>
-            <a:pPr lvl="4" marL="2160000" indent="-216000">
+          </a:p>
+          <a:p>
+            <a:pPr marL="2160000" lvl="4" indent="-216000">
               <a:spcBef>
                 <a:spcPts val="283"/>
               </a:spcBef>
@@ -5759,7 +6585,7 @@
               <a:buChar char=""/>
             </a:pPr>
             <a:r>
-              <a:rPr b="0" lang="en-US" sz="2000" spc="-1" strike="noStrike">
+              <a:rPr lang="en-US" sz="2000" b="0" strike="noStrike" spc="-1">
                 <a:solidFill>
                   <a:srgbClr val="000000"/>
                 </a:solidFill>
@@ -5767,15 +6593,9 @@
               </a:rPr>
               <a:t>Fifth Outline Level</a:t>
             </a:r>
-            <a:endParaRPr b="0" lang="en-US" sz="2000" spc="-1" strike="noStrike">
-              <a:solidFill>
-                <a:srgbClr val="000000"/>
-              </a:solidFill>
-              <a:latin typeface="Arial"/>
-            </a:endParaRPr>
-          </a:p>
-          <a:p>
-            <a:pPr lvl="5" marL="2592000" indent="-216000">
+          </a:p>
+          <a:p>
+            <a:pPr marL="2592000" lvl="5" indent="-216000">
               <a:spcBef>
                 <a:spcPts val="283"/>
               </a:spcBef>
@@ -5787,7 +6607,7 @@
               <a:buChar char=""/>
             </a:pPr>
             <a:r>
-              <a:rPr b="0" lang="en-US" sz="2000" spc="-1" strike="noStrike">
+              <a:rPr lang="en-US" sz="2000" b="0" strike="noStrike" spc="-1">
                 <a:solidFill>
                   <a:srgbClr val="000000"/>
                 </a:solidFill>
@@ -5795,15 +6615,9 @@
               </a:rPr>
               <a:t>Sixth Outline Level</a:t>
             </a:r>
-            <a:endParaRPr b="0" lang="en-US" sz="2000" spc="-1" strike="noStrike">
-              <a:solidFill>
-                <a:srgbClr val="000000"/>
-              </a:solidFill>
-              <a:latin typeface="Arial"/>
-            </a:endParaRPr>
-          </a:p>
-          <a:p>
-            <a:pPr lvl="6" marL="3024000" indent="-216000">
+          </a:p>
+          <a:p>
+            <a:pPr marL="3024000" lvl="6" indent="-216000">
               <a:spcBef>
                 <a:spcPts val="283"/>
               </a:spcBef>
@@ -5815,7 +6629,7 @@
               <a:buChar char=""/>
             </a:pPr>
             <a:r>
-              <a:rPr b="0" lang="en-US" sz="2000" spc="-1" strike="noStrike">
+              <a:rPr lang="en-US" sz="2000" b="0" strike="noStrike" spc="-1">
                 <a:solidFill>
                   <a:srgbClr val="000000"/>
                 </a:solidFill>
@@ -5823,37 +6637,311 @@
               </a:rPr>
               <a:t>Seventh Outline Level</a:t>
             </a:r>
-            <a:endParaRPr b="0" lang="en-US" sz="2000" spc="-1" strike="noStrike">
-              <a:solidFill>
-                <a:srgbClr val="000000"/>
-              </a:solidFill>
-              <a:latin typeface="Arial"/>
-            </a:endParaRPr>
           </a:p>
         </p:txBody>
       </p:sp>
     </p:spTree>
   </p:cSld>
-  <p:clrMap bg1="lt1" bg2="lt2" tx1="dk1" tx2="dk2" accent1="accent1" accent2="accent2" accent3="accent3" accent4="accent4" accent5="accent5" accent6="accent6" hlink="hlink" folHlink="folHlink"/>
+  <p:clrMap bg1="lt1" tx1="dk1" bg2="lt2" tx2="dk2" accent1="accent1" accent2="accent2" accent3="accent3" accent4="accent4" accent5="accent5" accent6="accent6" hlink="hlink" folHlink="folHlink"/>
   <p:sldLayoutIdLst>
-    <p:sldLayoutId id="2147483675" r:id="rId2"/>
-    <p:sldLayoutId id="2147483676" r:id="rId3"/>
-    <p:sldLayoutId id="2147483677" r:id="rId4"/>
-    <p:sldLayoutId id="2147483678" r:id="rId5"/>
-    <p:sldLayoutId id="2147483679" r:id="rId6"/>
-    <p:sldLayoutId id="2147483680" r:id="rId7"/>
-    <p:sldLayoutId id="2147483681" r:id="rId8"/>
-    <p:sldLayoutId id="2147483682" r:id="rId9"/>
-    <p:sldLayoutId id="2147483683" r:id="rId10"/>
-    <p:sldLayoutId id="2147483684" r:id="rId11"/>
-    <p:sldLayoutId id="2147483685" r:id="rId12"/>
-    <p:sldLayoutId id="2147483686" r:id="rId13"/>
+    <p:sldLayoutId id="2147483675" r:id="rId1"/>
+    <p:sldLayoutId id="2147483676" r:id="rId2"/>
+    <p:sldLayoutId id="2147483677" r:id="rId3"/>
+    <p:sldLayoutId id="2147483678" r:id="rId4"/>
+    <p:sldLayoutId id="2147483679" r:id="rId5"/>
+    <p:sldLayoutId id="2147483680" r:id="rId6"/>
+    <p:sldLayoutId id="2147483681" r:id="rId7"/>
+    <p:sldLayoutId id="2147483682" r:id="rId8"/>
+    <p:sldLayoutId id="2147483683" r:id="rId9"/>
+    <p:sldLayoutId id="2147483684" r:id="rId10"/>
+    <p:sldLayoutId id="2147483685" r:id="rId11"/>
+    <p:sldLayoutId id="2147483686" r:id="rId12"/>
   </p:sldLayoutIdLst>
+  <p:txStyles>
+    <p:titleStyle>
+      <a:lvl1pPr algn="l" defTabSz="914400" rtl="0" eaLnBrk="1" latinLnBrk="0" hangingPunct="1">
+        <a:lnSpc>
+          <a:spcPct val="90000"/>
+        </a:lnSpc>
+        <a:spcBef>
+          <a:spcPct val="0"/>
+        </a:spcBef>
+        <a:buNone/>
+        <a:defRPr sz="4400" kern="1200">
+          <a:solidFill>
+            <a:schemeClr val="tx1"/>
+          </a:solidFill>
+          <a:latin typeface="+mj-lt"/>
+          <a:ea typeface="+mj-ea"/>
+          <a:cs typeface="+mj-cs"/>
+        </a:defRPr>
+      </a:lvl1pPr>
+    </p:titleStyle>
+    <p:bodyStyle>
+      <a:lvl1pPr marL="228600" indent="-228600" algn="l" defTabSz="914400" rtl="0" eaLnBrk="1" latinLnBrk="0" hangingPunct="1">
+        <a:lnSpc>
+          <a:spcPct val="90000"/>
+        </a:lnSpc>
+        <a:spcBef>
+          <a:spcPts val="1000"/>
+        </a:spcBef>
+        <a:buFont typeface="Arial" panose="020B0604020202020204" pitchFamily="34" charset="0"/>
+        <a:buChar char="•"/>
+        <a:defRPr sz="2800" kern="1200">
+          <a:solidFill>
+            <a:schemeClr val="tx1"/>
+          </a:solidFill>
+          <a:latin typeface="+mn-lt"/>
+          <a:ea typeface="+mn-ea"/>
+          <a:cs typeface="+mn-cs"/>
+        </a:defRPr>
+      </a:lvl1pPr>
+      <a:lvl2pPr marL="685800" indent="-228600" algn="l" defTabSz="914400" rtl="0" eaLnBrk="1" latinLnBrk="0" hangingPunct="1">
+        <a:lnSpc>
+          <a:spcPct val="90000"/>
+        </a:lnSpc>
+        <a:spcBef>
+          <a:spcPts val="500"/>
+        </a:spcBef>
+        <a:buFont typeface="Arial" panose="020B0604020202020204" pitchFamily="34" charset="0"/>
+        <a:buChar char="•"/>
+        <a:defRPr sz="2400" kern="1200">
+          <a:solidFill>
+            <a:schemeClr val="tx1"/>
+          </a:solidFill>
+          <a:latin typeface="+mn-lt"/>
+          <a:ea typeface="+mn-ea"/>
+          <a:cs typeface="+mn-cs"/>
+        </a:defRPr>
+      </a:lvl2pPr>
+      <a:lvl3pPr marL="1143000" indent="-228600" algn="l" defTabSz="914400" rtl="0" eaLnBrk="1" latinLnBrk="0" hangingPunct="1">
+        <a:lnSpc>
+          <a:spcPct val="90000"/>
+        </a:lnSpc>
+        <a:spcBef>
+          <a:spcPts val="500"/>
+        </a:spcBef>
+        <a:buFont typeface="Arial" panose="020B0604020202020204" pitchFamily="34" charset="0"/>
+        <a:buChar char="•"/>
+        <a:defRPr sz="2000" kern="1200">
+          <a:solidFill>
+            <a:schemeClr val="tx1"/>
+          </a:solidFill>
+          <a:latin typeface="+mn-lt"/>
+          <a:ea typeface="+mn-ea"/>
+          <a:cs typeface="+mn-cs"/>
+        </a:defRPr>
+      </a:lvl3pPr>
+      <a:lvl4pPr marL="1600200" indent="-228600" algn="l" defTabSz="914400" rtl="0" eaLnBrk="1" latinLnBrk="0" hangingPunct="1">
+        <a:lnSpc>
+          <a:spcPct val="90000"/>
+        </a:lnSpc>
+        <a:spcBef>
+          <a:spcPts val="500"/>
+        </a:spcBef>
+        <a:buFont typeface="Arial" panose="020B0604020202020204" pitchFamily="34" charset="0"/>
+        <a:buChar char="•"/>
+        <a:defRPr sz="1800" kern="1200">
+          <a:solidFill>
+            <a:schemeClr val="tx1"/>
+          </a:solidFill>
+          <a:latin typeface="+mn-lt"/>
+          <a:ea typeface="+mn-ea"/>
+          <a:cs typeface="+mn-cs"/>
+        </a:defRPr>
+      </a:lvl4pPr>
+      <a:lvl5pPr marL="2057400" indent="-228600" algn="l" defTabSz="914400" rtl="0" eaLnBrk="1" latinLnBrk="0" hangingPunct="1">
+        <a:lnSpc>
+          <a:spcPct val="90000"/>
+        </a:lnSpc>
+        <a:spcBef>
+          <a:spcPts val="500"/>
+        </a:spcBef>
+        <a:buFont typeface="Arial" panose="020B0604020202020204" pitchFamily="34" charset="0"/>
+        <a:buChar char="•"/>
+        <a:defRPr sz="1800" kern="1200">
+          <a:solidFill>
+            <a:schemeClr val="tx1"/>
+          </a:solidFill>
+          <a:latin typeface="+mn-lt"/>
+          <a:ea typeface="+mn-ea"/>
+          <a:cs typeface="+mn-cs"/>
+        </a:defRPr>
+      </a:lvl5pPr>
+      <a:lvl6pPr marL="2514600" indent="-228600" algn="l" defTabSz="914400" rtl="0" eaLnBrk="1" latinLnBrk="0" hangingPunct="1">
+        <a:lnSpc>
+          <a:spcPct val="90000"/>
+        </a:lnSpc>
+        <a:spcBef>
+          <a:spcPts val="500"/>
+        </a:spcBef>
+        <a:buFont typeface="Arial" panose="020B0604020202020204" pitchFamily="34" charset="0"/>
+        <a:buChar char="•"/>
+        <a:defRPr sz="1800" kern="1200">
+          <a:solidFill>
+            <a:schemeClr val="tx1"/>
+          </a:solidFill>
+          <a:latin typeface="+mn-lt"/>
+          <a:ea typeface="+mn-ea"/>
+          <a:cs typeface="+mn-cs"/>
+        </a:defRPr>
+      </a:lvl6pPr>
+      <a:lvl7pPr marL="2971800" indent="-228600" algn="l" defTabSz="914400" rtl="0" eaLnBrk="1" latinLnBrk="0" hangingPunct="1">
+        <a:lnSpc>
+          <a:spcPct val="90000"/>
+        </a:lnSpc>
+        <a:spcBef>
+          <a:spcPts val="500"/>
+        </a:spcBef>
+        <a:buFont typeface="Arial" panose="020B0604020202020204" pitchFamily="34" charset="0"/>
+        <a:buChar char="•"/>
+        <a:defRPr sz="1800" kern="1200">
+          <a:solidFill>
+            <a:schemeClr val="tx1"/>
+          </a:solidFill>
+          <a:latin typeface="+mn-lt"/>
+          <a:ea typeface="+mn-ea"/>
+          <a:cs typeface="+mn-cs"/>
+        </a:defRPr>
+      </a:lvl7pPr>
+      <a:lvl8pPr marL="3429000" indent="-228600" algn="l" defTabSz="914400" rtl="0" eaLnBrk="1" latinLnBrk="0" hangingPunct="1">
+        <a:lnSpc>
+          <a:spcPct val="90000"/>
+        </a:lnSpc>
+        <a:spcBef>
+          <a:spcPts val="500"/>
+        </a:spcBef>
+        <a:buFont typeface="Arial" panose="020B0604020202020204" pitchFamily="34" charset="0"/>
+        <a:buChar char="•"/>
+        <a:defRPr sz="1800" kern="1200">
+          <a:solidFill>
+            <a:schemeClr val="tx1"/>
+          </a:solidFill>
+          <a:latin typeface="+mn-lt"/>
+          <a:ea typeface="+mn-ea"/>
+          <a:cs typeface="+mn-cs"/>
+        </a:defRPr>
+      </a:lvl8pPr>
+      <a:lvl9pPr marL="3886200" indent="-228600" algn="l" defTabSz="914400" rtl="0" eaLnBrk="1" latinLnBrk="0" hangingPunct="1">
+        <a:lnSpc>
+          <a:spcPct val="90000"/>
+        </a:lnSpc>
+        <a:spcBef>
+          <a:spcPts val="500"/>
+        </a:spcBef>
+        <a:buFont typeface="Arial" panose="020B0604020202020204" pitchFamily="34" charset="0"/>
+        <a:buChar char="•"/>
+        <a:defRPr sz="1800" kern="1200">
+          <a:solidFill>
+            <a:schemeClr val="tx1"/>
+          </a:solidFill>
+          <a:latin typeface="+mn-lt"/>
+          <a:ea typeface="+mn-ea"/>
+          <a:cs typeface="+mn-cs"/>
+        </a:defRPr>
+      </a:lvl9pPr>
+    </p:bodyStyle>
+    <p:otherStyle>
+      <a:defPPr>
+        <a:defRPr lang="de-DE"/>
+      </a:defPPr>
+      <a:lvl1pPr marL="0" algn="l" defTabSz="914400" rtl="0" eaLnBrk="1" latinLnBrk="0" hangingPunct="1">
+        <a:defRPr sz="1800" kern="1200">
+          <a:solidFill>
+            <a:schemeClr val="tx1"/>
+          </a:solidFill>
+          <a:latin typeface="+mn-lt"/>
+          <a:ea typeface="+mn-ea"/>
+          <a:cs typeface="+mn-cs"/>
+        </a:defRPr>
+      </a:lvl1pPr>
+      <a:lvl2pPr marL="457200" algn="l" defTabSz="914400" rtl="0" eaLnBrk="1" latinLnBrk="0" hangingPunct="1">
+        <a:defRPr sz="1800" kern="1200">
+          <a:solidFill>
+            <a:schemeClr val="tx1"/>
+          </a:solidFill>
+          <a:latin typeface="+mn-lt"/>
+          <a:ea typeface="+mn-ea"/>
+          <a:cs typeface="+mn-cs"/>
+        </a:defRPr>
+      </a:lvl2pPr>
+      <a:lvl3pPr marL="914400" algn="l" defTabSz="914400" rtl="0" eaLnBrk="1" latinLnBrk="0" hangingPunct="1">
+        <a:defRPr sz="1800" kern="1200">
+          <a:solidFill>
+            <a:schemeClr val="tx1"/>
+          </a:solidFill>
+          <a:latin typeface="+mn-lt"/>
+          <a:ea typeface="+mn-ea"/>
+          <a:cs typeface="+mn-cs"/>
+        </a:defRPr>
+      </a:lvl3pPr>
+      <a:lvl4pPr marL="1371600" algn="l" defTabSz="914400" rtl="0" eaLnBrk="1" latinLnBrk="0" hangingPunct="1">
+        <a:defRPr sz="1800" kern="1200">
+          <a:solidFill>
+            <a:schemeClr val="tx1"/>
+          </a:solidFill>
+          <a:latin typeface="+mn-lt"/>
+          <a:ea typeface="+mn-ea"/>
+          <a:cs typeface="+mn-cs"/>
+        </a:defRPr>
+      </a:lvl4pPr>
+      <a:lvl5pPr marL="1828800" algn="l" defTabSz="914400" rtl="0" eaLnBrk="1" latinLnBrk="0" hangingPunct="1">
+        <a:defRPr sz="1800" kern="1200">
+          <a:solidFill>
+            <a:schemeClr val="tx1"/>
+          </a:solidFill>
+          <a:latin typeface="+mn-lt"/>
+          <a:ea typeface="+mn-ea"/>
+          <a:cs typeface="+mn-cs"/>
+        </a:defRPr>
+      </a:lvl5pPr>
+      <a:lvl6pPr marL="2286000" algn="l" defTabSz="914400" rtl="0" eaLnBrk="1" latinLnBrk="0" hangingPunct="1">
+        <a:defRPr sz="1800" kern="1200">
+          <a:solidFill>
+            <a:schemeClr val="tx1"/>
+          </a:solidFill>
+          <a:latin typeface="+mn-lt"/>
+          <a:ea typeface="+mn-ea"/>
+          <a:cs typeface="+mn-cs"/>
+        </a:defRPr>
+      </a:lvl6pPr>
+      <a:lvl7pPr marL="2743200" algn="l" defTabSz="914400" rtl="0" eaLnBrk="1" latinLnBrk="0" hangingPunct="1">
+        <a:defRPr sz="1800" kern="1200">
+          <a:solidFill>
+            <a:schemeClr val="tx1"/>
+          </a:solidFill>
+          <a:latin typeface="+mn-lt"/>
+          <a:ea typeface="+mn-ea"/>
+          <a:cs typeface="+mn-cs"/>
+        </a:defRPr>
+      </a:lvl7pPr>
+      <a:lvl8pPr marL="3200400" algn="l" defTabSz="914400" rtl="0" eaLnBrk="1" latinLnBrk="0" hangingPunct="1">
+        <a:defRPr sz="1800" kern="1200">
+          <a:solidFill>
+            <a:schemeClr val="tx1"/>
+          </a:solidFill>
+          <a:latin typeface="+mn-lt"/>
+          <a:ea typeface="+mn-ea"/>
+          <a:cs typeface="+mn-cs"/>
+        </a:defRPr>
+      </a:lvl8pPr>
+      <a:lvl9pPr marL="3657600" algn="l" defTabSz="914400" rtl="0" eaLnBrk="1" latinLnBrk="0" hangingPunct="1">
+        <a:defRPr sz="1800" kern="1200">
+          <a:solidFill>
+            <a:schemeClr val="tx1"/>
+          </a:solidFill>
+          <a:latin typeface="+mn-lt"/>
+          <a:ea typeface="+mn-ea"/>
+          <a:cs typeface="+mn-cs"/>
+        </a:defRPr>
+      </a:lvl9pPr>
+    </p:otherStyle>
+  </p:txStyles>
 </p:sldMaster>
 </file>
 
 <file path=ppt/slides/slide1.xml><?xml version="1.0" encoding="utf-8"?>
-<p:sld xmlns:a="http://schemas.openxmlformats.org/drawingml/2006/main" xmlns:p="http://schemas.openxmlformats.org/presentationml/2006/main" xmlns:r="http://schemas.openxmlformats.org/officeDocument/2006/relationships" xmlns:p14="http://schemas.microsoft.com/office/powerpoint/2010/main" xmlns:p15="http://schemas.microsoft.com/office/powerpoint/2012/main" xmlns:mc="http://schemas.openxmlformats.org/markup-compatibility/2006">
+<p:sld xmlns:a="http://schemas.openxmlformats.org/drawingml/2006/main" xmlns:r="http://schemas.openxmlformats.org/officeDocument/2006/relationships" xmlns:p="http://schemas.openxmlformats.org/presentationml/2006/main">
   <p:cSld>
     <p:spTree>
       <p:nvGrpSpPr>
@@ -5876,7 +6964,7 @@
           <p:nvPr/>
         </p:nvPicPr>
         <p:blipFill>
-          <a:blip r:embed="rId1"/>
+          <a:blip r:embed="rId3"/>
           <a:stretch/>
         </p:blipFill>
         <p:spPr>
@@ -5894,19 +6982,14 @@
       </p:pic>
     </p:spTree>
   </p:cSld>
-  <mc:AlternateContent>
-    <mc:Choice Requires="p14">
-      <p:transition spd="slow" p14:dur="2000"/>
-    </mc:Choice>
-    <mc:Fallback>
-      <p:transition spd="slow"/>
-    </mc:Fallback>
-  </mc:AlternateContent>
+  <p:clrMapOvr>
+    <a:masterClrMapping/>
+  </p:clrMapOvr>
 </p:sld>
 </file>
 
 <file path=ppt/slides/slide2.xml><?xml version="1.0" encoding="utf-8"?>
-<p:sld xmlns:a="http://schemas.openxmlformats.org/drawingml/2006/main" xmlns:p="http://schemas.openxmlformats.org/presentationml/2006/main" xmlns:r="http://schemas.openxmlformats.org/officeDocument/2006/relationships" xmlns:p14="http://schemas.microsoft.com/office/powerpoint/2010/main" xmlns:p15="http://schemas.microsoft.com/office/powerpoint/2012/main" xmlns:mc="http://schemas.openxmlformats.org/markup-compatibility/2006">
+<p:sld xmlns:a="http://schemas.openxmlformats.org/drawingml/2006/main" xmlns:r="http://schemas.openxmlformats.org/officeDocument/2006/relationships" xmlns:p="http://schemas.openxmlformats.org/presentationml/2006/main">
   <p:cSld>
     <p:spTree>
       <p:nvGrpSpPr>
@@ -5942,15 +7025,22 @@
           </a:ln>
         </p:spPr>
         <p:style>
-          <a:lnRef idx="0"/>
-          <a:fillRef idx="0"/>
-          <a:effectRef idx="0"/>
+          <a:lnRef idx="0">
+            <a:scrgbClr r="0" g="0" b="0"/>
+          </a:lnRef>
+          <a:fillRef idx="0">
+            <a:scrgbClr r="0" g="0" b="0"/>
+          </a:fillRef>
+          <a:effectRef idx="0">
+            <a:scrgbClr r="0" g="0" b="0"/>
+          </a:effectRef>
           <a:fontRef idx="minor"/>
         </p:style>
         <p:txBody>
-          <a:bodyPr lIns="90000" rIns="90000" tIns="45000" bIns="45000" anchor="ctr">
+          <a:bodyPr lIns="90000" tIns="45000" rIns="90000" bIns="45000" anchor="ctr">
             <a:noAutofit/>
           </a:bodyPr>
+          <a:lstStyle/>
           <a:p>
             <a:pPr algn="ctr">
               <a:lnSpc>
@@ -5958,7 +7048,7 @@
               </a:lnSpc>
             </a:pPr>
             <a:r>
-              <a:rPr b="0" lang="de-AT" sz="4400" spc="-1" strike="noStrike">
+              <a:rPr lang="de-AT" sz="4400" b="0" strike="noStrike" spc="-1">
                 <a:solidFill>
                   <a:srgbClr val="000000"/>
                 </a:solidFill>
@@ -5967,7 +7057,7 @@
               </a:rPr>
               <a:t>Team</a:t>
             </a:r>
-            <a:endParaRPr b="0" lang="de-AT" sz="4400" spc="-1" strike="noStrike">
+            <a:endParaRPr lang="de-AT" sz="4400" b="0" strike="noStrike" spc="-1">
               <a:latin typeface="Arial"/>
             </a:endParaRPr>
           </a:p>
@@ -5993,15 +7083,22 @@
           </a:ln>
         </p:spPr>
         <p:style>
-          <a:lnRef idx="0"/>
-          <a:fillRef idx="0"/>
-          <a:effectRef idx="0"/>
+          <a:lnRef idx="0">
+            <a:scrgbClr r="0" g="0" b="0"/>
+          </a:lnRef>
+          <a:fillRef idx="0">
+            <a:scrgbClr r="0" g="0" b="0"/>
+          </a:fillRef>
+          <a:effectRef idx="0">
+            <a:scrgbClr r="0" g="0" b="0"/>
+          </a:effectRef>
           <a:fontRef idx="minor"/>
         </p:style>
         <p:txBody>
           <a:bodyPr anchor="ctr">
-            <a:normAutofit/>
-          </a:bodyPr>
+            <a:normAutofit lnSpcReduction="10000"/>
+          </a:bodyPr>
+          <a:lstStyle/>
           <a:p>
             <a:pPr>
               <a:lnSpc>
@@ -6014,11 +7111,11 @@
                 <a:spcPts val="601"/>
               </a:spcAft>
               <a:tabLst>
-                <a:tab algn="l" pos="0"/>
+                <a:tab pos="0" algn="l"/>
               </a:tabLst>
             </a:pPr>
             <a:r>
-              <a:rPr b="0" lang="de-DE" sz="2800" spc="-1" strike="noStrike">
+              <a:rPr lang="de-DE" sz="2800" b="0" strike="noStrike" spc="-1">
                 <a:solidFill>
                   <a:srgbClr val="000000"/>
                 </a:solidFill>
@@ -6028,19 +7125,19 @@
               <a:t>Barbara Pundy (</a:t>
             </a:r>
             <a:r>
-              <a:rPr b="0" lang="de-DE" sz="2800" spc="-1" strike="noStrike" u="sng">
-                <a:solidFill>
-                  <a:srgbClr val="0563c1"/>
+              <a:rPr lang="de-DE" sz="2800" b="0" u="sng" strike="noStrike" spc="-1">
+                <a:solidFill>
+                  <a:srgbClr val="0563C1"/>
                 </a:solidFill>
                 <a:uFillTx/>
                 <a:latin typeface="Calibri"/>
                 <a:ea typeface="Calibri"/>
-                <a:hlinkClick r:id="rId1"/>
+                <a:hlinkClick r:id="rId2"/>
               </a:rPr>
               <a:t>barbara.pundy@s.wu.ac.at</a:t>
             </a:r>
             <a:r>
-              <a:rPr b="0" lang="de-DE" sz="2800" spc="-1" strike="noStrike">
+              <a:rPr lang="de-DE" sz="2800" b="0" strike="noStrike" spc="-1">
                 <a:solidFill>
                   <a:srgbClr val="000000"/>
                 </a:solidFill>
@@ -6049,7 +7146,7 @@
               </a:rPr>
               <a:t>)</a:t>
             </a:r>
-            <a:endParaRPr b="0" lang="de-AT" sz="2800" spc="-1" strike="noStrike">
+            <a:endParaRPr lang="de-AT" sz="2800" b="0" strike="noStrike" spc="-1">
               <a:latin typeface="Arial"/>
             </a:endParaRPr>
           </a:p>
@@ -6065,11 +7162,11 @@
                 <a:spcPts val="601"/>
               </a:spcAft>
               <a:tabLst>
-                <a:tab algn="l" pos="0"/>
+                <a:tab pos="0" algn="l"/>
               </a:tabLst>
             </a:pPr>
             <a:r>
-              <a:rPr b="0" lang="de-DE" sz="2800" spc="-1" strike="noStrike">
+              <a:rPr lang="de-DE" sz="2800" b="0" strike="noStrike" spc="-1">
                 <a:solidFill>
                   <a:srgbClr val="000000"/>
                 </a:solidFill>
@@ -6079,19 +7176,19 @@
               <a:t>Colleen Schneider (</a:t>
             </a:r>
             <a:r>
-              <a:rPr b="0" lang="de-DE" sz="2800" spc="-1" strike="noStrike" u="sng">
-                <a:solidFill>
-                  <a:srgbClr val="0563c1"/>
+              <a:rPr lang="de-DE" sz="2800" b="0" u="sng" strike="noStrike" spc="-1">
+                <a:solidFill>
+                  <a:srgbClr val="0563C1"/>
                 </a:solidFill>
                 <a:uFillTx/>
                 <a:latin typeface="Calibri"/>
                 <a:ea typeface="DejaVu Sans"/>
-                <a:hlinkClick r:id="rId2"/>
+                <a:hlinkClick r:id="rId3"/>
               </a:rPr>
               <a:t>colleen.schneider@wu.ac.at</a:t>
             </a:r>
             <a:r>
-              <a:rPr b="0" lang="de-DE" sz="2800" spc="-1" strike="noStrike">
+              <a:rPr lang="de-DE" sz="2800" b="0" strike="noStrike" spc="-1">
                 <a:solidFill>
                   <a:srgbClr val="000000"/>
                 </a:solidFill>
@@ -6100,7 +7197,7 @@
               </a:rPr>
               <a:t>)</a:t>
             </a:r>
-            <a:endParaRPr b="0" lang="de-AT" sz="2800" spc="-1" strike="noStrike">
+            <a:endParaRPr lang="de-AT" sz="2800" b="0" strike="noStrike" spc="-1">
               <a:latin typeface="Arial"/>
             </a:endParaRPr>
           </a:p>
@@ -6116,11 +7213,11 @@
                 <a:spcPts val="601"/>
               </a:spcAft>
               <a:tabLst>
-                <a:tab algn="l" pos="0"/>
+                <a:tab pos="0" algn="l"/>
               </a:tabLst>
             </a:pPr>
             <a:r>
-              <a:rPr b="0" lang="de-DE" sz="2800" spc="-1" strike="noStrike">
+              <a:rPr lang="de-DE" sz="2800" b="0" strike="noStrike" spc="-1">
                 <a:solidFill>
                   <a:srgbClr val="000000"/>
                 </a:solidFill>
@@ -6130,19 +7227,19 @@
               <a:t>Daniel Winkler (</a:t>
             </a:r>
             <a:r>
-              <a:rPr b="0" lang="de-DE" sz="2800" spc="-1" strike="noStrike" u="sng">
-                <a:solidFill>
-                  <a:srgbClr val="0563c1"/>
+              <a:rPr lang="de-DE" sz="2800" b="0" u="sng" strike="noStrike" spc="-1">
+                <a:solidFill>
+                  <a:srgbClr val="0563C1"/>
                 </a:solidFill>
                 <a:uFillTx/>
                 <a:latin typeface="Calibri"/>
                 <a:ea typeface="DejaVu Sans"/>
-                <a:hlinkClick r:id="rId3"/>
+                <a:hlinkClick r:id="rId4"/>
               </a:rPr>
               <a:t>daniel.winkler@wu.ac.at</a:t>
             </a:r>
             <a:r>
-              <a:rPr b="0" lang="de-DE" sz="2800" spc="-1" strike="noStrike">
+              <a:rPr lang="de-DE" sz="2800" b="0" strike="noStrike" spc="-1">
                 <a:solidFill>
                   <a:srgbClr val="000000"/>
                 </a:solidFill>
@@ -6151,7 +7248,7 @@
               </a:rPr>
               <a:t>)</a:t>
             </a:r>
-            <a:endParaRPr b="0" lang="de-AT" sz="2800" spc="-1" strike="noStrike">
+            <a:endParaRPr lang="de-AT" sz="2800" b="0" strike="noStrike" spc="-1">
               <a:latin typeface="Arial"/>
             </a:endParaRPr>
           </a:p>
@@ -6167,11 +7264,11 @@
                 <a:spcPts val="601"/>
               </a:spcAft>
               <a:tabLst>
-                <a:tab algn="l" pos="0"/>
+                <a:tab pos="0" algn="l"/>
               </a:tabLst>
             </a:pPr>
             <a:r>
-              <a:rPr b="0" lang="de-DE" sz="2800" spc="-1" strike="noStrike">
+              <a:rPr lang="de-DE" sz="2800" b="0" strike="noStrike" spc="-1">
                 <a:solidFill>
                   <a:srgbClr val="000000"/>
                 </a:solidFill>
@@ -6181,19 +7278,19 @@
               <a:t>Severin Rapp (</a:t>
             </a:r>
             <a:r>
-              <a:rPr b="0" lang="de-DE" sz="2800" spc="-1" strike="noStrike" u="sng">
-                <a:solidFill>
-                  <a:srgbClr val="0563c1"/>
+              <a:rPr lang="de-DE" sz="2800" b="0" u="sng" strike="noStrike" spc="-1">
+                <a:solidFill>
+                  <a:srgbClr val="0563C1"/>
                 </a:solidFill>
                 <a:uFillTx/>
                 <a:latin typeface="Calibri"/>
                 <a:ea typeface="DejaVu Sans"/>
-                <a:hlinkClick r:id="rId4"/>
+                <a:hlinkClick r:id="rId5"/>
               </a:rPr>
               <a:t>severin.rapp@wu.ac.at</a:t>
             </a:r>
             <a:r>
-              <a:rPr b="0" lang="de-DE" sz="2800" spc="-1" strike="noStrike">
+              <a:rPr lang="de-DE" sz="2800" b="0" strike="noStrike" spc="-1">
                 <a:solidFill>
                   <a:srgbClr val="000000"/>
                 </a:solidFill>
@@ -6202,7 +7299,7 @@
               </a:rPr>
               <a:t>)</a:t>
             </a:r>
-            <a:endParaRPr b="0" lang="de-AT" sz="2800" spc="-1" strike="noStrike">
+            <a:endParaRPr lang="de-AT" sz="2800" b="0" strike="noStrike" spc="-1">
               <a:latin typeface="Arial"/>
             </a:endParaRPr>
           </a:p>
@@ -6218,11 +7315,11 @@
                 <a:spcPts val="601"/>
               </a:spcAft>
               <a:tabLst>
-                <a:tab algn="l" pos="0"/>
+                <a:tab pos="0" algn="l"/>
               </a:tabLst>
             </a:pPr>
             <a:r>
-              <a:rPr b="0" lang="de-DE" sz="2800" spc="-1" strike="noStrike">
+              <a:rPr lang="de-DE" sz="2800" b="0" strike="noStrike" spc="-1">
                 <a:solidFill>
                   <a:srgbClr val="000000"/>
                 </a:solidFill>
@@ -6232,19 +7329,19 @@
               <a:t>Thomas Neier (</a:t>
             </a:r>
             <a:r>
-              <a:rPr b="0" lang="de-DE" sz="2800" spc="-1" strike="noStrike" u="sng">
-                <a:solidFill>
-                  <a:srgbClr val="0563c1"/>
+              <a:rPr lang="de-DE" sz="2800" b="0" u="sng" strike="noStrike" spc="-1">
+                <a:solidFill>
+                  <a:srgbClr val="0563C1"/>
                 </a:solidFill>
                 <a:uFillTx/>
                 <a:latin typeface="Calibri"/>
                 <a:ea typeface="DejaVu Sans"/>
-                <a:hlinkClick r:id="rId5"/>
+                <a:hlinkClick r:id="rId6"/>
               </a:rPr>
               <a:t>thomas.neier@wu.ac.at</a:t>
             </a:r>
             <a:r>
-              <a:rPr b="0" lang="de-DE" sz="2800" spc="-1" strike="noStrike">
+              <a:rPr lang="de-DE" sz="2800" b="0" strike="noStrike" spc="-1">
                 <a:solidFill>
                   <a:srgbClr val="000000"/>
                 </a:solidFill>
@@ -6253,7 +7350,7 @@
               </a:rPr>
               <a:t>)</a:t>
             </a:r>
-            <a:endParaRPr b="0" lang="de-AT" sz="2800" spc="-1" strike="noStrike">
+            <a:endParaRPr lang="de-AT" sz="2800" b="0" strike="noStrike" spc="-1">
               <a:latin typeface="Arial"/>
             </a:endParaRPr>
           </a:p>
@@ -6269,10 +7366,10 @@
                 <a:spcPts val="601"/>
               </a:spcAft>
               <a:tabLst>
-                <a:tab algn="l" pos="0"/>
+                <a:tab pos="0" algn="l"/>
               </a:tabLst>
             </a:pPr>
-            <a:endParaRPr b="0" lang="de-AT" sz="2800" spc="-1" strike="noStrike">
+            <a:endParaRPr lang="de-AT" sz="2800" b="0" strike="noStrike" spc="-1">
               <a:latin typeface="Arial"/>
             </a:endParaRPr>
           </a:p>
@@ -6288,10 +7385,10 @@
                 <a:spcPts val="601"/>
               </a:spcAft>
               <a:tabLst>
-                <a:tab algn="l" pos="0"/>
+                <a:tab pos="0" algn="l"/>
               </a:tabLst>
             </a:pPr>
-            <a:endParaRPr b="0" lang="de-AT" sz="2800" spc="-1" strike="noStrike">
+            <a:endParaRPr lang="de-AT" sz="2800" b="0" strike="noStrike" spc="-1">
               <a:latin typeface="Arial"/>
             </a:endParaRPr>
           </a:p>
@@ -6307,23 +7404,23 @@
                 <a:spcPts val="601"/>
               </a:spcAft>
               <a:tabLst>
-                <a:tab algn="l" pos="0"/>
+                <a:tab pos="0" algn="l"/>
               </a:tabLst>
             </a:pPr>
             <a:r>
-              <a:rPr b="0" lang="de-AT" sz="2400" spc="-1" strike="noStrike" u="sng">
-                <a:solidFill>
-                  <a:srgbClr val="0563c1"/>
+              <a:rPr lang="de-AT" sz="2400" b="0" u="sng" strike="noStrike" spc="-1">
+                <a:solidFill>
+                  <a:srgbClr val="0563C1"/>
                 </a:solidFill>
                 <a:uFillTx/>
                 <a:latin typeface="Calibri"/>
                 <a:ea typeface="DejaVu Sans"/>
-                <a:hlinkClick r:id="rId6"/>
+                <a:hlinkClick r:id="rId7"/>
               </a:rPr>
               <a:t>Studienvertretung Doktorat WU</a:t>
             </a:r>
             <a:r>
-              <a:rPr b="0" lang="de-AT" sz="2400" spc="-1" strike="noStrike">
+              <a:rPr lang="de-AT" sz="2400" b="0" strike="noStrike" spc="-1">
                 <a:solidFill>
                   <a:srgbClr val="000000"/>
                 </a:solidFill>
@@ -6332,7 +7429,7 @@
               </a:rPr>
               <a:t> </a:t>
             </a:r>
-            <a:endParaRPr b="0" lang="de-AT" sz="2400" spc="-1" strike="noStrike">
+            <a:endParaRPr lang="de-AT" sz="2400" b="0" strike="noStrike" spc="-1">
               <a:latin typeface="Arial"/>
             </a:endParaRPr>
           </a:p>
@@ -6345,13 +7442,13 @@
                 <a:spcPts val="499"/>
               </a:spcBef>
               <a:tabLst>
-                <a:tab algn="l" pos="0"/>
+                <a:tab pos="0" algn="l"/>
               </a:tabLst>
             </a:pPr>
             <a:r>
-              <a:rPr b="0" lang="de-AT" sz="2000" spc="-1" strike="noStrike" u="sng">
-                <a:solidFill>
-                  <a:srgbClr val="0563c1"/>
+              <a:rPr lang="de-AT" sz="2000" b="0" u="sng" strike="noStrike" spc="-1">
+                <a:solidFill>
+                  <a:srgbClr val="0563C1"/>
                 </a:solidFill>
                 <a:uFillTx/>
                 <a:latin typeface="Calibri"/>
@@ -6360,7 +7457,7 @@
               </a:rPr>
               <a:t>https://www.facebook.com/StV.Doktorat.WU/</a:t>
             </a:r>
-            <a:endParaRPr b="0" lang="de-AT" sz="2000" spc="-1" strike="noStrike">
+            <a:endParaRPr lang="de-AT" sz="2000" b="0" strike="noStrike" spc="-1">
               <a:latin typeface="Arial"/>
             </a:endParaRPr>
           </a:p>
@@ -6376,10 +7473,10 @@
                 <a:spcPts val="601"/>
               </a:spcAft>
               <a:tabLst>
-                <a:tab algn="l" pos="0"/>
+                <a:tab pos="0" algn="l"/>
               </a:tabLst>
             </a:pPr>
-            <a:endParaRPr b="0" lang="de-AT" sz="2000" spc="-1" strike="noStrike">
+            <a:endParaRPr lang="de-AT" sz="2000" b="0" strike="noStrike" spc="-1">
               <a:latin typeface="Arial"/>
             </a:endParaRPr>
           </a:p>
@@ -6393,7 +7490,7 @@
         </p:nvPicPr>
         <p:blipFill>
           <a:blip r:embed="rId8"/>
-          <a:srcRect l="0" t="17381" r="0" b="17125"/>
+          <a:srcRect t="17381" b="17125"/>
           <a:stretch/>
         </p:blipFill>
         <p:spPr>
@@ -6411,7 +7508,7 @@
       </p:pic>
       <p:pic>
         <p:nvPicPr>
-          <p:cNvPr id="124" name="Grafik 5" descr=""/>
+          <p:cNvPr id="124" name="Grafik 5"/>
           <p:cNvPicPr/>
           <p:nvPr/>
         </p:nvPicPr>
@@ -6434,13 +7531,13 @@
       </p:pic>
       <p:pic>
         <p:nvPicPr>
-          <p:cNvPr id="125" name="Picture 2" descr=""/>
+          <p:cNvPr id="125" name="Picture 2"/>
           <p:cNvPicPr/>
           <p:nvPr/>
         </p:nvPicPr>
         <p:blipFill>
           <a:blip r:embed="rId10"/>
-          <a:srcRect l="23868" t="113" r="0" b="790"/>
+          <a:srcRect l="23868" t="113" b="790"/>
           <a:stretch/>
         </p:blipFill>
         <p:spPr>
@@ -6458,7 +7555,7 @@
       </p:pic>
       <p:pic>
         <p:nvPicPr>
-          <p:cNvPr id="126" name="Picture 7" descr=""/>
+          <p:cNvPr id="126" name="Picture 7"/>
           <p:cNvPicPr/>
           <p:nvPr/>
         </p:nvPicPr>
@@ -6481,7 +7578,7 @@
       </p:pic>
       <p:pic>
         <p:nvPicPr>
-          <p:cNvPr id="127" name="Picture 8" descr=""/>
+          <p:cNvPr id="127" name="Picture 8"/>
           <p:cNvPicPr/>
           <p:nvPr/>
         </p:nvPicPr>
@@ -6527,7 +7624,7 @@
       </p:pic>
       <p:pic>
         <p:nvPicPr>
-          <p:cNvPr id="129" name="Picture 10" descr=""/>
+          <p:cNvPr id="129" name="Picture 10"/>
           <p:cNvPicPr/>
           <p:nvPr/>
         </p:nvPicPr>
@@ -6550,19 +7647,14 @@
       </p:pic>
     </p:spTree>
   </p:cSld>
-  <mc:AlternateContent>
-    <mc:Choice Requires="p14">
-      <p:transition spd="slow" p14:dur="2000"/>
-    </mc:Choice>
-    <mc:Fallback>
-      <p:transition spd="slow"/>
-    </mc:Fallback>
-  </mc:AlternateContent>
+  <p:clrMapOvr>
+    <a:masterClrMapping/>
+  </p:clrMapOvr>
 </p:sld>
 </file>
 
 <file path=ppt/slides/slide3.xml><?xml version="1.0" encoding="utf-8"?>
-<p:sld xmlns:a="http://schemas.openxmlformats.org/drawingml/2006/main" xmlns:p="http://schemas.openxmlformats.org/presentationml/2006/main" xmlns:r="http://schemas.openxmlformats.org/officeDocument/2006/relationships" xmlns:p14="http://schemas.microsoft.com/office/powerpoint/2010/main" xmlns:p15="http://schemas.microsoft.com/office/powerpoint/2012/main" xmlns:mc="http://schemas.openxmlformats.org/markup-compatibility/2006">
+<p:sld xmlns:a="http://schemas.openxmlformats.org/drawingml/2006/main" xmlns:r="http://schemas.openxmlformats.org/officeDocument/2006/relationships" xmlns:p="http://schemas.openxmlformats.org/presentationml/2006/main">
   <p:cSld>
     <p:spTree>
       <p:nvGrpSpPr>
@@ -6598,15 +7690,22 @@
           </a:ln>
         </p:spPr>
         <p:style>
-          <a:lnRef idx="0"/>
-          <a:fillRef idx="0"/>
-          <a:effectRef idx="0"/>
+          <a:lnRef idx="0">
+            <a:scrgbClr r="0" g="0" b="0"/>
+          </a:lnRef>
+          <a:fillRef idx="0">
+            <a:scrgbClr r="0" g="0" b="0"/>
+          </a:fillRef>
+          <a:effectRef idx="0">
+            <a:scrgbClr r="0" g="0" b="0"/>
+          </a:effectRef>
           <a:fontRef idx="minor"/>
         </p:style>
         <p:txBody>
-          <a:bodyPr lIns="90000" rIns="90000" tIns="45000" bIns="45000" anchor="ctr">
+          <a:bodyPr lIns="90000" tIns="45000" rIns="90000" bIns="45000" anchor="ctr">
             <a:normAutofit/>
           </a:bodyPr>
+          <a:lstStyle/>
           <a:p>
             <a:pPr algn="ctr">
               <a:lnSpc>
@@ -6614,7 +7713,7 @@
               </a:lnSpc>
             </a:pPr>
             <a:r>
-              <a:rPr b="0" lang="de-AT" sz="4400" spc="-1" strike="noStrike">
+              <a:rPr lang="de-AT" sz="4400" b="0" strike="noStrike" spc="-1">
                 <a:solidFill>
                   <a:srgbClr val="000000"/>
                 </a:solidFill>
@@ -6623,7 +7722,7 @@
               </a:rPr>
               <a:t>Grants </a:t>
             </a:r>
-            <a:endParaRPr b="0" lang="de-AT" sz="4400" spc="-1" strike="noStrike">
+            <a:endParaRPr lang="de-AT" sz="4400" b="0" strike="noStrike" spc="-1">
               <a:latin typeface="Arial"/>
             </a:endParaRPr>
           </a:p>
@@ -6636,8 +7735,8 @@
           <p:nvPr/>
         </p:nvPicPr>
         <p:blipFill>
-          <a:blip r:embed="rId1"/>
-          <a:srcRect l="0" t="17381" r="0" b="17125"/>
+          <a:blip r:embed="rId2"/>
+          <a:srcRect t="17381" b="17125"/>
           <a:stretch/>
         </p:blipFill>
         <p:spPr>
@@ -6673,15 +7772,22 @@
           </a:ln>
         </p:spPr>
         <p:style>
-          <a:lnRef idx="0"/>
-          <a:fillRef idx="0"/>
-          <a:effectRef idx="0"/>
+          <a:lnRef idx="0">
+            <a:scrgbClr r="0" g="0" b="0"/>
+          </a:lnRef>
+          <a:fillRef idx="0">
+            <a:scrgbClr r="0" g="0" b="0"/>
+          </a:fillRef>
+          <a:effectRef idx="0">
+            <a:scrgbClr r="0" g="0" b="0"/>
+          </a:effectRef>
           <a:fontRef idx="minor"/>
         </p:style>
         <p:txBody>
           <a:bodyPr>
             <a:noAutofit/>
           </a:bodyPr>
+          <a:lstStyle/>
           <a:p>
             <a:pPr>
               <a:lnSpc>
@@ -6691,7 +7797,7 @@
                 <a:spcPts val="1001"/>
               </a:spcBef>
             </a:pPr>
-            <a:endParaRPr b="0" lang="de-AT" sz="1800" spc="-1" strike="noStrike">
+            <a:endParaRPr lang="de-AT" sz="1800" b="0" strike="noStrike" spc="-1" dirty="0">
               <a:latin typeface="Arial"/>
             </a:endParaRPr>
           </a:p>
@@ -6710,16 +7816,116 @@
               <a:buChar char="•"/>
             </a:pPr>
             <a:r>
-              <a:rPr b="0" lang="de-AT" sz="2800" spc="-1" strike="noStrike">
+              <a:rPr lang="de-AT" sz="2800" b="0" strike="noStrike" spc="-1" dirty="0">
                 <a:solidFill>
                   <a:srgbClr val="000000"/>
                 </a:solidFill>
                 <a:latin typeface="Calibri"/>
                 <a:ea typeface="DejaVu Sans"/>
               </a:rPr>
-              <a:t>Grants for printing and proofreading of dissertation:</a:t>
-            </a:r>
-            <a:endParaRPr b="0" lang="de-AT" sz="2800" spc="-1" strike="noStrike">
+              <a:t>Grants </a:t>
+            </a:r>
+            <a:r>
+              <a:rPr lang="de-AT" sz="2800" b="0" strike="noStrike" spc="-1" dirty="0" err="1">
+                <a:solidFill>
+                  <a:srgbClr val="000000"/>
+                </a:solidFill>
+                <a:latin typeface="Calibri"/>
+                <a:ea typeface="DejaVu Sans"/>
+              </a:rPr>
+              <a:t>for</a:t>
+            </a:r>
+            <a:r>
+              <a:rPr lang="de-AT" sz="2800" b="0" strike="noStrike" spc="-1" dirty="0">
+                <a:solidFill>
+                  <a:srgbClr val="000000"/>
+                </a:solidFill>
+                <a:latin typeface="Calibri"/>
+                <a:ea typeface="DejaVu Sans"/>
+              </a:rPr>
+              <a:t> </a:t>
+            </a:r>
+            <a:r>
+              <a:rPr lang="de-AT" sz="2800" b="0" strike="noStrike" spc="-1" dirty="0" err="1">
+                <a:solidFill>
+                  <a:srgbClr val="000000"/>
+                </a:solidFill>
+                <a:latin typeface="Calibri"/>
+                <a:ea typeface="DejaVu Sans"/>
+              </a:rPr>
+              <a:t>printing</a:t>
+            </a:r>
+            <a:r>
+              <a:rPr lang="de-AT" sz="2800" b="0" strike="noStrike" spc="-1" dirty="0">
+                <a:solidFill>
+                  <a:srgbClr val="000000"/>
+                </a:solidFill>
+                <a:latin typeface="Calibri"/>
+                <a:ea typeface="DejaVu Sans"/>
+              </a:rPr>
+              <a:t> and </a:t>
+            </a:r>
+            <a:r>
+              <a:rPr lang="de-AT" sz="2800" b="0" strike="noStrike" spc="-1" dirty="0" err="1">
+                <a:solidFill>
+                  <a:srgbClr val="000000"/>
+                </a:solidFill>
+                <a:latin typeface="Calibri"/>
+                <a:ea typeface="DejaVu Sans"/>
+              </a:rPr>
+              <a:t>proofreading</a:t>
+            </a:r>
+            <a:r>
+              <a:rPr lang="de-AT" sz="2800" b="0" strike="noStrike" spc="-1" dirty="0">
+                <a:solidFill>
+                  <a:srgbClr val="000000"/>
+                </a:solidFill>
+                <a:latin typeface="Calibri"/>
+                <a:ea typeface="DejaVu Sans"/>
+              </a:rPr>
+              <a:t> </a:t>
+            </a:r>
+            <a:r>
+              <a:rPr lang="de-AT" sz="2800" b="0" strike="noStrike" spc="-1" dirty="0" err="1">
+                <a:solidFill>
+                  <a:srgbClr val="000000"/>
+                </a:solidFill>
+                <a:latin typeface="Calibri"/>
+                <a:ea typeface="DejaVu Sans"/>
+              </a:rPr>
+              <a:t>of</a:t>
+            </a:r>
+            <a:r>
+              <a:rPr lang="de-AT" sz="2800" b="0" strike="noStrike" spc="-1" dirty="0">
+                <a:solidFill>
+                  <a:srgbClr val="000000"/>
+                </a:solidFill>
+                <a:latin typeface="Calibri"/>
+                <a:ea typeface="DejaVu Sans"/>
+              </a:rPr>
+              <a:t> </a:t>
+            </a:r>
+            <a:r>
+              <a:rPr lang="de-AT" sz="2800" b="0" strike="noStrike" spc="-1" dirty="0" err="1">
+                <a:solidFill>
+                  <a:srgbClr val="000000"/>
+                </a:solidFill>
+                <a:latin typeface="Calibri"/>
+                <a:ea typeface="DejaVu Sans"/>
+              </a:rPr>
+              <a:t>dissertation</a:t>
+            </a:r>
+            <a:r>
+              <a:rPr lang="de-AT" sz="2800" b="0" strike="noStrike" spc="-1" dirty="0">
+                <a:solidFill>
+                  <a:srgbClr val="000000"/>
+                </a:solidFill>
+                <a:latin typeface="Calibri"/>
+                <a:ea typeface="DejaVu Sans"/>
+              </a:rPr>
+              <a:t>:</a:t>
+            </a:r>
+            <a:endParaRPr lang="de-AT" sz="2800" b="0" strike="noStrike" spc="-1" dirty="0">
               <a:latin typeface="Arial"/>
             </a:endParaRPr>
           </a:p>
@@ -6738,26 +7944,16 @@
               <a:buChar char="•"/>
             </a:pPr>
             <a:r>
-              <a:rPr b="1" lang="de-AT" sz="2800" spc="-1" strike="noStrike">
+              <a:rPr lang="de-AT" sz="2800" b="1" strike="noStrike" spc="-1" dirty="0">
                 <a:solidFill>
                   <a:srgbClr val="000000"/>
                 </a:solidFill>
                 <a:latin typeface="Calibri"/>
                 <a:ea typeface="DejaVu Sans"/>
               </a:rPr>
-              <a:t> </a:t>
-            </a:r>
-            <a:r>
-              <a:rPr b="1" lang="de-AT" sz="2800" spc="-1" strike="noStrike">
-                <a:solidFill>
-                  <a:srgbClr val="000000"/>
-                </a:solidFill>
-                <a:latin typeface="Calibri"/>
-                <a:ea typeface="DejaVu Sans"/>
-              </a:rPr>
-              <a:t>150€ pro Person </a:t>
-            </a:r>
-            <a:endParaRPr b="0" lang="de-AT" sz="2800" spc="-1" strike="noStrike">
+              <a:t> 150€ pro Person </a:t>
+            </a:r>
+            <a:endParaRPr lang="de-AT" sz="2800" b="0" strike="noStrike" spc="-1" dirty="0">
               <a:latin typeface="Arial"/>
             </a:endParaRPr>
           </a:p>
@@ -6776,28 +7972,78 @@
               <a:buChar char="•"/>
             </a:pPr>
             <a:r>
-              <a:rPr b="0" lang="de-AT" sz="2800" spc="-1" strike="noStrike">
+              <a:rPr lang="de-AT" sz="2800" b="0" strike="noStrike" spc="-1" dirty="0" err="1">
                 <a:solidFill>
                   <a:srgbClr val="000000"/>
                 </a:solidFill>
                 <a:latin typeface="Calibri"/>
                 <a:ea typeface="DejaVu Sans"/>
               </a:rPr>
-              <a:t>If interested, send email to </a:t>
-            </a:r>
-            <a:r>
-              <a:rPr b="0" lang="de-AT" sz="2800" spc="-1" strike="noStrike" u="sng">
-                <a:solidFill>
-                  <a:srgbClr val="0563c1"/>
+              <a:t>If</a:t>
+            </a:r>
+            <a:r>
+              <a:rPr lang="de-AT" sz="2800" b="0" strike="noStrike" spc="-1" dirty="0">
+                <a:solidFill>
+                  <a:srgbClr val="000000"/>
+                </a:solidFill>
+                <a:latin typeface="Calibri"/>
+                <a:ea typeface="DejaVu Sans"/>
+              </a:rPr>
+              <a:t> </a:t>
+            </a:r>
+            <a:r>
+              <a:rPr lang="de-AT" sz="2800" b="0" strike="noStrike" spc="-1" dirty="0" err="1">
+                <a:solidFill>
+                  <a:srgbClr val="000000"/>
+                </a:solidFill>
+                <a:latin typeface="Calibri"/>
+                <a:ea typeface="DejaVu Sans"/>
+              </a:rPr>
+              <a:t>interested</a:t>
+            </a:r>
+            <a:r>
+              <a:rPr lang="de-AT" sz="2800" b="0" strike="noStrike" spc="-1" dirty="0">
+                <a:solidFill>
+                  <a:srgbClr val="000000"/>
+                </a:solidFill>
+                <a:latin typeface="Calibri"/>
+                <a:ea typeface="DejaVu Sans"/>
+              </a:rPr>
+              <a:t>, send email </a:t>
+            </a:r>
+            <a:r>
+              <a:rPr lang="de-AT" sz="2800" b="0" strike="noStrike" spc="-1" dirty="0" err="1">
+                <a:solidFill>
+                  <a:srgbClr val="000000"/>
+                </a:solidFill>
+                <a:latin typeface="Calibri"/>
+                <a:ea typeface="DejaVu Sans"/>
+              </a:rPr>
+              <a:t>to</a:t>
+            </a:r>
+            <a:r>
+              <a:rPr lang="de-AT" sz="2800" b="0" strike="noStrike" spc="-1" dirty="0">
+                <a:solidFill>
+                  <a:srgbClr val="000000"/>
+                </a:solidFill>
+                <a:latin typeface="Calibri"/>
+                <a:ea typeface="DejaVu Sans"/>
+              </a:rPr>
+              <a:t> </a:t>
+            </a:r>
+            <a:r>
+              <a:rPr lang="de-AT" sz="2800" b="0" u="sng" strike="noStrike" spc="-1" dirty="0">
+                <a:solidFill>
+                  <a:srgbClr val="0563C1"/>
                 </a:solidFill>
                 <a:uFillTx/>
                 <a:latin typeface="Calibri"/>
                 <a:ea typeface="DejaVu Sans"/>
-                <a:hlinkClick r:id="rId2"/>
+                <a:hlinkClick r:id="rId3"/>
               </a:rPr>
               <a:t>daniel.winkler@wu.ac.at</a:t>
             </a:r>
-            <a:endParaRPr b="0" lang="de-AT" sz="2800" spc="-1" strike="noStrike">
+            <a:endParaRPr lang="de-AT" sz="2800" b="0" strike="noStrike" spc="-1" dirty="0">
               <a:latin typeface="Arial"/>
             </a:endParaRPr>
           </a:p>
@@ -6816,16 +8062,146 @@
               <a:buChar char="•"/>
             </a:pPr>
             <a:r>
-              <a:rPr b="0" lang="de-AT" sz="2800" spc="-1" strike="noStrike">
+              <a:rPr lang="de-AT" sz="2800" b="0" strike="noStrike" spc="-1" dirty="0" err="1">
                 <a:solidFill>
                   <a:srgbClr val="000000"/>
                 </a:solidFill>
                 <a:latin typeface="Calibri"/>
                 <a:ea typeface="DejaVu Sans"/>
               </a:rPr>
-              <a:t>Only for students of Dr SoWi, PhD WiSo und PhD Finance!</a:t>
-            </a:r>
-            <a:endParaRPr b="0" lang="de-AT" sz="2800" spc="-1" strike="noStrike">
+              <a:t>Only</a:t>
+            </a:r>
+            <a:r>
+              <a:rPr lang="de-AT" sz="2800" b="0" strike="noStrike" spc="-1" dirty="0">
+                <a:solidFill>
+                  <a:srgbClr val="000000"/>
+                </a:solidFill>
+                <a:latin typeface="Calibri"/>
+                <a:ea typeface="DejaVu Sans"/>
+              </a:rPr>
+              <a:t> </a:t>
+            </a:r>
+            <a:r>
+              <a:rPr lang="de-AT" sz="2800" b="0" strike="noStrike" spc="-1" dirty="0" err="1">
+                <a:solidFill>
+                  <a:srgbClr val="000000"/>
+                </a:solidFill>
+                <a:latin typeface="Calibri"/>
+                <a:ea typeface="DejaVu Sans"/>
+              </a:rPr>
+              <a:t>for</a:t>
+            </a:r>
+            <a:r>
+              <a:rPr lang="de-AT" sz="2800" b="0" strike="noStrike" spc="-1" dirty="0">
+                <a:solidFill>
+                  <a:srgbClr val="000000"/>
+                </a:solidFill>
+                <a:latin typeface="Calibri"/>
+                <a:ea typeface="DejaVu Sans"/>
+              </a:rPr>
+              <a:t> </a:t>
+            </a:r>
+            <a:r>
+              <a:rPr lang="de-AT" sz="2800" b="0" strike="noStrike" spc="-1" dirty="0" err="1">
+                <a:solidFill>
+                  <a:srgbClr val="000000"/>
+                </a:solidFill>
+                <a:latin typeface="Calibri"/>
+                <a:ea typeface="DejaVu Sans"/>
+              </a:rPr>
+              <a:t>students</a:t>
+            </a:r>
+            <a:r>
+              <a:rPr lang="de-AT" sz="2800" b="0" strike="noStrike" spc="-1" dirty="0">
+                <a:solidFill>
+                  <a:srgbClr val="000000"/>
+                </a:solidFill>
+                <a:latin typeface="Calibri"/>
+                <a:ea typeface="DejaVu Sans"/>
+              </a:rPr>
+              <a:t> </a:t>
+            </a:r>
+            <a:r>
+              <a:rPr lang="de-AT" sz="2800" b="0" strike="noStrike" spc="-1" dirty="0" err="1">
+                <a:solidFill>
+                  <a:srgbClr val="000000"/>
+                </a:solidFill>
+                <a:latin typeface="Calibri"/>
+                <a:ea typeface="DejaVu Sans"/>
+              </a:rPr>
+              <a:t>of</a:t>
+            </a:r>
+            <a:r>
+              <a:rPr lang="de-AT" sz="2800" b="0" strike="noStrike" spc="-1" dirty="0">
+                <a:solidFill>
+                  <a:srgbClr val="000000"/>
+                </a:solidFill>
+                <a:latin typeface="Calibri"/>
+                <a:ea typeface="DejaVu Sans"/>
+              </a:rPr>
+              <a:t> </a:t>
+            </a:r>
+            <a:r>
+              <a:rPr lang="de-AT" sz="2800" b="0" strike="noStrike" spc="-1" dirty="0" err="1">
+                <a:solidFill>
+                  <a:srgbClr val="000000"/>
+                </a:solidFill>
+                <a:latin typeface="Calibri"/>
+                <a:ea typeface="DejaVu Sans"/>
+              </a:rPr>
+              <a:t>Dr</a:t>
+            </a:r>
+            <a:r>
+              <a:rPr lang="de-AT" sz="2800" b="0" strike="noStrike" spc="-1" dirty="0">
+                <a:solidFill>
+                  <a:srgbClr val="000000"/>
+                </a:solidFill>
+                <a:latin typeface="Calibri"/>
+                <a:ea typeface="DejaVu Sans"/>
+              </a:rPr>
+              <a:t> </a:t>
+            </a:r>
+            <a:r>
+              <a:rPr lang="de-AT" sz="2800" b="0" strike="noStrike" spc="-1" dirty="0" err="1">
+                <a:solidFill>
+                  <a:srgbClr val="000000"/>
+                </a:solidFill>
+                <a:latin typeface="Calibri"/>
+                <a:ea typeface="DejaVu Sans"/>
+              </a:rPr>
+              <a:t>SoWi</a:t>
+            </a:r>
+            <a:r>
+              <a:rPr lang="de-AT" sz="2800" b="0" strike="noStrike" spc="-1" dirty="0">
+                <a:solidFill>
+                  <a:srgbClr val="000000"/>
+                </a:solidFill>
+                <a:latin typeface="Calibri"/>
+                <a:ea typeface="DejaVu Sans"/>
+              </a:rPr>
+              <a:t>, PhD </a:t>
+            </a:r>
+            <a:r>
+              <a:rPr lang="de-AT" sz="2800" b="0" strike="noStrike" spc="-1" dirty="0" err="1">
+                <a:solidFill>
+                  <a:srgbClr val="000000"/>
+                </a:solidFill>
+                <a:latin typeface="Calibri"/>
+                <a:ea typeface="DejaVu Sans"/>
+              </a:rPr>
+              <a:t>WiSo</a:t>
+            </a:r>
+            <a:r>
+              <a:rPr lang="de-AT" sz="2800" b="0" strike="noStrike" spc="-1" dirty="0">
+                <a:solidFill>
+                  <a:srgbClr val="000000"/>
+                </a:solidFill>
+                <a:latin typeface="Calibri"/>
+                <a:ea typeface="DejaVu Sans"/>
+              </a:rPr>
+              <a:t> und PhD Finance!</a:t>
+            </a:r>
+            <a:endParaRPr lang="de-AT" sz="2800" b="0" strike="noStrike" spc="-1" dirty="0">
               <a:latin typeface="Arial"/>
             </a:endParaRPr>
           </a:p>
@@ -6844,21 +8220,61 @@
               <a:buChar char="•"/>
             </a:pPr>
             <a:r>
-              <a:rPr b="0" lang="de-AT" sz="2800" spc="-1" strike="noStrike">
+              <a:rPr lang="de-AT" sz="2800" b="0" strike="noStrike" spc="-1" dirty="0">
                 <a:solidFill>
                   <a:srgbClr val="000000"/>
                 </a:solidFill>
                 <a:latin typeface="Calibri"/>
                 <a:ea typeface="DejaVu Sans"/>
               </a:rPr>
-              <a:t>Not from us:</a:t>
-            </a:r>
-            <a:endParaRPr b="0" lang="de-AT" sz="2800" spc="-1" strike="noStrike">
-              <a:latin typeface="Arial"/>
-            </a:endParaRPr>
-          </a:p>
-          <a:p>
-            <a:pPr lvl="1" marL="432000" indent="-216000">
+              <a:t>Not </a:t>
+            </a:r>
+            <a:r>
+              <a:rPr lang="de-AT" sz="2800" b="0" strike="noStrike" spc="-1" dirty="0" err="1">
+                <a:solidFill>
+                  <a:srgbClr val="000000"/>
+                </a:solidFill>
+                <a:latin typeface="Calibri"/>
+                <a:ea typeface="DejaVu Sans"/>
+              </a:rPr>
+              <a:t>from</a:t>
+            </a:r>
+            <a:r>
+              <a:rPr lang="de-AT" sz="2800" b="0" strike="noStrike" spc="-1" dirty="0">
+                <a:solidFill>
+                  <a:srgbClr val="000000"/>
+                </a:solidFill>
+                <a:latin typeface="Calibri"/>
+                <a:ea typeface="DejaVu Sans"/>
+              </a:rPr>
+              <a:t> </a:t>
+            </a:r>
+            <a:r>
+              <a:rPr lang="de-AT" sz="2800" b="0" strike="noStrike" spc="-1" dirty="0" err="1">
+                <a:solidFill>
+                  <a:srgbClr val="000000"/>
+                </a:solidFill>
+                <a:latin typeface="Calibri"/>
+                <a:ea typeface="DejaVu Sans"/>
+              </a:rPr>
+              <a:t>us</a:t>
+            </a:r>
+            <a:r>
+              <a:rPr lang="de-AT" sz="2800" b="0" strike="noStrike" spc="-1" dirty="0">
+                <a:solidFill>
+                  <a:srgbClr val="000000"/>
+                </a:solidFill>
+                <a:latin typeface="Calibri"/>
+                <a:ea typeface="DejaVu Sans"/>
+              </a:rPr>
+              <a:t>:</a:t>
+            </a:r>
+            <a:endParaRPr lang="de-AT" sz="2800" b="0" strike="noStrike" spc="-1" dirty="0">
+              <a:latin typeface="Arial"/>
+            </a:endParaRPr>
+          </a:p>
+          <a:p>
+            <a:pPr marL="432000" lvl="1" indent="-216000">
               <a:lnSpc>
                 <a:spcPct val="90000"/>
               </a:lnSpc>
@@ -6873,23 +8289,23 @@
               <a:buChar char=""/>
             </a:pPr>
             <a:r>
-              <a:rPr b="0" lang="de-AT" sz="2800" spc="-1" strike="noStrike" u="sng">
+              <a:rPr lang="de-AT" sz="2800" b="0" u="sng" strike="noStrike" spc="-1" dirty="0">
                 <a:solidFill>
                   <a:srgbClr val="000000"/>
                 </a:solidFill>
                 <a:uFillTx/>
                 <a:latin typeface="Calibri"/>
                 <a:ea typeface="DejaVu Sans"/>
-                <a:hlinkClick r:id="rId3"/>
+                <a:hlinkClick r:id="rId4"/>
               </a:rPr>
               <a:t>https://literar.at/mitglieder/ske/stipendien</a:t>
             </a:r>
-            <a:endParaRPr b="0" lang="de-AT" sz="2800" spc="-1" strike="noStrike">
-              <a:latin typeface="Arial"/>
-            </a:endParaRPr>
-          </a:p>
-          <a:p>
-            <a:pPr lvl="1" marL="432000" indent="-216000">
+            <a:endParaRPr lang="de-AT" sz="2800" b="0" strike="noStrike" spc="-1" dirty="0">
+              <a:latin typeface="Arial"/>
+            </a:endParaRPr>
+          </a:p>
+          <a:p>
+            <a:pPr marL="432000" lvl="1" indent="-216000">
               <a:lnSpc>
                 <a:spcPct val="90000"/>
               </a:lnSpc>
@@ -6904,16 +8320,27 @@
               <a:buChar char=""/>
             </a:pPr>
             <a:r>
-              <a:rPr b="0" lang="de-AT" sz="2800" spc="-1" strike="noStrike">
+              <a:rPr lang="de-AT" sz="2800" b="0" strike="noStrike" spc="-1" dirty="0">
                 <a:solidFill>
                   <a:srgbClr val="000000"/>
                 </a:solidFill>
                 <a:latin typeface="Calibri"/>
                 <a:ea typeface="DejaVu Sans"/>
               </a:rPr>
-              <a:t>See pdf</a:t>
-            </a:r>
-            <a:endParaRPr b="0" lang="de-AT" sz="2800" spc="-1" strike="noStrike">
+              <a:t>See </a:t>
+            </a:r>
+            <a:r>
+              <a:rPr lang="de-AT" sz="2800" b="0" strike="noStrike" spc="-1" dirty="0" err="1">
+                <a:solidFill>
+                  <a:srgbClr val="000000"/>
+                </a:solidFill>
+                <a:latin typeface="Calibri"/>
+                <a:ea typeface="DejaVu Sans"/>
+                <a:hlinkClick r:id="rId5"/>
+              </a:rPr>
+              <a:t>pdf</a:t>
+            </a:r>
+            <a:endParaRPr lang="de-AT" sz="2800" b="0" strike="noStrike" spc="-1" dirty="0">
               <a:latin typeface="Arial"/>
             </a:endParaRPr>
           </a:p>
@@ -6926,7 +8353,7 @@
                 <a:spcPts val="1001"/>
               </a:spcBef>
             </a:pPr>
-            <a:endParaRPr b="0" lang="de-AT" sz="2800" spc="-1" strike="noStrike">
+            <a:endParaRPr lang="de-AT" sz="2800" b="0" strike="noStrike" spc="-1" dirty="0">
               <a:latin typeface="Arial"/>
             </a:endParaRPr>
           </a:p>
@@ -6934,19 +8361,14 @@
       </p:sp>
     </p:spTree>
   </p:cSld>
-  <mc:AlternateContent>
-    <mc:Choice Requires="p14">
-      <p:transition spd="slow" p14:dur="2000"/>
-    </mc:Choice>
-    <mc:Fallback>
-      <p:transition spd="slow"/>
-    </mc:Fallback>
-  </mc:AlternateContent>
+  <p:clrMapOvr>
+    <a:masterClrMapping/>
+  </p:clrMapOvr>
 </p:sld>
 </file>
 
 <file path=ppt/slides/slide4.xml><?xml version="1.0" encoding="utf-8"?>
-<p:sld xmlns:a="http://schemas.openxmlformats.org/drawingml/2006/main" xmlns:p="http://schemas.openxmlformats.org/presentationml/2006/main" xmlns:r="http://schemas.openxmlformats.org/officeDocument/2006/relationships" xmlns:p14="http://schemas.microsoft.com/office/powerpoint/2010/main" xmlns:p15="http://schemas.microsoft.com/office/powerpoint/2012/main" xmlns:mc="http://schemas.openxmlformats.org/markup-compatibility/2006">
+<p:sld xmlns:a="http://schemas.openxmlformats.org/drawingml/2006/main" xmlns:r="http://schemas.openxmlformats.org/officeDocument/2006/relationships" xmlns:p="http://schemas.openxmlformats.org/presentationml/2006/main">
   <p:cSld>
     <p:spTree>
       <p:nvGrpSpPr>
@@ -6982,15 +8404,22 @@
           </a:ln>
         </p:spPr>
         <p:style>
-          <a:lnRef idx="0"/>
-          <a:fillRef idx="0"/>
-          <a:effectRef idx="0"/>
+          <a:lnRef idx="0">
+            <a:scrgbClr r="0" g="0" b="0"/>
+          </a:lnRef>
+          <a:fillRef idx="0">
+            <a:scrgbClr r="0" g="0" b="0"/>
+          </a:fillRef>
+          <a:effectRef idx="0">
+            <a:scrgbClr r="0" g="0" b="0"/>
+          </a:effectRef>
           <a:fontRef idx="minor"/>
         </p:style>
         <p:txBody>
-          <a:bodyPr lIns="90000" rIns="90000" tIns="45000" bIns="45000" anchor="ctr">
+          <a:bodyPr lIns="90000" tIns="45000" rIns="90000" bIns="45000" anchor="ctr">
             <a:noAutofit/>
           </a:bodyPr>
+          <a:lstStyle/>
           <a:p>
             <a:pPr>
               <a:lnSpc>
@@ -6998,7 +8427,7 @@
               </a:lnSpc>
             </a:pPr>
             <a:r>
-              <a:rPr b="0" lang="de-AT" sz="4400" spc="-1" strike="noStrike">
+              <a:rPr lang="de-AT" sz="4400" b="0" strike="noStrike" spc="-1">
                 <a:solidFill>
                   <a:srgbClr val="000000"/>
                 </a:solidFill>
@@ -7007,7 +8436,7 @@
               </a:rPr>
               <a:t>Doktoratsheuriger</a:t>
             </a:r>
-            <a:endParaRPr b="0" lang="de-AT" sz="4400" spc="-1" strike="noStrike">
+            <a:endParaRPr lang="de-AT" sz="4400" b="0" strike="noStrike" spc="-1">
               <a:latin typeface="Arial"/>
             </a:endParaRPr>
           </a:p>
@@ -7033,15 +8462,22 @@
           </a:ln>
         </p:spPr>
         <p:style>
-          <a:lnRef idx="0"/>
-          <a:fillRef idx="0"/>
-          <a:effectRef idx="0"/>
+          <a:lnRef idx="0">
+            <a:scrgbClr r="0" g="0" b="0"/>
+          </a:lnRef>
+          <a:fillRef idx="0">
+            <a:scrgbClr r="0" g="0" b="0"/>
+          </a:fillRef>
+          <a:effectRef idx="0">
+            <a:scrgbClr r="0" g="0" b="0"/>
+          </a:effectRef>
           <a:fontRef idx="minor"/>
         </p:style>
         <p:txBody>
           <a:bodyPr>
             <a:normAutofit/>
           </a:bodyPr>
+          <a:lstStyle/>
           <a:p>
             <a:pPr marL="457920" indent="-456840">
               <a:lnSpc>
@@ -7057,16 +8493,56 @@
               <a:buChar char="•"/>
             </a:pPr>
             <a:r>
-              <a:rPr b="0" lang="de-AT" sz="2800" spc="-1" strike="noStrike">
+              <a:rPr lang="de-AT" sz="2800" b="0" strike="noStrike" spc="-1" dirty="0">
                 <a:solidFill>
                   <a:srgbClr val="000000"/>
                 </a:solidFill>
                 <a:latin typeface="Calibri"/>
                 <a:ea typeface="DejaVu Sans"/>
               </a:rPr>
-              <a:t>1x per semester, near WU-Campus</a:t>
-            </a:r>
-            <a:endParaRPr b="0" lang="de-AT" sz="2800" spc="-1" strike="noStrike">
+              <a:t>1x per </a:t>
+            </a:r>
+            <a:r>
+              <a:rPr lang="de-AT" sz="2800" b="0" strike="noStrike" spc="-1" dirty="0" err="1">
+                <a:solidFill>
+                  <a:srgbClr val="000000"/>
+                </a:solidFill>
+                <a:latin typeface="Calibri"/>
+                <a:ea typeface="DejaVu Sans"/>
+              </a:rPr>
+              <a:t>semester</a:t>
+            </a:r>
+            <a:r>
+              <a:rPr lang="de-AT" sz="2800" b="0" strike="noStrike" spc="-1" dirty="0">
+                <a:solidFill>
+                  <a:srgbClr val="000000"/>
+                </a:solidFill>
+                <a:latin typeface="Calibri"/>
+                <a:ea typeface="DejaVu Sans"/>
+              </a:rPr>
+              <a:t>, </a:t>
+            </a:r>
+            <a:r>
+              <a:rPr lang="de-AT" sz="2800" b="0" strike="noStrike" spc="-1" dirty="0" err="1">
+                <a:solidFill>
+                  <a:srgbClr val="000000"/>
+                </a:solidFill>
+                <a:latin typeface="Calibri"/>
+                <a:ea typeface="DejaVu Sans"/>
+              </a:rPr>
+              <a:t>near</a:t>
+            </a:r>
+            <a:r>
+              <a:rPr lang="de-AT" sz="2800" b="0" strike="noStrike" spc="-1" dirty="0">
+                <a:solidFill>
+                  <a:srgbClr val="000000"/>
+                </a:solidFill>
+                <a:latin typeface="Calibri"/>
+                <a:ea typeface="DejaVu Sans"/>
+              </a:rPr>
+              <a:t> WU-Campus</a:t>
+            </a:r>
+            <a:endParaRPr lang="de-AT" sz="2800" b="0" strike="noStrike" spc="-1" dirty="0">
               <a:latin typeface="Arial"/>
             </a:endParaRPr>
           </a:p>
@@ -7085,16 +8561,26 @@
               <a:buChar char="•"/>
             </a:pPr>
             <a:r>
-              <a:rPr b="0" lang="de-AT" sz="2800" spc="-1" strike="noStrike">
+              <a:rPr lang="de-AT" sz="2800" b="0" strike="noStrike" spc="-1" dirty="0" err="1">
                 <a:solidFill>
                   <a:srgbClr val="000000"/>
                 </a:solidFill>
                 <a:latin typeface="Calibri"/>
                 <a:ea typeface="DejaVu Sans"/>
               </a:rPr>
-              <a:t>Advertised via Email and Facebook</a:t>
-            </a:r>
-            <a:endParaRPr b="0" lang="de-AT" sz="2800" spc="-1" strike="noStrike">
+              <a:t>Advertised</a:t>
+            </a:r>
+            <a:r>
+              <a:rPr lang="de-AT" sz="2800" b="0" strike="noStrike" spc="-1" dirty="0">
+                <a:solidFill>
+                  <a:srgbClr val="000000"/>
+                </a:solidFill>
+                <a:latin typeface="Calibri"/>
+                <a:ea typeface="DejaVu Sans"/>
+              </a:rPr>
+              <a:t> via Email and Facebook</a:t>
+            </a:r>
+            <a:endParaRPr lang="de-AT" sz="2800" b="0" strike="noStrike" spc="-1" dirty="0">
               <a:latin typeface="Arial"/>
             </a:endParaRPr>
           </a:p>
@@ -7113,16 +8599,86 @@
               <a:buChar char="•"/>
             </a:pPr>
             <a:r>
-              <a:rPr b="0" lang="de-AT" sz="2800" spc="-1" strike="noStrike">
+              <a:rPr lang="de-AT" sz="2800" b="0" strike="noStrike" spc="-1" dirty="0">
                 <a:solidFill>
                   <a:srgbClr val="000000"/>
                 </a:solidFill>
                 <a:latin typeface="Calibri"/>
                 <a:ea typeface="DejaVu Sans"/>
               </a:rPr>
-              <a:t>Online teaching coffee in the making</a:t>
-            </a:r>
-            <a:endParaRPr b="0" lang="de-AT" sz="2800" spc="-1" strike="noStrike">
+              <a:t>Online </a:t>
+            </a:r>
+            <a:r>
+              <a:rPr lang="de-AT" sz="2800" b="0" strike="noStrike" spc="-1" dirty="0" err="1">
+                <a:solidFill>
+                  <a:srgbClr val="000000"/>
+                </a:solidFill>
+                <a:latin typeface="Calibri"/>
+                <a:ea typeface="DejaVu Sans"/>
+              </a:rPr>
+              <a:t>teaching</a:t>
+            </a:r>
+            <a:r>
+              <a:rPr lang="de-AT" sz="2800" b="0" strike="noStrike" spc="-1" dirty="0">
+                <a:solidFill>
+                  <a:srgbClr val="000000"/>
+                </a:solidFill>
+                <a:latin typeface="Calibri"/>
+                <a:ea typeface="DejaVu Sans"/>
+              </a:rPr>
+              <a:t> </a:t>
+            </a:r>
+            <a:r>
+              <a:rPr lang="de-AT" sz="2800" b="0" strike="noStrike" spc="-1" dirty="0" err="1">
+                <a:solidFill>
+                  <a:srgbClr val="000000"/>
+                </a:solidFill>
+                <a:latin typeface="Calibri"/>
+                <a:ea typeface="DejaVu Sans"/>
+              </a:rPr>
+              <a:t>coffee</a:t>
+            </a:r>
+            <a:r>
+              <a:rPr lang="de-AT" sz="2800" b="0" strike="noStrike" spc="-1" dirty="0">
+                <a:solidFill>
+                  <a:srgbClr val="000000"/>
+                </a:solidFill>
+                <a:latin typeface="Calibri"/>
+                <a:ea typeface="DejaVu Sans"/>
+              </a:rPr>
+              <a:t> in </a:t>
+            </a:r>
+            <a:r>
+              <a:rPr lang="de-AT" sz="2800" b="0" strike="noStrike" spc="-1" dirty="0" err="1">
+                <a:solidFill>
+                  <a:srgbClr val="000000"/>
+                </a:solidFill>
+                <a:latin typeface="Calibri"/>
+                <a:ea typeface="DejaVu Sans"/>
+              </a:rPr>
+              <a:t>the</a:t>
+            </a:r>
+            <a:r>
+              <a:rPr lang="de-AT" sz="2800" b="0" strike="noStrike" spc="-1" dirty="0">
+                <a:solidFill>
+                  <a:srgbClr val="000000"/>
+                </a:solidFill>
+                <a:latin typeface="Calibri"/>
+                <a:ea typeface="DejaVu Sans"/>
+              </a:rPr>
+              <a:t> </a:t>
+            </a:r>
+            <a:r>
+              <a:rPr lang="de-AT" sz="2800" b="0" strike="noStrike" spc="-1" dirty="0" err="1">
+                <a:solidFill>
+                  <a:srgbClr val="000000"/>
+                </a:solidFill>
+                <a:latin typeface="Calibri"/>
+                <a:ea typeface="DejaVu Sans"/>
+              </a:rPr>
+              <a:t>making</a:t>
+            </a:r>
+            <a:endParaRPr lang="de-AT" sz="2800" b="0" strike="noStrike" spc="-1" dirty="0">
               <a:latin typeface="Arial"/>
             </a:endParaRPr>
           </a:p>
@@ -7135,10 +8691,10 @@
                 <a:spcPts val="1001"/>
               </a:spcBef>
               <a:tabLst>
-                <a:tab algn="l" pos="0"/>
+                <a:tab pos="0" algn="l"/>
               </a:tabLst>
             </a:pPr>
-            <a:endParaRPr b="0" lang="de-AT" sz="2800" spc="-1" strike="noStrike">
+            <a:endParaRPr lang="de-AT" sz="2800" b="0" strike="noStrike" spc="-1" dirty="0">
               <a:latin typeface="Arial"/>
             </a:endParaRPr>
           </a:p>
@@ -7156,11 +8712,11 @@
               <a:buFont typeface="Arial"/>
               <a:buChar char="•"/>
               <a:tabLst>
-                <a:tab algn="l" pos="0"/>
+                <a:tab pos="0" algn="l"/>
               </a:tabLst>
             </a:pPr>
             <a:r>
-              <a:rPr b="0" lang="de-AT" sz="2800" spc="-1" strike="noStrike">
+              <a:rPr lang="de-AT" sz="2800" b="0" strike="noStrike" spc="-1" dirty="0">
                 <a:solidFill>
                   <a:srgbClr val="000000"/>
                 </a:solidFill>
@@ -7169,7 +8725,38 @@
               </a:rPr>
               <a:t>Next date:</a:t>
             </a:r>
-            <a:endParaRPr b="0" lang="de-AT" sz="2800" spc="-1" strike="noStrike">
+            <a:endParaRPr lang="de-AT" sz="2800" b="0" strike="noStrike" spc="-1" dirty="0">
+              <a:latin typeface="Arial"/>
+            </a:endParaRPr>
+          </a:p>
+          <a:p>
+            <a:pPr marL="915120" lvl="1" indent="-456840">
+              <a:lnSpc>
+                <a:spcPct val="90000"/>
+              </a:lnSpc>
+              <a:spcBef>
+                <a:spcPts val="1001"/>
+              </a:spcBef>
+              <a:buClr>
+                <a:srgbClr val="000000"/>
+              </a:buClr>
+              <a:buFont typeface="Arial"/>
+              <a:buChar char="•"/>
+              <a:tabLst>
+                <a:tab pos="0" algn="l"/>
+              </a:tabLst>
+            </a:pPr>
+            <a:r>
+              <a:rPr lang="de-AT" sz="2800" b="0" strike="noStrike" spc="-1" dirty="0">
+                <a:solidFill>
+                  <a:srgbClr val="000000"/>
+                </a:solidFill>
+                <a:latin typeface="Calibri"/>
+                <a:ea typeface="DejaVu Sans"/>
+              </a:rPr>
+              <a:t>TBD (Fall)</a:t>
+            </a:r>
+            <a:endParaRPr lang="de-AT" sz="2800" b="0" strike="noStrike" spc="-1" dirty="0">
               <a:latin typeface="Arial"/>
             </a:endParaRPr>
           </a:p>
@@ -7187,20 +8774,120 @@
               <a:buFont typeface="Arial"/>
               <a:buChar char="•"/>
               <a:tabLst>
-                <a:tab algn="l" pos="0"/>
+                <a:tab pos="0" algn="l"/>
               </a:tabLst>
             </a:pPr>
             <a:r>
-              <a:rPr b="0" lang="de-AT" sz="2800" spc="-1" strike="noStrike">
+              <a:rPr lang="de-AT" sz="2800" b="0" strike="noStrike" spc="-1" dirty="0">
                 <a:solidFill>
                   <a:srgbClr val="000000"/>
                 </a:solidFill>
                 <a:latin typeface="Calibri"/>
                 <a:ea typeface="DejaVu Sans"/>
               </a:rPr>
-              <a:t>April 1st </a:t>
-            </a:r>
-            <a:endParaRPr b="0" lang="de-AT" sz="2800" spc="-1" strike="noStrike">
+              <a:t>(</a:t>
+            </a:r>
+            <a:r>
+              <a:rPr lang="de-AT" sz="2800" b="0" strike="noStrike" spc="-1" dirty="0" err="1">
+                <a:solidFill>
+                  <a:srgbClr val="000000"/>
+                </a:solidFill>
+                <a:latin typeface="Calibri"/>
+                <a:ea typeface="DejaVu Sans"/>
+              </a:rPr>
+              <a:t>jointly</a:t>
+            </a:r>
+            <a:r>
+              <a:rPr lang="de-AT" sz="2800" b="0" strike="noStrike" spc="-1" dirty="0">
+                <a:solidFill>
+                  <a:srgbClr val="000000"/>
+                </a:solidFill>
+                <a:latin typeface="Calibri"/>
+                <a:ea typeface="DejaVu Sans"/>
+              </a:rPr>
+              <a:t> </a:t>
+            </a:r>
+            <a:r>
+              <a:rPr lang="de-AT" sz="2800" b="0" strike="noStrike" spc="-1" dirty="0" err="1">
+                <a:solidFill>
+                  <a:srgbClr val="000000"/>
+                </a:solidFill>
+                <a:latin typeface="Calibri"/>
+                <a:ea typeface="DejaVu Sans"/>
+              </a:rPr>
+              <a:t>with</a:t>
+            </a:r>
+            <a:r>
+              <a:rPr lang="de-AT" sz="2800" b="0" strike="noStrike" spc="-1" dirty="0">
+                <a:solidFill>
+                  <a:srgbClr val="000000"/>
+                </a:solidFill>
+                <a:latin typeface="Calibri"/>
+                <a:ea typeface="DejaVu Sans"/>
+              </a:rPr>
+              <a:t> </a:t>
+            </a:r>
+            <a:r>
+              <a:rPr lang="de-AT" sz="2800" b="0" strike="noStrike" spc="-1" dirty="0" err="1">
+                <a:solidFill>
+                  <a:srgbClr val="000000"/>
+                </a:solidFill>
+                <a:latin typeface="Calibri"/>
+                <a:ea typeface="DejaVu Sans"/>
+              </a:rPr>
+              <a:t>Econ</a:t>
+            </a:r>
+            <a:r>
+              <a:rPr lang="de-AT" sz="2800" b="0" strike="noStrike" spc="-1" dirty="0">
+                <a:solidFill>
+                  <a:srgbClr val="000000"/>
+                </a:solidFill>
+                <a:latin typeface="Calibri"/>
+                <a:ea typeface="DejaVu Sans"/>
+              </a:rPr>
+              <a:t>./</a:t>
+            </a:r>
+            <a:r>
+              <a:rPr lang="de-AT" sz="2800" b="0" strike="noStrike" spc="-1" dirty="0" err="1">
+                <a:solidFill>
+                  <a:srgbClr val="000000"/>
+                </a:solidFill>
+                <a:latin typeface="Calibri"/>
+                <a:ea typeface="DejaVu Sans"/>
+              </a:rPr>
+              <a:t>Socioecon</a:t>
+            </a:r>
+            <a:r>
+              <a:rPr lang="de-AT" sz="2800" b="0" strike="noStrike" spc="-1" dirty="0">
+                <a:solidFill>
+                  <a:srgbClr val="000000"/>
+                </a:solidFill>
+                <a:latin typeface="Calibri"/>
+                <a:ea typeface="DejaVu Sans"/>
+              </a:rPr>
+              <a:t>./SEEP </a:t>
+            </a:r>
+            <a:r>
+              <a:rPr lang="de-AT" sz="2800" b="0" strike="noStrike" spc="-1" dirty="0" err="1">
+                <a:solidFill>
+                  <a:srgbClr val="000000"/>
+                </a:solidFill>
+                <a:latin typeface="Calibri"/>
+                <a:ea typeface="DejaVu Sans"/>
+              </a:rPr>
+              <a:t>reps</a:t>
+            </a:r>
+            <a:r>
+              <a:rPr lang="de-AT" sz="2800" b="0" strike="noStrike" spc="-1" dirty="0">
+                <a:solidFill>
+                  <a:srgbClr val="000000"/>
+                </a:solidFill>
+                <a:latin typeface="Calibri"/>
+                <a:ea typeface="DejaVu Sans"/>
+              </a:rPr>
+              <a:t>.)</a:t>
+            </a:r>
+            <a:endParaRPr lang="de-AT" sz="2800" b="0" strike="noStrike" spc="-1" dirty="0">
               <a:latin typeface="Arial"/>
             </a:endParaRPr>
           </a:p>
@@ -7218,41 +8905,10 @@
               <a:buFont typeface="Arial"/>
               <a:buChar char="•"/>
               <a:tabLst>
-                <a:tab algn="l" pos="0"/>
+                <a:tab pos="0" algn="l"/>
               </a:tabLst>
             </a:pPr>
-            <a:r>
-              <a:rPr b="0" lang="de-AT" sz="2800" spc="-1" strike="noStrike">
-                <a:solidFill>
-                  <a:srgbClr val="000000"/>
-                </a:solidFill>
-                <a:latin typeface="Calibri"/>
-                <a:ea typeface="DejaVu Sans"/>
-              </a:rPr>
-              <a:t>(jointly with Econ./Socioecon./SEEP reps.)</a:t>
-            </a:r>
-            <a:endParaRPr b="0" lang="de-AT" sz="2800" spc="-1" strike="noStrike">
-              <a:latin typeface="Arial"/>
-            </a:endParaRPr>
-          </a:p>
-          <a:p>
-            <a:pPr marL="457920" indent="-456840">
-              <a:lnSpc>
-                <a:spcPct val="90000"/>
-              </a:lnSpc>
-              <a:spcBef>
-                <a:spcPts val="1001"/>
-              </a:spcBef>
-              <a:buClr>
-                <a:srgbClr val="000000"/>
-              </a:buClr>
-              <a:buFont typeface="Arial"/>
-              <a:buChar char="•"/>
-              <a:tabLst>
-                <a:tab algn="l" pos="0"/>
-              </a:tabLst>
-            </a:pPr>
-            <a:endParaRPr b="0" lang="de-AT" sz="2800" spc="-1" strike="noStrike">
+            <a:endParaRPr lang="de-AT" sz="2800" b="0" strike="noStrike" spc="-1" dirty="0">
               <a:latin typeface="Arial"/>
             </a:endParaRPr>
           </a:p>
@@ -7265,10 +8921,10 @@
                 <a:spcPts val="1001"/>
               </a:spcBef>
               <a:tabLst>
-                <a:tab algn="l" pos="0"/>
+                <a:tab pos="0" algn="l"/>
               </a:tabLst>
             </a:pPr>
-            <a:endParaRPr b="0" lang="de-AT" sz="2800" spc="-1" strike="noStrike">
+            <a:endParaRPr lang="de-AT" sz="2800" b="0" strike="noStrike" spc="-1" dirty="0">
               <a:latin typeface="Arial"/>
             </a:endParaRPr>
           </a:p>
@@ -7281,8 +8937,8 @@
           <p:nvPr/>
         </p:nvPicPr>
         <p:blipFill>
-          <a:blip r:embed="rId1"/>
-          <a:srcRect l="0" t="17381" r="0" b="17125"/>
+          <a:blip r:embed="rId2"/>
+          <a:srcRect t="17381" b="17125"/>
           <a:stretch/>
         </p:blipFill>
         <p:spPr>
@@ -7300,42 +8956,19 @@
       </p:pic>
       <p:pic>
         <p:nvPicPr>
-          <p:cNvPr id="136" name="Grafik 5" descr=""/>
-          <p:cNvPicPr/>
-          <p:nvPr/>
-        </p:nvPicPr>
-        <p:blipFill>
-          <a:blip r:embed="rId2"/>
-          <a:srcRect l="15407" t="0" r="15109" b="1243"/>
-          <a:stretch/>
-        </p:blipFill>
-        <p:spPr>
-          <a:xfrm>
-            <a:off x="7891920" y="675000"/>
-            <a:ext cx="3860280" cy="2743200"/>
-          </a:xfrm>
-          <a:prstGeom prst="rect">
-            <a:avLst/>
-          </a:prstGeom>
-          <a:ln>
-            <a:noFill/>
-          </a:ln>
-        </p:spPr>
-      </p:pic>
-      <p:pic>
-        <p:nvPicPr>
-          <p:cNvPr id="137" name="Grafik 4" descr=""/>
+          <p:cNvPr id="136" name="Grafik 5"/>
           <p:cNvPicPr/>
           <p:nvPr/>
         </p:nvPicPr>
         <p:blipFill>
           <a:blip r:embed="rId3"/>
+          <a:srcRect l="15407" r="15109" b="1243"/>
           <a:stretch/>
         </p:blipFill>
         <p:spPr>
           <a:xfrm>
-            <a:off x="7923240" y="3613320"/>
-            <a:ext cx="3828600" cy="2871360"/>
+            <a:off x="7891920" y="675000"/>
+            <a:ext cx="3860280" cy="2743200"/>
           </a:xfrm>
           <a:prstGeom prst="rect">
             <a:avLst/>
@@ -7345,21 +8978,39 @@
           </a:ln>
         </p:spPr>
       </p:pic>
+      <p:pic>
+        <p:nvPicPr>
+          <p:cNvPr id="137" name="Grafik 4"/>
+          <p:cNvPicPr/>
+          <p:nvPr/>
+        </p:nvPicPr>
+        <p:blipFill>
+          <a:blip r:embed="rId4"/>
+          <a:stretch/>
+        </p:blipFill>
+        <p:spPr>
+          <a:xfrm>
+            <a:off x="7923240" y="3613320"/>
+            <a:ext cx="3828600" cy="2871360"/>
+          </a:xfrm>
+          <a:prstGeom prst="rect">
+            <a:avLst/>
+          </a:prstGeom>
+          <a:ln>
+            <a:noFill/>
+          </a:ln>
+        </p:spPr>
+      </p:pic>
     </p:spTree>
   </p:cSld>
-  <mc:AlternateContent>
-    <mc:Choice Requires="p14">
-      <p:transition spd="slow" p14:dur="2000"/>
-    </mc:Choice>
-    <mc:Fallback>
-      <p:transition spd="slow"/>
-    </mc:Fallback>
-  </mc:AlternateContent>
+  <p:clrMapOvr>
+    <a:masterClrMapping/>
+  </p:clrMapOvr>
 </p:sld>
 </file>
 
 <file path=ppt/slides/slide5.xml><?xml version="1.0" encoding="utf-8"?>
-<p:sld xmlns:a="http://schemas.openxmlformats.org/drawingml/2006/main" xmlns:p="http://schemas.openxmlformats.org/presentationml/2006/main" xmlns:r="http://schemas.openxmlformats.org/officeDocument/2006/relationships" xmlns:p14="http://schemas.microsoft.com/office/powerpoint/2010/main" xmlns:p15="http://schemas.microsoft.com/office/powerpoint/2012/main" xmlns:mc="http://schemas.openxmlformats.org/markup-compatibility/2006">
+<p:sld xmlns:a="http://schemas.openxmlformats.org/drawingml/2006/main" xmlns:r="http://schemas.openxmlformats.org/officeDocument/2006/relationships" xmlns:p="http://schemas.openxmlformats.org/presentationml/2006/main">
   <p:cSld>
     <p:spTree>
       <p:nvGrpSpPr>
@@ -7395,9 +9046,10 @@
           </a:ln>
         </p:spPr>
         <p:txBody>
-          <a:bodyPr lIns="0" rIns="0" tIns="0" bIns="0" anchor="ctr">
+          <a:bodyPr lIns="0" tIns="0" rIns="0" bIns="0" anchor="ctr">
             <a:noAutofit/>
           </a:bodyPr>
+          <a:lstStyle/>
           <a:p>
             <a:pPr>
               <a:lnSpc>
@@ -7405,7 +9057,7 @@
               </a:lnSpc>
             </a:pPr>
             <a:r>
-              <a:rPr b="0" lang="en-US" sz="4400" spc="-1" strike="noStrike">
+              <a:rPr lang="en-US" sz="4400" b="0" strike="noStrike" spc="-1">
                 <a:solidFill>
                   <a:srgbClr val="000000"/>
                 </a:solidFill>
@@ -7414,7 +9066,7 @@
               </a:rPr>
               <a:t>Your Projects!</a:t>
             </a:r>
-            <a:endParaRPr b="0" lang="en-US" sz="4400" spc="-1" strike="noStrike">
+            <a:endParaRPr lang="en-US" sz="4400" b="0" strike="noStrike" spc="-1">
               <a:solidFill>
                 <a:srgbClr val="000000"/>
               </a:solidFill>
@@ -7443,15 +9095,22 @@
           </a:ln>
         </p:spPr>
         <p:style>
-          <a:lnRef idx="0"/>
-          <a:fillRef idx="0"/>
-          <a:effectRef idx="0"/>
+          <a:lnRef idx="0">
+            <a:scrgbClr r="0" g="0" b="0"/>
+          </a:lnRef>
+          <a:fillRef idx="0">
+            <a:scrgbClr r="0" g="0" b="0"/>
+          </a:fillRef>
+          <a:effectRef idx="0">
+            <a:scrgbClr r="0" g="0" b="0"/>
+          </a:effectRef>
           <a:fontRef idx="minor"/>
         </p:style>
         <p:txBody>
           <a:bodyPr>
             <a:spAutoFit/>
           </a:bodyPr>
+          <a:lstStyle/>
           <a:p>
             <a:pPr marL="285840" indent="-285480">
               <a:lnSpc>
@@ -7464,7 +9123,7 @@
               <a:buChar char="•"/>
             </a:pPr>
             <a:r>
-              <a:rPr b="0" lang="en-US" sz="3200" spc="-1" strike="noStrike">
+              <a:rPr lang="en-US" sz="3200" b="0" strike="noStrike" spc="-1">
                 <a:solidFill>
                   <a:srgbClr val="000000"/>
                 </a:solidFill>
@@ -7473,7 +9132,7 @@
               </a:rPr>
               <a:t>Subsidies for Brownbag seminars or workshops organized by students</a:t>
             </a:r>
-            <a:endParaRPr b="0" lang="de-AT" sz="3200" spc="-1" strike="noStrike">
+            <a:endParaRPr lang="de-AT" sz="3200" b="0" strike="noStrike" spc="-1">
               <a:latin typeface="Arial"/>
             </a:endParaRPr>
           </a:p>
@@ -7489,7 +9148,7 @@
               <a:buChar char="•"/>
             </a:pPr>
             <a:r>
-              <a:rPr b="0" lang="en-US" sz="3200" spc="-1" strike="noStrike">
+              <a:rPr lang="en-US" sz="3200" b="0" strike="noStrike" spc="-1">
                 <a:solidFill>
                   <a:srgbClr val="000000"/>
                 </a:solidFill>
@@ -7499,19 +9158,19 @@
               <a:t>Contact </a:t>
             </a:r>
             <a:r>
-              <a:rPr b="0" lang="de-AT" sz="3200" spc="-1" strike="noStrike" u="sng">
-                <a:solidFill>
-                  <a:srgbClr val="0563c1"/>
+              <a:rPr lang="de-AT" sz="3200" b="0" u="sng" strike="noStrike" spc="-1">
+                <a:solidFill>
+                  <a:srgbClr val="0563C1"/>
                 </a:solidFill>
                 <a:uFillTx/>
                 <a:latin typeface="Calibri"/>
                 <a:ea typeface="DejaVu Sans"/>
-                <a:hlinkClick r:id="rId1"/>
+                <a:hlinkClick r:id="rId2"/>
               </a:rPr>
               <a:t>daniel.winkler@wu.ac.at</a:t>
             </a:r>
             <a:r>
-              <a:rPr b="0" lang="en-US" sz="3200" spc="-1" strike="noStrike">
+              <a:rPr lang="en-US" sz="3200" b="0" strike="noStrike" spc="-1">
                 <a:solidFill>
                   <a:srgbClr val="000000"/>
                 </a:solidFill>
@@ -7520,7 +9179,7 @@
               </a:rPr>
               <a:t> if you would like to organize an event!</a:t>
             </a:r>
-            <a:endParaRPr b="0" lang="de-AT" sz="3200" spc="-1" strike="noStrike">
+            <a:endParaRPr lang="de-AT" sz="3200" b="0" strike="noStrike" spc="-1">
               <a:latin typeface="Arial"/>
             </a:endParaRPr>
           </a:p>
@@ -7530,7 +9189,7 @@
                 <a:spcPct val="100000"/>
               </a:lnSpc>
             </a:pPr>
-            <a:endParaRPr b="0" lang="de-AT" sz="3200" spc="-1" strike="noStrike">
+            <a:endParaRPr lang="de-AT" sz="3200" b="0" strike="noStrike" spc="-1">
               <a:latin typeface="Arial"/>
             </a:endParaRPr>
           </a:p>
@@ -7538,19 +9197,14 @@
       </p:sp>
     </p:spTree>
   </p:cSld>
-  <mc:AlternateContent>
-    <mc:Choice Requires="p14">
-      <p:transition spd="slow" p14:dur="2000"/>
-    </mc:Choice>
-    <mc:Fallback>
-      <p:transition spd="slow"/>
-    </mc:Fallback>
-  </mc:AlternateContent>
+  <p:clrMapOvr>
+    <a:masterClrMapping/>
+  </p:clrMapOvr>
 </p:sld>
 </file>
 
 <file path=ppt/slides/slide6.xml><?xml version="1.0" encoding="utf-8"?>
-<p:sld xmlns:a="http://schemas.openxmlformats.org/drawingml/2006/main" xmlns:p="http://schemas.openxmlformats.org/presentationml/2006/main" xmlns:r="http://schemas.openxmlformats.org/officeDocument/2006/relationships" xmlns:p14="http://schemas.microsoft.com/office/powerpoint/2010/main" xmlns:p15="http://schemas.microsoft.com/office/powerpoint/2012/main" xmlns:mc="http://schemas.openxmlformats.org/markup-compatibility/2006">
+<p:sld xmlns:a="http://schemas.openxmlformats.org/drawingml/2006/main" xmlns:r="http://schemas.openxmlformats.org/officeDocument/2006/relationships" xmlns:p="http://schemas.openxmlformats.org/presentationml/2006/main">
   <p:cSld>
     <p:spTree>
       <p:nvGrpSpPr>
@@ -7586,15 +9240,22 @@
           </a:ln>
         </p:spPr>
         <p:style>
-          <a:lnRef idx="0"/>
-          <a:fillRef idx="0"/>
-          <a:effectRef idx="0"/>
+          <a:lnRef idx="0">
+            <a:scrgbClr r="0" g="0" b="0"/>
+          </a:lnRef>
+          <a:fillRef idx="0">
+            <a:scrgbClr r="0" g="0" b="0"/>
+          </a:fillRef>
+          <a:effectRef idx="0">
+            <a:scrgbClr r="0" g="0" b="0"/>
+          </a:effectRef>
           <a:fontRef idx="minor"/>
         </p:style>
         <p:txBody>
-          <a:bodyPr lIns="90000" rIns="90000" tIns="45000" bIns="45000" anchor="ctr">
+          <a:bodyPr lIns="90000" tIns="45000" rIns="90000" bIns="45000" anchor="ctr">
             <a:noAutofit/>
           </a:bodyPr>
+          <a:lstStyle/>
           <a:p>
             <a:pPr>
               <a:lnSpc>
@@ -7602,7 +9263,7 @@
               </a:lnSpc>
             </a:pPr>
             <a:r>
-              <a:rPr b="0" lang="de-AT" sz="4400" spc="-1" strike="noStrike">
+              <a:rPr lang="de-AT" sz="4400" b="0" strike="noStrike" spc="-1">
                 <a:solidFill>
                   <a:srgbClr val="000000"/>
                 </a:solidFill>
@@ -7611,7 +9272,7 @@
               </a:rPr>
               <a:t>Thank you very much for your patience, good luck with your PhD project!</a:t>
             </a:r>
-            <a:endParaRPr b="0" lang="de-AT" sz="4400" spc="-1" strike="noStrike">
+            <a:endParaRPr lang="de-AT" sz="4400" b="0" strike="noStrike" spc="-1">
               <a:latin typeface="Arial"/>
             </a:endParaRPr>
           </a:p>
@@ -7624,8 +9285,8 @@
           <p:nvPr/>
         </p:nvPicPr>
         <p:blipFill>
-          <a:blip r:embed="rId1"/>
-          <a:srcRect l="0" t="17381" r="0" b="17125"/>
+          <a:blip r:embed="rId2"/>
+          <a:srcRect t="17381" b="17125"/>
           <a:stretch/>
         </p:blipFill>
         <p:spPr>
@@ -7643,14 +9304,9 @@
       </p:pic>
     </p:spTree>
   </p:cSld>
-  <mc:AlternateContent>
-    <mc:Choice Requires="p14">
-      <p:transition spd="slow" p14:dur="2000"/>
-    </mc:Choice>
-    <mc:Fallback>
-      <p:transition spd="slow"/>
-    </mc:Fallback>
-  </mc:AlternateContent>
+  <p:clrMapOvr>
+    <a:masterClrMapping/>
+  </p:clrMapOvr>
 </p:sld>
 </file>
 
@@ -7665,34 +9321,34 @@
         <a:sysClr val="window" lastClr="FFFFFF"/>
       </a:lt1>
       <a:dk2>
-        <a:srgbClr val="44546a"/>
+        <a:srgbClr val="44546A"/>
       </a:dk2>
       <a:lt2>
-        <a:srgbClr val="e7e6e6"/>
+        <a:srgbClr val="E7E6E6"/>
       </a:lt2>
       <a:accent1>
-        <a:srgbClr val="5b9bd5"/>
+        <a:srgbClr val="5B9BD5"/>
       </a:accent1>
       <a:accent2>
-        <a:srgbClr val="ed7d31"/>
+        <a:srgbClr val="ED7D31"/>
       </a:accent2>
       <a:accent3>
-        <a:srgbClr val="a5a5a5"/>
+        <a:srgbClr val="A5A5A5"/>
       </a:accent3>
       <a:accent4>
-        <a:srgbClr val="ffc000"/>
+        <a:srgbClr val="FFC000"/>
       </a:accent4>
       <a:accent5>
-        <a:srgbClr val="4472c4"/>
+        <a:srgbClr val="4472C4"/>
       </a:accent5>
       <a:accent6>
-        <a:srgbClr val="70ad47"/>
+        <a:srgbClr val="70AD47"/>
       </a:accent6>
       <a:hlink>
-        <a:srgbClr val="0563c1"/>
+        <a:srgbClr val="0563C1"/>
       </a:hlink>
       <a:folHlink>
-        <a:srgbClr val="954f72"/>
+        <a:srgbClr val="954F72"/>
       </a:folHlink>
     </a:clrScheme>
     <a:fontScheme name="Office">
@@ -7877,6 +9533,8 @@
       </a:bgFillStyleLst>
     </a:fmtScheme>
   </a:themeElements>
+  <a:objectDefaults/>
+  <a:extraClrSchemeLst/>
 </a:theme>
 </file>
 
@@ -7891,34 +9549,34 @@
         <a:sysClr val="window" lastClr="FFFFFF"/>
       </a:lt1>
       <a:dk2>
-        <a:srgbClr val="44546a"/>
+        <a:srgbClr val="44546A"/>
       </a:dk2>
       <a:lt2>
-        <a:srgbClr val="e7e6e6"/>
+        <a:srgbClr val="E7E6E6"/>
       </a:lt2>
       <a:accent1>
-        <a:srgbClr val="5b9bd5"/>
+        <a:srgbClr val="5B9BD5"/>
       </a:accent1>
       <a:accent2>
-        <a:srgbClr val="ed7d31"/>
+        <a:srgbClr val="ED7D31"/>
       </a:accent2>
       <a:accent3>
-        <a:srgbClr val="a5a5a5"/>
+        <a:srgbClr val="A5A5A5"/>
       </a:accent3>
       <a:accent4>
-        <a:srgbClr val="ffc000"/>
+        <a:srgbClr val="FFC000"/>
       </a:accent4>
       <a:accent5>
-        <a:srgbClr val="4472c4"/>
+        <a:srgbClr val="4472C4"/>
       </a:accent5>
       <a:accent6>
-        <a:srgbClr val="70ad47"/>
+        <a:srgbClr val="70AD47"/>
       </a:accent6>
       <a:hlink>
-        <a:srgbClr val="0563c1"/>
+        <a:srgbClr val="0563C1"/>
       </a:hlink>
       <a:folHlink>
-        <a:srgbClr val="954f72"/>
+        <a:srgbClr val="954F72"/>
       </a:folHlink>
     </a:clrScheme>
     <a:fontScheme name="Office">
@@ -8103,6 +9761,8 @@
       </a:bgFillStyleLst>
     </a:fmtScheme>
   </a:themeElements>
+  <a:objectDefaults/>
+  <a:extraClrSchemeLst/>
 </a:theme>
 </file>
 
@@ -8117,34 +9777,34 @@
         <a:sysClr val="window" lastClr="FFFFFF"/>
       </a:lt1>
       <a:dk2>
-        <a:srgbClr val="44546a"/>
+        <a:srgbClr val="44546A"/>
       </a:dk2>
       <a:lt2>
-        <a:srgbClr val="e7e6e6"/>
+        <a:srgbClr val="E7E6E6"/>
       </a:lt2>
       <a:accent1>
-        <a:srgbClr val="5b9bd5"/>
+        <a:srgbClr val="5B9BD5"/>
       </a:accent1>
       <a:accent2>
-        <a:srgbClr val="ed7d31"/>
+        <a:srgbClr val="ED7D31"/>
       </a:accent2>
       <a:accent3>
-        <a:srgbClr val="a5a5a5"/>
+        <a:srgbClr val="A5A5A5"/>
       </a:accent3>
       <a:accent4>
-        <a:srgbClr val="ffc000"/>
+        <a:srgbClr val="FFC000"/>
       </a:accent4>
       <a:accent5>
-        <a:srgbClr val="4472c4"/>
+        <a:srgbClr val="4472C4"/>
       </a:accent5>
       <a:accent6>
-        <a:srgbClr val="70ad47"/>
+        <a:srgbClr val="70AD47"/>
       </a:accent6>
       <a:hlink>
-        <a:srgbClr val="0563c1"/>
+        <a:srgbClr val="0563C1"/>
       </a:hlink>
       <a:folHlink>
-        <a:srgbClr val="954f72"/>
+        <a:srgbClr val="954F72"/>
       </a:folHlink>
     </a:clrScheme>
     <a:fontScheme name="Office">
@@ -8329,6 +9989,8 @@
       </a:bgFillStyleLst>
     </a:fmtScheme>
   </a:themeElements>
+  <a:objectDefaults/>
+  <a:extraClrSchemeLst/>
 </a:theme>
 </file>
 
@@ -8343,34 +10005,34 @@
         <a:sysClr val="window" lastClr="FFFFFF"/>
       </a:lt1>
       <a:dk2>
-        <a:srgbClr val="44546a"/>
+        <a:srgbClr val="44546A"/>
       </a:dk2>
       <a:lt2>
-        <a:srgbClr val="e7e6e6"/>
+        <a:srgbClr val="E7E6E6"/>
       </a:lt2>
       <a:accent1>
-        <a:srgbClr val="5b9bd5"/>
+        <a:srgbClr val="5B9BD5"/>
       </a:accent1>
       <a:accent2>
-        <a:srgbClr val="ed7d31"/>
+        <a:srgbClr val="ED7D31"/>
       </a:accent2>
       <a:accent3>
-        <a:srgbClr val="a5a5a5"/>
+        <a:srgbClr val="A5A5A5"/>
       </a:accent3>
       <a:accent4>
-        <a:srgbClr val="ffc000"/>
+        <a:srgbClr val="FFC000"/>
       </a:accent4>
       <a:accent5>
-        <a:srgbClr val="4472c4"/>
+        <a:srgbClr val="4472C4"/>
       </a:accent5>
       <a:accent6>
-        <a:srgbClr val="70ad47"/>
+        <a:srgbClr val="70AD47"/>
       </a:accent6>
       <a:hlink>
-        <a:srgbClr val="0563c1"/>
+        <a:srgbClr val="0563C1"/>
       </a:hlink>
       <a:folHlink>
-        <a:srgbClr val="954f72"/>
+        <a:srgbClr val="954F72"/>
       </a:folHlink>
     </a:clrScheme>
     <a:fontScheme name="Office">
@@ -8555,219 +10217,7 @@
       </a:bgFillStyleLst>
     </a:fmtScheme>
   </a:themeElements>
+  <a:objectDefaults/>
+  <a:extraClrSchemeLst/>
 </a:theme>
-</file>
-
-<file path=customXml/item1.xml><?xml version="1.0" encoding="utf-8"?>
-<p:properties xmlns:p="http://schemas.microsoft.com/office/2006/metadata/properties" xmlns:xsi="http://www.w3.org/2001/XMLSchema-instance" xmlns:pc="http://schemas.microsoft.com/office/infopath/2007/PartnerControls">
-  <documentManagement/>
-</p:properties>
-</file>
-
-<file path=customXml/item2.xml><?xml version="1.0" encoding="utf-8"?>
-<?mso-contentType ?>
-<FormTemplates xmlns="http://schemas.microsoft.com/sharepoint/v3/contenttype/forms">
-  <Display>DocumentLibraryForm</Display>
-  <Edit>DocumentLibraryForm</Edit>
-  <New>DocumentLibraryForm</New>
-</FormTemplates>
-</file>
-
-<file path=customXml/item3.xml><?xml version="1.0" encoding="utf-8"?>
-<ct:contentTypeSchema xmlns:ct="http://schemas.microsoft.com/office/2006/metadata/contentType" xmlns:ma="http://schemas.microsoft.com/office/2006/metadata/properties/metaAttributes" ct:_="" ma:_="" ma:contentTypeName="Dokument" ma:contentTypeID="0x010100351CA87367044F4E807E7372A53307FE" ma:contentTypeVersion="7" ma:contentTypeDescription="Ein neues Dokument erstellen." ma:contentTypeScope="" ma:versionID="e71f843bfe5a0f02ccfded92767ddc8b">
-  <xsd:schema xmlns:xsd="http://www.w3.org/2001/XMLSchema" xmlns:xs="http://www.w3.org/2001/XMLSchema" xmlns:p="http://schemas.microsoft.com/office/2006/metadata/properties" xmlns:ns2="5728f1a6-6d34-44e1-b8a1-47a3a9b4fc44" targetNamespace="http://schemas.microsoft.com/office/2006/metadata/properties" ma:root="true" ma:fieldsID="fa99e45ac7cc43dc25ad867b1a72de7a" ns2:_="">
-    <xsd:import namespace="5728f1a6-6d34-44e1-b8a1-47a3a9b4fc44"/>
-    <xsd:element name="properties">
-      <xsd:complexType>
-        <xsd:sequence>
-          <xsd:element name="documentManagement">
-            <xsd:complexType>
-              <xsd:all>
-                <xsd:element ref="ns2:MediaServiceMetadata" minOccurs="0"/>
-                <xsd:element ref="ns2:MediaServiceFastMetadata" minOccurs="0"/>
-                <xsd:element ref="ns2:MediaServiceDateTaken" minOccurs="0"/>
-                <xsd:element ref="ns2:MediaServiceAutoTags" minOccurs="0"/>
-                <xsd:element ref="ns2:MediaServiceOCR" minOccurs="0"/>
-                <xsd:element ref="ns2:MediaServiceGenerationTime" minOccurs="0"/>
-                <xsd:element ref="ns2:MediaServiceEventHashCode" minOccurs="0"/>
-              </xsd:all>
-            </xsd:complexType>
-          </xsd:element>
-        </xsd:sequence>
-      </xsd:complexType>
-    </xsd:element>
-  </xsd:schema>
-  <xsd:schema xmlns:xsd="http://www.w3.org/2001/XMLSchema" xmlns:xs="http://www.w3.org/2001/XMLSchema" xmlns:dms="http://schemas.microsoft.com/office/2006/documentManagement/types" xmlns:pc="http://schemas.microsoft.com/office/infopath/2007/PartnerControls" targetNamespace="5728f1a6-6d34-44e1-b8a1-47a3a9b4fc44" elementFormDefault="qualified">
-    <xsd:import namespace="http://schemas.microsoft.com/office/2006/documentManagement/types"/>
-    <xsd:import namespace="http://schemas.microsoft.com/office/infopath/2007/PartnerControls"/>
-    <xsd:element name="MediaServiceMetadata" ma:index="8" nillable="true" ma:displayName="MediaServiceMetadata" ma:hidden="true" ma:internalName="MediaServiceMetadata" ma:readOnly="true">
-      <xsd:simpleType>
-        <xsd:restriction base="dms:Note"/>
-      </xsd:simpleType>
-    </xsd:element>
-    <xsd:element name="MediaServiceFastMetadata" ma:index="9" nillable="true" ma:displayName="MediaServiceFastMetadata" ma:hidden="true" ma:internalName="MediaServiceFastMetadata" ma:readOnly="true">
-      <xsd:simpleType>
-        <xsd:restriction base="dms:Note"/>
-      </xsd:simpleType>
-    </xsd:element>
-    <xsd:element name="MediaServiceDateTaken" ma:index="10" nillable="true" ma:displayName="MediaServiceDateTaken" ma:hidden="true" ma:internalName="MediaServiceDateTaken" ma:readOnly="true">
-      <xsd:simpleType>
-        <xsd:restriction base="dms:Text"/>
-      </xsd:simpleType>
-    </xsd:element>
-    <xsd:element name="MediaServiceAutoTags" ma:index="11" nillable="true" ma:displayName="Tags" ma:internalName="MediaServiceAutoTags" ma:readOnly="true">
-      <xsd:simpleType>
-        <xsd:restriction base="dms:Text"/>
-      </xsd:simpleType>
-    </xsd:element>
-    <xsd:element name="MediaServiceOCR" ma:index="12" nillable="true" ma:displayName="Extracted Text" ma:internalName="MediaServiceOCR" ma:readOnly="true">
-      <xsd:simpleType>
-        <xsd:restriction base="dms:Note">
-          <xsd:maxLength value="255"/>
-        </xsd:restriction>
-      </xsd:simpleType>
-    </xsd:element>
-    <xsd:element name="MediaServiceGenerationTime" ma:index="13" nillable="true" ma:displayName="MediaServiceGenerationTime" ma:hidden="true" ma:internalName="MediaServiceGenerationTime" ma:readOnly="true">
-      <xsd:simpleType>
-        <xsd:restriction base="dms:Text"/>
-      </xsd:simpleType>
-    </xsd:element>
-    <xsd:element name="MediaServiceEventHashCode" ma:index="14" nillable="true" ma:displayName="MediaServiceEventHashCode" ma:hidden="true" ma:internalName="MediaServiceEventHashCode" ma:readOnly="true">
-      <xsd:simpleType>
-        <xsd:restriction base="dms:Text"/>
-      </xsd:simpleType>
-    </xsd:element>
-  </xsd:schema>
-  <xsd:schema xmlns="http://schemas.openxmlformats.org/package/2006/metadata/core-properties" xmlns:xsd="http://www.w3.org/2001/XMLSchema" xmlns:xsi="http://www.w3.org/2001/XMLSchema-instance" xmlns:dc="http://purl.org/dc/elements/1.1/" xmlns:dcterms="http://purl.org/dc/terms/" xmlns:odoc="http://schemas.microsoft.com/internal/obd" targetNamespace="http://schemas.openxmlformats.org/package/2006/metadata/core-properties" elementFormDefault="qualified" attributeFormDefault="unqualified" blockDefault="#all">
-    <xsd:import namespace="http://purl.org/dc/elements/1.1/" schemaLocation="http://dublincore.org/schemas/xmls/qdc/2003/04/02/dc.xsd"/>
-    <xsd:import namespace="http://purl.org/dc/terms/" schemaLocation="http://dublincore.org/schemas/xmls/qdc/2003/04/02/dcterms.xsd"/>
-    <xsd:element name="coreProperties" type="CT_coreProperties"/>
-    <xsd:complexType name="CT_coreProperties">
-      <xsd:all>
-        <xsd:element ref="dc:creator" minOccurs="0" maxOccurs="1"/>
-        <xsd:element ref="dcterms:created" minOccurs="0" maxOccurs="1"/>
-        <xsd:element ref="dc:identifier" minOccurs="0" maxOccurs="1"/>
-        <xsd:element name="contentType" minOccurs="0" maxOccurs="1" type="xsd:string" ma:index="0" ma:displayName="Inhaltstyp"/>
-        <xsd:element ref="dc:title" minOccurs="0" maxOccurs="1" ma:index="4" ma:displayName="Titel"/>
-        <xsd:element ref="dc:subject" minOccurs="0" maxOccurs="1"/>
-        <xsd:element ref="dc:description" minOccurs="0" maxOccurs="1"/>
-        <xsd:element name="keywords" minOccurs="0" maxOccurs="1" type="xsd:string"/>
-        <xsd:element ref="dc:language" minOccurs="0" maxOccurs="1"/>
-        <xsd:element name="category" minOccurs="0" maxOccurs="1" type="xsd:string"/>
-        <xsd:element name="version" minOccurs="0" maxOccurs="1" type="xsd:string"/>
-        <xsd:element name="revision" minOccurs="0" maxOccurs="1" type="xsd:string">
-          <xsd:annotation>
-            <xsd:documentation>
-                        This value indicates the number of saves or revisions. The application is responsible for updating this value after each revision.
-                    </xsd:documentation>
-          </xsd:annotation>
-        </xsd:element>
-        <xsd:element name="lastModifiedBy" minOccurs="0" maxOccurs="1" type="xsd:string"/>
-        <xsd:element ref="dcterms:modified" minOccurs="0" maxOccurs="1"/>
-        <xsd:element name="contentStatus" minOccurs="0" maxOccurs="1" type="xsd:string"/>
-      </xsd:all>
-    </xsd:complexType>
-  </xsd:schema>
-  <xs:schema xmlns:pc="http://schemas.microsoft.com/office/infopath/2007/PartnerControls" xmlns:xs="http://www.w3.org/2001/XMLSchema" targetNamespace="http://schemas.microsoft.com/office/infopath/2007/PartnerControls" elementFormDefault="qualified" attributeFormDefault="unqualified">
-    <xs:element name="Person">
-      <xs:complexType>
-        <xs:sequence>
-          <xs:element ref="pc:DisplayName" minOccurs="0"/>
-          <xs:element ref="pc:AccountId" minOccurs="0"/>
-          <xs:element ref="pc:AccountType" minOccurs="0"/>
-        </xs:sequence>
-      </xs:complexType>
-    </xs:element>
-    <xs:element name="DisplayName" type="xs:string"/>
-    <xs:element name="AccountId" type="xs:string"/>
-    <xs:element name="AccountType" type="xs:string"/>
-    <xs:element name="BDCAssociatedEntity">
-      <xs:complexType>
-        <xs:sequence>
-          <xs:element ref="pc:BDCEntity" minOccurs="0" maxOccurs="unbounded"/>
-        </xs:sequence>
-        <xs:attribute ref="pc:EntityNamespace"/>
-        <xs:attribute ref="pc:EntityName"/>
-        <xs:attribute ref="pc:SystemInstanceName"/>
-        <xs:attribute ref="pc:AssociationName"/>
-      </xs:complexType>
-    </xs:element>
-    <xs:attribute name="EntityNamespace" type="xs:string"/>
-    <xs:attribute name="EntityName" type="xs:string"/>
-    <xs:attribute name="SystemInstanceName" type="xs:string"/>
-    <xs:attribute name="AssociationName" type="xs:string"/>
-    <xs:element name="BDCEntity">
-      <xs:complexType>
-        <xs:sequence>
-          <xs:element ref="pc:EntityDisplayName" minOccurs="0"/>
-          <xs:element ref="pc:EntityInstanceReference" minOccurs="0"/>
-          <xs:element ref="pc:EntityId1" minOccurs="0"/>
-          <xs:element ref="pc:EntityId2" minOccurs="0"/>
-          <xs:element ref="pc:EntityId3" minOccurs="0"/>
-          <xs:element ref="pc:EntityId4" minOccurs="0"/>
-          <xs:element ref="pc:EntityId5" minOccurs="0"/>
-        </xs:sequence>
-      </xs:complexType>
-    </xs:element>
-    <xs:element name="EntityDisplayName" type="xs:string"/>
-    <xs:element name="EntityInstanceReference" type="xs:string"/>
-    <xs:element name="EntityId1" type="xs:string"/>
-    <xs:element name="EntityId2" type="xs:string"/>
-    <xs:element name="EntityId3" type="xs:string"/>
-    <xs:element name="EntityId4" type="xs:string"/>
-    <xs:element name="EntityId5" type="xs:string"/>
-    <xs:element name="Terms">
-      <xs:complexType>
-        <xs:sequence>
-          <xs:element ref="pc:TermInfo" minOccurs="0" maxOccurs="unbounded"/>
-        </xs:sequence>
-      </xs:complexType>
-    </xs:element>
-    <xs:element name="TermInfo">
-      <xs:complexType>
-        <xs:sequence>
-          <xs:element ref="pc:TermName" minOccurs="0"/>
-          <xs:element ref="pc:TermId" minOccurs="0"/>
-        </xs:sequence>
-      </xs:complexType>
-    </xs:element>
-    <xs:element name="TermName" type="xs:string"/>
-    <xs:element name="TermId" type="xs:string"/>
-  </xs:schema>
-</ct:contentTypeSchema>
-</file>
-
-<file path=customXml/itemProps1.xml><?xml version="1.0" encoding="utf-8"?>
-<ds:datastoreItem xmlns:ds="http://schemas.openxmlformats.org/officeDocument/2006/customXml" ds:itemID="{A64CD698-7C84-4276-87BD-EEA1CFAA5201}">
-  <ds:schemaRefs>
-    <ds:schemaRef ds:uri="http://schemas.microsoft.com/office/2006/metadata/properties"/>
-    <ds:schemaRef ds:uri="http://schemas.microsoft.com/office/infopath/2007/PartnerControls"/>
-  </ds:schemaRefs>
-</ds:datastoreItem>
-</file>
-
-<file path=customXml/itemProps2.xml><?xml version="1.0" encoding="utf-8"?>
-<ds:datastoreItem xmlns:ds="http://schemas.openxmlformats.org/officeDocument/2006/customXml" ds:itemID="{6481CCB7-0490-4A3F-9CAD-15FCB9D1FE13}">
-  <ds:schemaRefs>
-    <ds:schemaRef ds:uri="http://schemas.microsoft.com/sharepoint/v3/contenttype/forms"/>
-  </ds:schemaRefs>
-</ds:datastoreItem>
-</file>
-
-<file path=customXml/itemProps3.xml><?xml version="1.0" encoding="utf-8"?>
-<ds:datastoreItem xmlns:ds="http://schemas.openxmlformats.org/officeDocument/2006/customXml" ds:itemID="{425EE4DA-C27E-4329-BF34-BA9C6A432FF0}">
-  <ds:schemaRefs>
-    <ds:schemaRef ds:uri="http://schemas.microsoft.com/office/2006/metadata/contentType"/>
-    <ds:schemaRef ds:uri="http://schemas.microsoft.com/office/2006/metadata/properties/metaAttributes"/>
-    <ds:schemaRef ds:uri="http://www.w3.org/2001/XMLSchema"/>
-    <ds:schemaRef ds:uri="http://schemas.microsoft.com/office/2006/metadata/properties"/>
-    <ds:schemaRef ds:uri="5728f1a6-6d34-44e1-b8a1-47a3a9b4fc44"/>
-    <ds:schemaRef ds:uri="http://schemas.microsoft.com/office/2006/documentManagement/types"/>
-    <ds:schemaRef ds:uri="http://schemas.microsoft.com/office/infopath/2007/PartnerControls"/>
-    <ds:schemaRef ds:uri="http://schemas.openxmlformats.org/package/2006/metadata/core-properties"/>
-    <ds:schemaRef ds:uri="http://purl.org/dc/elements/1.1/"/>
-    <ds:schemaRef ds:uri="http://purl.org/dc/terms/"/>
-    <ds:schemaRef ds:uri="http://schemas.microsoft.com/internal/obd"/>
-  </ds:schemaRefs>
-</ds:datastoreItem>
 </file>
--- a/Presentation DrInfoAbend - english.pptx
+++ b/Presentation DrInfoAbend - english.pptx
@@ -114,6 +114,11 @@
       </a:defRPr>
     </a:lvl9pPr>
   </p:defaultTextStyle>
+  <p:extLst>
+    <p:ext uri="{EFAFB233-063F-42B5-8137-9DF3F51BA10A}">
+      <p15:sldGuideLst xmlns:p15="http://schemas.microsoft.com/office/powerpoint/2012/main"/>
+    </p:ext>
+  </p:extLst>
 </p:presentation>
 </file>
 
@@ -343,7 +348,7 @@
               <a:rPr lang="de-AT" sz="1400" b="0" strike="noStrike" spc="-1">
                 <a:latin typeface="Times New Roman"/>
               </a:rPr>
-              <a:t>‹Nr.›</a:t>
+              <a:t>‹#›</a:t>
             </a:fld>
             <a:endParaRPr lang="de-AT" sz="1400" b="0" strike="noStrike" spc="-1">
               <a:latin typeface="Times New Roman"/>
@@ -8585,104 +8590,6 @@
             </a:endParaRPr>
           </a:p>
           <a:p>
-            <a:pPr marL="457920" indent="-456840">
-              <a:lnSpc>
-                <a:spcPct val="90000"/>
-              </a:lnSpc>
-              <a:spcBef>
-                <a:spcPts val="1001"/>
-              </a:spcBef>
-              <a:buClr>
-                <a:srgbClr val="000000"/>
-              </a:buClr>
-              <a:buFont typeface="Arial"/>
-              <a:buChar char="•"/>
-            </a:pPr>
-            <a:r>
-              <a:rPr lang="de-AT" sz="2800" b="0" strike="noStrike" spc="-1" dirty="0">
-                <a:solidFill>
-                  <a:srgbClr val="000000"/>
-                </a:solidFill>
-                <a:latin typeface="Calibri"/>
-                <a:ea typeface="DejaVu Sans"/>
-              </a:rPr>
-              <a:t>Online </a:t>
-            </a:r>
-            <a:r>
-              <a:rPr lang="de-AT" sz="2800" b="0" strike="noStrike" spc="-1" dirty="0" err="1">
-                <a:solidFill>
-                  <a:srgbClr val="000000"/>
-                </a:solidFill>
-                <a:latin typeface="Calibri"/>
-                <a:ea typeface="DejaVu Sans"/>
-              </a:rPr>
-              <a:t>teaching</a:t>
-            </a:r>
-            <a:r>
-              <a:rPr lang="de-AT" sz="2800" b="0" strike="noStrike" spc="-1" dirty="0">
-                <a:solidFill>
-                  <a:srgbClr val="000000"/>
-                </a:solidFill>
-                <a:latin typeface="Calibri"/>
-                <a:ea typeface="DejaVu Sans"/>
-              </a:rPr>
-              <a:t> </a:t>
-            </a:r>
-            <a:r>
-              <a:rPr lang="de-AT" sz="2800" b="0" strike="noStrike" spc="-1" dirty="0" err="1">
-                <a:solidFill>
-                  <a:srgbClr val="000000"/>
-                </a:solidFill>
-                <a:latin typeface="Calibri"/>
-                <a:ea typeface="DejaVu Sans"/>
-              </a:rPr>
-              <a:t>coffee</a:t>
-            </a:r>
-            <a:r>
-              <a:rPr lang="de-AT" sz="2800" b="0" strike="noStrike" spc="-1" dirty="0">
-                <a:solidFill>
-                  <a:srgbClr val="000000"/>
-                </a:solidFill>
-                <a:latin typeface="Calibri"/>
-                <a:ea typeface="DejaVu Sans"/>
-              </a:rPr>
-              <a:t> in </a:t>
-            </a:r>
-            <a:r>
-              <a:rPr lang="de-AT" sz="2800" b="0" strike="noStrike" spc="-1" dirty="0" err="1">
-                <a:solidFill>
-                  <a:srgbClr val="000000"/>
-                </a:solidFill>
-                <a:latin typeface="Calibri"/>
-                <a:ea typeface="DejaVu Sans"/>
-              </a:rPr>
-              <a:t>the</a:t>
-            </a:r>
-            <a:r>
-              <a:rPr lang="de-AT" sz="2800" b="0" strike="noStrike" spc="-1" dirty="0">
-                <a:solidFill>
-                  <a:srgbClr val="000000"/>
-                </a:solidFill>
-                <a:latin typeface="Calibri"/>
-                <a:ea typeface="DejaVu Sans"/>
-              </a:rPr>
-              <a:t> </a:t>
-            </a:r>
-            <a:r>
-              <a:rPr lang="de-AT" sz="2800" b="0" strike="noStrike" spc="-1" dirty="0" err="1">
-                <a:solidFill>
-                  <a:srgbClr val="000000"/>
-                </a:solidFill>
-                <a:latin typeface="Calibri"/>
-                <a:ea typeface="DejaVu Sans"/>
-              </a:rPr>
-              <a:t>making</a:t>
-            </a:r>
-            <a:endParaRPr lang="de-AT" sz="2800" b="0" strike="noStrike" spc="-1" dirty="0">
-              <a:latin typeface="Arial"/>
-            </a:endParaRPr>
-          </a:p>
-          <a:p>
             <a:pPr>
               <a:lnSpc>
                 <a:spcPct val="90000"/>
@@ -8754,7 +8661,27 @@
                 <a:latin typeface="Calibri"/>
                 <a:ea typeface="DejaVu Sans"/>
               </a:rPr>
-              <a:t>TBD (Fall)</a:t>
+              <a:t>TBD (~End </a:t>
+            </a:r>
+            <a:r>
+              <a:rPr lang="de-AT" sz="2800" b="0" strike="noStrike" spc="-1" dirty="0" err="1">
+                <a:solidFill>
+                  <a:srgbClr val="000000"/>
+                </a:solidFill>
+                <a:latin typeface="Calibri"/>
+                <a:ea typeface="DejaVu Sans"/>
+              </a:rPr>
+              <a:t>of</a:t>
+            </a:r>
+            <a:r>
+              <a:rPr lang="de-AT" sz="2800" b="0" strike="noStrike" spc="-1" dirty="0">
+                <a:solidFill>
+                  <a:srgbClr val="000000"/>
+                </a:solidFill>
+                <a:latin typeface="Calibri"/>
+                <a:ea typeface="DejaVu Sans"/>
+              </a:rPr>
+              <a:t> June)</a:t>
             </a:r>
             <a:endParaRPr lang="de-AT" sz="2800" b="0" strike="noStrike" spc="-1" dirty="0">
               <a:latin typeface="Arial"/>
